--- a/Project_3_proposal.pptx
+++ b/Project_3_proposal.pptx
@@ -2,14 +2,16 @@
 <file path=ppt/presentation.xml><?xml version="1.0" encoding="utf-8"?>
 <p:presentation xmlns:a="http://schemas.openxmlformats.org/drawingml/2006/main" xmlns:r="http://schemas.openxmlformats.org/officeDocument/2006/relationships" xmlns:p="http://schemas.openxmlformats.org/presentationml/2006/main" saveSubsetFonts="1">
   <p:sldMasterIdLst>
-    <p:sldMasterId id="2147483648" r:id="rId1"/>
+    <p:sldMasterId id="2147483838" r:id="rId1"/>
   </p:sldMasterIdLst>
   <p:sldIdLst>
     <p:sldId id="256" r:id="rId2"/>
-    <p:sldId id="257" r:id="rId3"/>
+    <p:sldId id="261" r:id="rId3"/>
     <p:sldId id="259" r:id="rId4"/>
-    <p:sldId id="258" r:id="rId5"/>
-    <p:sldId id="260" r:id="rId6"/>
+    <p:sldId id="260" r:id="rId5"/>
+    <p:sldId id="262" r:id="rId6"/>
+    <p:sldId id="263" r:id="rId7"/>
+    <p:sldId id="264" r:id="rId8"/>
   </p:sldIdLst>
   <p:sldSz cx="12192000" cy="6858000"/>
   <p:notesSz cx="6858000" cy="9144000"/>
@@ -17,7 +19,7 @@
     <a:defPPr>
       <a:defRPr lang="en-US"/>
     </a:defPPr>
-    <a:lvl1pPr marL="0" algn="l" defTabSz="914400" rtl="0" eaLnBrk="1" latinLnBrk="0" hangingPunct="1">
+    <a:lvl1pPr marL="0" algn="l" defTabSz="457200" rtl="0" eaLnBrk="1" latinLnBrk="0" hangingPunct="1">
       <a:defRPr sz="1800" kern="1200">
         <a:solidFill>
           <a:schemeClr val="tx1"/>
@@ -27,7 +29,7 @@
         <a:cs typeface="+mn-cs"/>
       </a:defRPr>
     </a:lvl1pPr>
-    <a:lvl2pPr marL="457200" algn="l" defTabSz="914400" rtl="0" eaLnBrk="1" latinLnBrk="0" hangingPunct="1">
+    <a:lvl2pPr marL="457200" algn="l" defTabSz="457200" rtl="0" eaLnBrk="1" latinLnBrk="0" hangingPunct="1">
       <a:defRPr sz="1800" kern="1200">
         <a:solidFill>
           <a:schemeClr val="tx1"/>
@@ -37,7 +39,7 @@
         <a:cs typeface="+mn-cs"/>
       </a:defRPr>
     </a:lvl2pPr>
-    <a:lvl3pPr marL="914400" algn="l" defTabSz="914400" rtl="0" eaLnBrk="1" latinLnBrk="0" hangingPunct="1">
+    <a:lvl3pPr marL="914400" algn="l" defTabSz="457200" rtl="0" eaLnBrk="1" latinLnBrk="0" hangingPunct="1">
       <a:defRPr sz="1800" kern="1200">
         <a:solidFill>
           <a:schemeClr val="tx1"/>
@@ -47,7 +49,7 @@
         <a:cs typeface="+mn-cs"/>
       </a:defRPr>
     </a:lvl3pPr>
-    <a:lvl4pPr marL="1371600" algn="l" defTabSz="914400" rtl="0" eaLnBrk="1" latinLnBrk="0" hangingPunct="1">
+    <a:lvl4pPr marL="1371600" algn="l" defTabSz="457200" rtl="0" eaLnBrk="1" latinLnBrk="0" hangingPunct="1">
       <a:defRPr sz="1800" kern="1200">
         <a:solidFill>
           <a:schemeClr val="tx1"/>
@@ -57,7 +59,7 @@
         <a:cs typeface="+mn-cs"/>
       </a:defRPr>
     </a:lvl4pPr>
-    <a:lvl5pPr marL="1828800" algn="l" defTabSz="914400" rtl="0" eaLnBrk="1" latinLnBrk="0" hangingPunct="1">
+    <a:lvl5pPr marL="1828800" algn="l" defTabSz="457200" rtl="0" eaLnBrk="1" latinLnBrk="0" hangingPunct="1">
       <a:defRPr sz="1800" kern="1200">
         <a:solidFill>
           <a:schemeClr val="tx1"/>
@@ -67,7 +69,7 @@
         <a:cs typeface="+mn-cs"/>
       </a:defRPr>
     </a:lvl5pPr>
-    <a:lvl6pPr marL="2286000" algn="l" defTabSz="914400" rtl="0" eaLnBrk="1" latinLnBrk="0" hangingPunct="1">
+    <a:lvl6pPr marL="2286000" algn="l" defTabSz="457200" rtl="0" eaLnBrk="1" latinLnBrk="0" hangingPunct="1">
       <a:defRPr sz="1800" kern="1200">
         <a:solidFill>
           <a:schemeClr val="tx1"/>
@@ -77,7 +79,7 @@
         <a:cs typeface="+mn-cs"/>
       </a:defRPr>
     </a:lvl6pPr>
-    <a:lvl7pPr marL="2743200" algn="l" defTabSz="914400" rtl="0" eaLnBrk="1" latinLnBrk="0" hangingPunct="1">
+    <a:lvl7pPr marL="2743200" algn="l" defTabSz="457200" rtl="0" eaLnBrk="1" latinLnBrk="0" hangingPunct="1">
       <a:defRPr sz="1800" kern="1200">
         <a:solidFill>
           <a:schemeClr val="tx1"/>
@@ -87,7 +89,7 @@
         <a:cs typeface="+mn-cs"/>
       </a:defRPr>
     </a:lvl7pPr>
-    <a:lvl8pPr marL="3200400" algn="l" defTabSz="914400" rtl="0" eaLnBrk="1" latinLnBrk="0" hangingPunct="1">
+    <a:lvl8pPr marL="3200400" algn="l" defTabSz="457200" rtl="0" eaLnBrk="1" latinLnBrk="0" hangingPunct="1">
       <a:defRPr sz="1800" kern="1200">
         <a:solidFill>
           <a:schemeClr val="tx1"/>
@@ -97,7 +99,7 @@
         <a:cs typeface="+mn-cs"/>
       </a:defRPr>
     </a:lvl8pPr>
-    <a:lvl9pPr marL="3657600" algn="l" defTabSz="914400" rtl="0" eaLnBrk="1" latinLnBrk="0" hangingPunct="1">
+    <a:lvl9pPr marL="3657600" algn="l" defTabSz="457200" rtl="0" eaLnBrk="1" latinLnBrk="0" hangingPunct="1">
       <a:defRPr sz="1800" kern="1200">
         <a:solidFill>
           <a:schemeClr val="tx1"/>
@@ -108,7 +110,80 @@
       </a:defRPr>
     </a:lvl9pPr>
   </p:defaultTextStyle>
+  <p:extLst>
+    <p:ext uri="{EFAFB233-063F-42B5-8137-9DF3F51BA10A}">
+      <p15:sldGuideLst xmlns:p15="http://schemas.microsoft.com/office/powerpoint/2012/main"/>
+    </p:ext>
+  </p:extLst>
 </p:presentation>
+</file>
+
+<file path=ppt/activeX/activeX1.xml><?xml version="1.0" encoding="utf-8"?>
+<ax:ocx xmlns:ax="http://schemas.microsoft.com/office/2006/activeX" xmlns:r="http://schemas.openxmlformats.org/officeDocument/2006/relationships" ax:classid="{8BD21D40-EC42-11CE-9E0D-00AA006002F3}" ax:persistence="persistStorage" r:id="rId1"/>
+</file>
+
+<file path=ppt/activeX/activeX10.xml><?xml version="1.0" encoding="utf-8"?>
+<ax:ocx xmlns:ax="http://schemas.microsoft.com/office/2006/activeX" xmlns:r="http://schemas.openxmlformats.org/officeDocument/2006/relationships" ax:classid="{8BD21D40-EC42-11CE-9E0D-00AA006002F3}" ax:persistence="persistStorage" r:id="rId1"/>
+</file>
+
+<file path=ppt/activeX/activeX11.xml><?xml version="1.0" encoding="utf-8"?>
+<ax:ocx xmlns:ax="http://schemas.microsoft.com/office/2006/activeX" xmlns:r="http://schemas.openxmlformats.org/officeDocument/2006/relationships" ax:classid="{8BD21D40-EC42-11CE-9E0D-00AA006002F3}" ax:persistence="persistStorage" r:id="rId1"/>
+</file>
+
+<file path=ppt/activeX/activeX12.xml><?xml version="1.0" encoding="utf-8"?>
+<ax:ocx xmlns:ax="http://schemas.microsoft.com/office/2006/activeX" xmlns:r="http://schemas.openxmlformats.org/officeDocument/2006/relationships" ax:classid="{8BD21D40-EC42-11CE-9E0D-00AA006002F3}" ax:persistence="persistStorage" r:id="rId1"/>
+</file>
+
+<file path=ppt/activeX/activeX13.xml><?xml version="1.0" encoding="utf-8"?>
+<ax:ocx xmlns:ax="http://schemas.microsoft.com/office/2006/activeX" xmlns:r="http://schemas.openxmlformats.org/officeDocument/2006/relationships" ax:classid="{8BD21D40-EC42-11CE-9E0D-00AA006002F3}" ax:persistence="persistStorage" r:id="rId1"/>
+</file>
+
+<file path=ppt/activeX/activeX14.xml><?xml version="1.0" encoding="utf-8"?>
+<ax:ocx xmlns:ax="http://schemas.microsoft.com/office/2006/activeX" xmlns:r="http://schemas.openxmlformats.org/officeDocument/2006/relationships" ax:classid="{8BD21D40-EC42-11CE-9E0D-00AA006002F3}" ax:persistence="persistStorage" r:id="rId1"/>
+</file>
+
+<file path=ppt/activeX/activeX15.xml><?xml version="1.0" encoding="utf-8"?>
+<ax:ocx xmlns:ax="http://schemas.microsoft.com/office/2006/activeX" xmlns:r="http://schemas.openxmlformats.org/officeDocument/2006/relationships" ax:classid="{8BD21D40-EC42-11CE-9E0D-00AA006002F3}" ax:persistence="persistStorage" r:id="rId1"/>
+</file>
+
+<file path=ppt/activeX/activeX16.xml><?xml version="1.0" encoding="utf-8"?>
+<ax:ocx xmlns:ax="http://schemas.microsoft.com/office/2006/activeX" xmlns:r="http://schemas.openxmlformats.org/officeDocument/2006/relationships" ax:classid="{8BD21D40-EC42-11CE-9E0D-00AA006002F3}" ax:persistence="persistStorage" r:id="rId1"/>
+</file>
+
+<file path=ppt/activeX/activeX17.xml><?xml version="1.0" encoding="utf-8"?>
+<ax:ocx xmlns:ax="http://schemas.microsoft.com/office/2006/activeX" xmlns:r="http://schemas.openxmlformats.org/officeDocument/2006/relationships" ax:classid="{8BD21D40-EC42-11CE-9E0D-00AA006002F3}" ax:persistence="persistStorage" r:id="rId1"/>
+</file>
+
+<file path=ppt/activeX/activeX2.xml><?xml version="1.0" encoding="utf-8"?>
+<ax:ocx xmlns:ax="http://schemas.microsoft.com/office/2006/activeX" xmlns:r="http://schemas.openxmlformats.org/officeDocument/2006/relationships" ax:classid="{8BD21D40-EC42-11CE-9E0D-00AA006002F3}" ax:persistence="persistStorage" r:id="rId1"/>
+</file>
+
+<file path=ppt/activeX/activeX3.xml><?xml version="1.0" encoding="utf-8"?>
+<ax:ocx xmlns:ax="http://schemas.microsoft.com/office/2006/activeX" xmlns:r="http://schemas.openxmlformats.org/officeDocument/2006/relationships" ax:classid="{8BD21D40-EC42-11CE-9E0D-00AA006002F3}" ax:persistence="persistStorage" r:id="rId1"/>
+</file>
+
+<file path=ppt/activeX/activeX4.xml><?xml version="1.0" encoding="utf-8"?>
+<ax:ocx xmlns:ax="http://schemas.microsoft.com/office/2006/activeX" xmlns:r="http://schemas.openxmlformats.org/officeDocument/2006/relationships" ax:classid="{8BD21D40-EC42-11CE-9E0D-00AA006002F3}" ax:persistence="persistStorage" r:id="rId1"/>
+</file>
+
+<file path=ppt/activeX/activeX5.xml><?xml version="1.0" encoding="utf-8"?>
+<ax:ocx xmlns:ax="http://schemas.microsoft.com/office/2006/activeX" xmlns:r="http://schemas.openxmlformats.org/officeDocument/2006/relationships" ax:classid="{8BD21D40-EC42-11CE-9E0D-00AA006002F3}" ax:persistence="persistStorage" r:id="rId1"/>
+</file>
+
+<file path=ppt/activeX/activeX6.xml><?xml version="1.0" encoding="utf-8"?>
+<ax:ocx xmlns:ax="http://schemas.microsoft.com/office/2006/activeX" xmlns:r="http://schemas.openxmlformats.org/officeDocument/2006/relationships" ax:classid="{8BD21D40-EC42-11CE-9E0D-00AA006002F3}" ax:persistence="persistStorage" r:id="rId1"/>
+</file>
+
+<file path=ppt/activeX/activeX7.xml><?xml version="1.0" encoding="utf-8"?>
+<ax:ocx xmlns:ax="http://schemas.microsoft.com/office/2006/activeX" xmlns:r="http://schemas.openxmlformats.org/officeDocument/2006/relationships" ax:classid="{8BD21D40-EC42-11CE-9E0D-00AA006002F3}" ax:persistence="persistStorage" r:id="rId1"/>
+</file>
+
+<file path=ppt/activeX/activeX8.xml><?xml version="1.0" encoding="utf-8"?>
+<ax:ocx xmlns:ax="http://schemas.microsoft.com/office/2006/activeX" xmlns:r="http://schemas.openxmlformats.org/officeDocument/2006/relationships" ax:classid="{8BD21D40-EC42-11CE-9E0D-00AA006002F3}" ax:persistence="persistStorage" r:id="rId1"/>
+</file>
+
+<file path=ppt/activeX/activeX9.xml><?xml version="1.0" encoding="utf-8"?>
+<ax:ocx xmlns:ax="http://schemas.microsoft.com/office/2006/activeX" xmlns:r="http://schemas.openxmlformats.org/officeDocument/2006/relationships" ax:classid="{8BD21D40-EC42-11CE-9E0D-00AA006002F3}" ax:persistence="persistStorage" r:id="rId1"/>
 </file>
 
 <file path=ppt/slideLayouts/slideLayout1.xml><?xml version="1.0" encoding="utf-8"?>
@@ -128,15 +203,39 @@
           <a:chExt cx="0" cy="0"/>
         </a:xfrm>
       </p:grpSpPr>
-      <p:sp>
-        <p:nvSpPr>
-          <p:cNvPr id="2" name="Title 1">
+      <p:pic>
+        <p:nvPicPr>
+          <p:cNvPr id="7" name="Picture 6" descr="Droplets-HD-Title-R1d.png"/>
+          <p:cNvPicPr>
+            <a:picLocks noChangeAspect="1"/>
+          </p:cNvPicPr>
+          <p:nvPr/>
+        </p:nvPicPr>
+        <p:blipFill>
+          <a:blip r:embed="rId2">
             <a:extLst>
-              <a:ext uri="{FF2B5EF4-FFF2-40B4-BE49-F238E27FC236}">
-                <a16:creationId xmlns:a16="http://schemas.microsoft.com/office/drawing/2014/main" id="{0D6F67F5-DD6B-7434-C9D3-24A8FF14DC31}"/>
+              <a:ext uri="{28A0092B-C50C-407E-A947-70E740481C1C}">
+                <a14:useLocalDpi xmlns:a14="http://schemas.microsoft.com/office/drawing/2010/main" val="0"/>
               </a:ext>
             </a:extLst>
-          </p:cNvPr>
+          </a:blip>
+          <a:stretch>
+            <a:fillRect/>
+          </a:stretch>
+        </p:blipFill>
+        <p:spPr>
+          <a:xfrm>
+            <a:off x="0" y="0"/>
+            <a:ext cx="12192000" cy="6858000"/>
+          </a:xfrm>
+          <a:prstGeom prst="rect">
+            <a:avLst/>
+          </a:prstGeom>
+        </p:spPr>
+      </p:pic>
+      <p:sp>
+        <p:nvSpPr>
+          <p:cNvPr id="2" name="Title 1"/>
           <p:cNvSpPr>
             <a:spLocks noGrp="1"/>
           </p:cNvSpPr>
@@ -146,15 +245,17 @@
         </p:nvSpPr>
         <p:spPr>
           <a:xfrm>
-            <a:off x="1524000" y="1122363"/>
-            <a:ext cx="9144000" cy="2387600"/>
-          </a:xfrm>
-        </p:spPr>
-        <p:txBody>
-          <a:bodyPr anchor="b"/>
+            <a:off x="1751012" y="1300785"/>
+            <a:ext cx="8689976" cy="2509213"/>
+          </a:xfrm>
+        </p:spPr>
+        <p:txBody>
+          <a:bodyPr anchor="b">
+            <a:normAutofit/>
+          </a:bodyPr>
           <a:lstStyle>
             <a:lvl1pPr algn="ctr">
-              <a:defRPr sz="6000"/>
+              <a:defRPr sz="4800"/>
             </a:lvl1pPr>
           </a:lstStyle>
           <a:p>
@@ -162,18 +263,13 @@
               <a:rPr lang="en-US"/>
               <a:t>Click to edit Master title style</a:t>
             </a:r>
-          </a:p>
-        </p:txBody>
-      </p:sp>
-      <p:sp>
-        <p:nvSpPr>
-          <p:cNvPr id="3" name="Subtitle 2">
-            <a:extLst>
-              <a:ext uri="{FF2B5EF4-FFF2-40B4-BE49-F238E27FC236}">
-                <a16:creationId xmlns:a16="http://schemas.microsoft.com/office/drawing/2014/main" id="{555D6A6A-F3FE-3BD0-D88C-5DC843E5FFAE}"/>
-              </a:ext>
-            </a:extLst>
-          </p:cNvPr>
+            <a:endParaRPr lang="en-US" dirty="0"/>
+          </a:p>
+        </p:txBody>
+      </p:sp>
+      <p:sp>
+        <p:nvSpPr>
+          <p:cNvPr id="3" name="Subtitle 2"/>
           <p:cNvSpPr>
             <a:spLocks noGrp="1"/>
           </p:cNvSpPr>
@@ -183,16 +279,24 @@
         </p:nvSpPr>
         <p:spPr>
           <a:xfrm>
-            <a:off x="1524000" y="3602038"/>
-            <a:ext cx="9144000" cy="1655762"/>
-          </a:xfrm>
-        </p:spPr>
-        <p:txBody>
-          <a:bodyPr/>
+            <a:off x="1751012" y="3886200"/>
+            <a:ext cx="8689976" cy="1371599"/>
+          </a:xfrm>
+        </p:spPr>
+        <p:txBody>
+          <a:bodyPr>
+            <a:normAutofit/>
+          </a:bodyPr>
           <a:lstStyle>
             <a:lvl1pPr marL="0" indent="0" algn="ctr">
               <a:buNone/>
-              <a:defRPr sz="2400"/>
+              <a:defRPr sz="2200">
+                <a:solidFill>
+                  <a:schemeClr val="bg1">
+                    <a:lumMod val="50000"/>
+                  </a:schemeClr>
+                </a:solidFill>
+              </a:defRPr>
             </a:lvl1pPr>
             <a:lvl2pPr marL="457200" indent="0" algn="ctr">
               <a:buNone/>
@@ -232,18 +336,13 @@
               <a:rPr lang="en-US"/>
               <a:t>Click to edit Master subtitle style</a:t>
             </a:r>
-          </a:p>
-        </p:txBody>
-      </p:sp>
-      <p:sp>
-        <p:nvSpPr>
-          <p:cNvPr id="4" name="Date Placeholder 3">
-            <a:extLst>
-              <a:ext uri="{FF2B5EF4-FFF2-40B4-BE49-F238E27FC236}">
-                <a16:creationId xmlns:a16="http://schemas.microsoft.com/office/drawing/2014/main" id="{AA21E7CA-6505-B490-26D3-B8C016FB9941}"/>
-              </a:ext>
-            </a:extLst>
-          </p:cNvPr>
+            <a:endParaRPr lang="en-US" dirty="0"/>
+          </a:p>
+        </p:txBody>
+      </p:sp>
+      <p:sp>
+        <p:nvSpPr>
+          <p:cNvPr id="4" name="Date Placeholder 3"/>
           <p:cNvSpPr>
             <a:spLocks noGrp="1"/>
           </p:cNvSpPr>
@@ -258,7 +357,7 @@
           <a:p>
             <a:fld id="{EDD99DFF-4D7C-4671-8EF0-23A72D1484EC}" type="datetimeFigureOut">
               <a:rPr lang="en-US" smtClean="0"/>
-              <a:t>7/17/2023</a:t>
+              <a:t>7/18/2023</a:t>
             </a:fld>
             <a:endParaRPr lang="en-US"/>
           </a:p>
@@ -266,13 +365,7 @@
       </p:sp>
       <p:sp>
         <p:nvSpPr>
-          <p:cNvPr id="5" name="Footer Placeholder 4">
-            <a:extLst>
-              <a:ext uri="{FF2B5EF4-FFF2-40B4-BE49-F238E27FC236}">
-                <a16:creationId xmlns:a16="http://schemas.microsoft.com/office/drawing/2014/main" id="{7F3DA8FE-D94D-99F9-6EB2-E9C0990F479B}"/>
-              </a:ext>
-            </a:extLst>
-          </p:cNvPr>
+          <p:cNvPr id="5" name="Footer Placeholder 4"/>
           <p:cNvSpPr>
             <a:spLocks noGrp="1"/>
           </p:cNvSpPr>
@@ -291,13 +384,7 @@
       </p:sp>
       <p:sp>
         <p:nvSpPr>
-          <p:cNvPr id="6" name="Slide Number Placeholder 5">
-            <a:extLst>
-              <a:ext uri="{FF2B5EF4-FFF2-40B4-BE49-F238E27FC236}">
-                <a16:creationId xmlns:a16="http://schemas.microsoft.com/office/drawing/2014/main" id="{D6229DA9-977B-D4F1-97CF-555E5C198520}"/>
-              </a:ext>
-            </a:extLst>
-          </p:cNvPr>
+          <p:cNvPr id="6" name="Slide Number Placeholder 5"/>
           <p:cNvSpPr>
             <a:spLocks noGrp="1"/>
           </p:cNvSpPr>
@@ -321,7 +408,7 @@
     </p:spTree>
     <p:extLst>
       <p:ext uri="{BB962C8B-B14F-4D97-AF65-F5344CB8AC3E}">
-        <p14:creationId xmlns:p14="http://schemas.microsoft.com/office/powerpoint/2010/main" val="442457078"/>
+        <p14:creationId xmlns:p14="http://schemas.microsoft.com/office/powerpoint/2010/main" val="1783547495"/>
       </p:ext>
     </p:extLst>
   </p:cSld>
@@ -332,6 +419,2713 @@
 </file>
 
 <file path=ppt/slideLayouts/slideLayout10.xml><?xml version="1.0" encoding="utf-8"?>
+<p:sldLayout xmlns:a="http://schemas.openxmlformats.org/drawingml/2006/main" xmlns:r="http://schemas.openxmlformats.org/officeDocument/2006/relationships" xmlns:p="http://schemas.openxmlformats.org/presentationml/2006/main" preserve="1">
+  <p:cSld name="Panoramic Picture with Caption">
+    <p:spTree>
+      <p:nvGrpSpPr>
+        <p:cNvPr id="1" name=""/>
+        <p:cNvGrpSpPr/>
+        <p:nvPr/>
+      </p:nvGrpSpPr>
+      <p:grpSpPr>
+        <a:xfrm>
+          <a:off x="0" y="0"/>
+          <a:ext cx="0" cy="0"/>
+          <a:chOff x="0" y="0"/>
+          <a:chExt cx="0" cy="0"/>
+        </a:xfrm>
+      </p:grpSpPr>
+      <p:pic>
+        <p:nvPicPr>
+          <p:cNvPr id="10" name="Picture 9" descr="Droplets-HD-Content-R1d.png"/>
+          <p:cNvPicPr>
+            <a:picLocks noChangeAspect="1"/>
+          </p:cNvPicPr>
+          <p:nvPr/>
+        </p:nvPicPr>
+        <p:blipFill>
+          <a:blip r:embed="rId2">
+            <a:extLst>
+              <a:ext uri="{28A0092B-C50C-407E-A947-70E740481C1C}">
+                <a14:useLocalDpi xmlns:a14="http://schemas.microsoft.com/office/drawing/2010/main" val="0"/>
+              </a:ext>
+            </a:extLst>
+          </a:blip>
+          <a:stretch>
+            <a:fillRect/>
+          </a:stretch>
+        </p:blipFill>
+        <p:spPr>
+          <a:xfrm>
+            <a:off x="0" y="0"/>
+            <a:ext cx="12192000" cy="6858000"/>
+          </a:xfrm>
+          <a:prstGeom prst="rect">
+            <a:avLst/>
+          </a:prstGeom>
+        </p:spPr>
+      </p:pic>
+      <p:sp>
+        <p:nvSpPr>
+          <p:cNvPr id="2" name="Title 1"/>
+          <p:cNvSpPr>
+            <a:spLocks noGrp="1"/>
+          </p:cNvSpPr>
+          <p:nvPr>
+            <p:ph type="title"/>
+          </p:nvPr>
+        </p:nvSpPr>
+        <p:spPr>
+          <a:xfrm>
+            <a:off x="913794" y="4289374"/>
+            <a:ext cx="10364432" cy="811610"/>
+          </a:xfrm>
+        </p:spPr>
+        <p:txBody>
+          <a:bodyPr anchor="b"/>
+          <a:lstStyle>
+            <a:lvl1pPr>
+              <a:defRPr sz="3200"/>
+            </a:lvl1pPr>
+          </a:lstStyle>
+          <a:p>
+            <a:r>
+              <a:rPr lang="en-US"/>
+              <a:t>Click to edit Master title style</a:t>
+            </a:r>
+            <a:endParaRPr lang="en-US" dirty="0"/>
+          </a:p>
+        </p:txBody>
+      </p:sp>
+      <p:sp>
+        <p:nvSpPr>
+          <p:cNvPr id="3" name="Picture Placeholder 2"/>
+          <p:cNvSpPr>
+            <a:spLocks noGrp="1" noChangeAspect="1"/>
+          </p:cNvSpPr>
+          <p:nvPr>
+            <p:ph type="pic" idx="1"/>
+          </p:nvPr>
+        </p:nvSpPr>
+        <p:spPr>
+          <a:xfrm>
+            <a:off x="1184744" y="698261"/>
+            <a:ext cx="9822532" cy="3214136"/>
+          </a:xfrm>
+          <a:prstGeom prst="roundRect">
+            <a:avLst>
+              <a:gd name="adj" fmla="val 4944"/>
+            </a:avLst>
+          </a:prstGeom>
+          <a:noFill/>
+          <a:ln w="82550" cap="sq">
+            <a:solidFill>
+              <a:srgbClr val="EAEAEA"/>
+            </a:solidFill>
+            <a:miter lim="800000"/>
+          </a:ln>
+          <a:effectLst/>
+          <a:scene3d>
+            <a:camera prst="orthographicFront"/>
+            <a:lightRig rig="threePt" dir="t">
+              <a:rot lat="0" lon="0" rev="2700000"/>
+            </a:lightRig>
+          </a:scene3d>
+          <a:sp3d contourW="6350">
+            <a:bevelT h="38100"/>
+            <a:contourClr>
+              <a:srgbClr val="C0C0C0"/>
+            </a:contourClr>
+          </a:sp3d>
+        </p:spPr>
+        <p:txBody>
+          <a:bodyPr anchor="t"/>
+          <a:lstStyle>
+            <a:lvl1pPr marL="0" indent="0" algn="ctr">
+              <a:buNone/>
+              <a:defRPr sz="3200"/>
+            </a:lvl1pPr>
+            <a:lvl2pPr marL="457200" indent="0">
+              <a:buNone/>
+              <a:defRPr sz="2800"/>
+            </a:lvl2pPr>
+            <a:lvl3pPr marL="914400" indent="0">
+              <a:buNone/>
+              <a:defRPr sz="2400"/>
+            </a:lvl3pPr>
+            <a:lvl4pPr marL="1371600" indent="0">
+              <a:buNone/>
+              <a:defRPr sz="2000"/>
+            </a:lvl4pPr>
+            <a:lvl5pPr marL="1828800" indent="0">
+              <a:buNone/>
+              <a:defRPr sz="2000"/>
+            </a:lvl5pPr>
+            <a:lvl6pPr marL="2286000" indent="0">
+              <a:buNone/>
+              <a:defRPr sz="2000"/>
+            </a:lvl6pPr>
+            <a:lvl7pPr marL="2743200" indent="0">
+              <a:buNone/>
+              <a:defRPr sz="2000"/>
+            </a:lvl7pPr>
+            <a:lvl8pPr marL="3200400" indent="0">
+              <a:buNone/>
+              <a:defRPr sz="2000"/>
+            </a:lvl8pPr>
+            <a:lvl9pPr marL="3657600" indent="0">
+              <a:buNone/>
+              <a:defRPr sz="2000"/>
+            </a:lvl9pPr>
+          </a:lstStyle>
+          <a:p>
+            <a:r>
+              <a:rPr lang="en-US"/>
+              <a:t>Click icon to add picture</a:t>
+            </a:r>
+            <a:endParaRPr lang="en-US" dirty="0"/>
+          </a:p>
+        </p:txBody>
+      </p:sp>
+      <p:sp>
+        <p:nvSpPr>
+          <p:cNvPr id="4" name="Text Placeholder 3"/>
+          <p:cNvSpPr>
+            <a:spLocks noGrp="1"/>
+          </p:cNvSpPr>
+          <p:nvPr>
+            <p:ph type="body" sz="half" idx="2"/>
+          </p:nvPr>
+        </p:nvSpPr>
+        <p:spPr>
+          <a:xfrm>
+            <a:off x="913774" y="5108728"/>
+            <a:ext cx="10364452" cy="682472"/>
+          </a:xfrm>
+        </p:spPr>
+        <p:txBody>
+          <a:bodyPr/>
+          <a:lstStyle>
+            <a:lvl1pPr marL="0" indent="0" algn="ctr">
+              <a:buNone/>
+              <a:defRPr sz="1600"/>
+            </a:lvl1pPr>
+            <a:lvl2pPr marL="457200" indent="0">
+              <a:buNone/>
+              <a:defRPr sz="1400"/>
+            </a:lvl2pPr>
+            <a:lvl3pPr marL="914400" indent="0">
+              <a:buNone/>
+              <a:defRPr sz="1200"/>
+            </a:lvl3pPr>
+            <a:lvl4pPr marL="1371600" indent="0">
+              <a:buNone/>
+              <a:defRPr sz="1000"/>
+            </a:lvl4pPr>
+            <a:lvl5pPr marL="1828800" indent="0">
+              <a:buNone/>
+              <a:defRPr sz="1000"/>
+            </a:lvl5pPr>
+            <a:lvl6pPr marL="2286000" indent="0">
+              <a:buNone/>
+              <a:defRPr sz="1000"/>
+            </a:lvl6pPr>
+            <a:lvl7pPr marL="2743200" indent="0">
+              <a:buNone/>
+              <a:defRPr sz="1000"/>
+            </a:lvl7pPr>
+            <a:lvl8pPr marL="3200400" indent="0">
+              <a:buNone/>
+              <a:defRPr sz="1000"/>
+            </a:lvl8pPr>
+            <a:lvl9pPr marL="3657600" indent="0">
+              <a:buNone/>
+              <a:defRPr sz="1000"/>
+            </a:lvl9pPr>
+          </a:lstStyle>
+          <a:p>
+            <a:pPr lvl="0"/>
+            <a:r>
+              <a:rPr lang="en-US"/>
+              <a:t>Click to edit Master text styles</a:t>
+            </a:r>
+          </a:p>
+        </p:txBody>
+      </p:sp>
+      <p:sp>
+        <p:nvSpPr>
+          <p:cNvPr id="5" name="Date Placeholder 4"/>
+          <p:cNvSpPr>
+            <a:spLocks noGrp="1"/>
+          </p:cNvSpPr>
+          <p:nvPr>
+            <p:ph type="dt" sz="half" idx="10"/>
+          </p:nvPr>
+        </p:nvSpPr>
+        <p:spPr/>
+        <p:txBody>
+          <a:bodyPr/>
+          <a:lstStyle/>
+          <a:p>
+            <a:fld id="{EDD99DFF-4D7C-4671-8EF0-23A72D1484EC}" type="datetimeFigureOut">
+              <a:rPr lang="en-US" smtClean="0"/>
+              <a:t>7/18/2023</a:t>
+            </a:fld>
+            <a:endParaRPr lang="en-US"/>
+          </a:p>
+        </p:txBody>
+      </p:sp>
+      <p:sp>
+        <p:nvSpPr>
+          <p:cNvPr id="6" name="Footer Placeholder 5"/>
+          <p:cNvSpPr>
+            <a:spLocks noGrp="1"/>
+          </p:cNvSpPr>
+          <p:nvPr>
+            <p:ph type="ftr" sz="quarter" idx="11"/>
+          </p:nvPr>
+        </p:nvSpPr>
+        <p:spPr/>
+        <p:txBody>
+          <a:bodyPr/>
+          <a:lstStyle/>
+          <a:p>
+            <a:endParaRPr lang="en-US"/>
+          </a:p>
+        </p:txBody>
+      </p:sp>
+      <p:sp>
+        <p:nvSpPr>
+          <p:cNvPr id="7" name="Slide Number Placeholder 6"/>
+          <p:cNvSpPr>
+            <a:spLocks noGrp="1"/>
+          </p:cNvSpPr>
+          <p:nvPr>
+            <p:ph type="sldNum" sz="quarter" idx="12"/>
+          </p:nvPr>
+        </p:nvSpPr>
+        <p:spPr/>
+        <p:txBody>
+          <a:bodyPr/>
+          <a:lstStyle/>
+          <a:p>
+            <a:fld id="{CD8415C1-6A6E-413D-A237-40782C2C92C0}" type="slidenum">
+              <a:rPr lang="en-US" smtClean="0"/>
+              <a:t>‹#›</a:t>
+            </a:fld>
+            <a:endParaRPr lang="en-US"/>
+          </a:p>
+        </p:txBody>
+      </p:sp>
+    </p:spTree>
+    <p:extLst>
+      <p:ext uri="{BB962C8B-B14F-4D97-AF65-F5344CB8AC3E}">
+        <p14:creationId xmlns:p14="http://schemas.microsoft.com/office/powerpoint/2010/main" val="3413270999"/>
+      </p:ext>
+    </p:extLst>
+  </p:cSld>
+  <p:clrMapOvr>
+    <a:masterClrMapping/>
+  </p:clrMapOvr>
+</p:sldLayout>
+</file>
+
+<file path=ppt/slideLayouts/slideLayout11.xml><?xml version="1.0" encoding="utf-8"?>
+<p:sldLayout xmlns:a="http://schemas.openxmlformats.org/drawingml/2006/main" xmlns:r="http://schemas.openxmlformats.org/officeDocument/2006/relationships" xmlns:p="http://schemas.openxmlformats.org/presentationml/2006/main" preserve="1">
+  <p:cSld name="Title and Caption">
+    <p:spTree>
+      <p:nvGrpSpPr>
+        <p:cNvPr id="1" name=""/>
+        <p:cNvGrpSpPr/>
+        <p:nvPr/>
+      </p:nvGrpSpPr>
+      <p:grpSpPr>
+        <a:xfrm>
+          <a:off x="0" y="0"/>
+          <a:ext cx="0" cy="0"/>
+          <a:chOff x="0" y="0"/>
+          <a:chExt cx="0" cy="0"/>
+        </a:xfrm>
+      </p:grpSpPr>
+      <p:pic>
+        <p:nvPicPr>
+          <p:cNvPr id="8" name="Picture 7" descr="Droplets-HD-Content-R1d.png"/>
+          <p:cNvPicPr>
+            <a:picLocks noChangeAspect="1"/>
+          </p:cNvPicPr>
+          <p:nvPr/>
+        </p:nvPicPr>
+        <p:blipFill>
+          <a:blip r:embed="rId2">
+            <a:extLst>
+              <a:ext uri="{28A0092B-C50C-407E-A947-70E740481C1C}">
+                <a14:useLocalDpi xmlns:a14="http://schemas.microsoft.com/office/drawing/2010/main" val="0"/>
+              </a:ext>
+            </a:extLst>
+          </a:blip>
+          <a:stretch>
+            <a:fillRect/>
+          </a:stretch>
+        </p:blipFill>
+        <p:spPr>
+          <a:xfrm>
+            <a:off x="0" y="0"/>
+            <a:ext cx="12192000" cy="6858000"/>
+          </a:xfrm>
+          <a:prstGeom prst="rect">
+            <a:avLst/>
+          </a:prstGeom>
+        </p:spPr>
+      </p:pic>
+      <p:sp>
+        <p:nvSpPr>
+          <p:cNvPr id="2" name="Title 1"/>
+          <p:cNvSpPr>
+            <a:spLocks noGrp="1"/>
+          </p:cNvSpPr>
+          <p:nvPr>
+            <p:ph type="title"/>
+          </p:nvPr>
+        </p:nvSpPr>
+        <p:spPr>
+          <a:xfrm>
+            <a:off x="913774" y="609599"/>
+            <a:ext cx="10364452" cy="3427245"/>
+          </a:xfrm>
+        </p:spPr>
+        <p:txBody>
+          <a:bodyPr anchor="ctr"/>
+          <a:lstStyle>
+            <a:lvl1pPr algn="ctr">
+              <a:defRPr sz="3200"/>
+            </a:lvl1pPr>
+          </a:lstStyle>
+          <a:p>
+            <a:r>
+              <a:rPr lang="en-US"/>
+              <a:t>Click to edit Master title style</a:t>
+            </a:r>
+            <a:endParaRPr lang="en-US" dirty="0"/>
+          </a:p>
+        </p:txBody>
+      </p:sp>
+      <p:sp>
+        <p:nvSpPr>
+          <p:cNvPr id="4" name="Text Placeholder 3"/>
+          <p:cNvSpPr>
+            <a:spLocks noGrp="1"/>
+          </p:cNvSpPr>
+          <p:nvPr>
+            <p:ph type="body" sz="half" idx="2"/>
+          </p:nvPr>
+        </p:nvSpPr>
+        <p:spPr>
+          <a:xfrm>
+            <a:off x="913775" y="4204821"/>
+            <a:ext cx="10364452" cy="1586380"/>
+          </a:xfrm>
+        </p:spPr>
+        <p:txBody>
+          <a:bodyPr anchor="ctr"/>
+          <a:lstStyle>
+            <a:lvl1pPr marL="0" indent="0" algn="ctr">
+              <a:buNone/>
+              <a:defRPr sz="1600"/>
+            </a:lvl1pPr>
+            <a:lvl2pPr marL="457200" indent="0">
+              <a:buNone/>
+              <a:defRPr sz="1400"/>
+            </a:lvl2pPr>
+            <a:lvl3pPr marL="914400" indent="0">
+              <a:buNone/>
+              <a:defRPr sz="1200"/>
+            </a:lvl3pPr>
+            <a:lvl4pPr marL="1371600" indent="0">
+              <a:buNone/>
+              <a:defRPr sz="1000"/>
+            </a:lvl4pPr>
+            <a:lvl5pPr marL="1828800" indent="0">
+              <a:buNone/>
+              <a:defRPr sz="1000"/>
+            </a:lvl5pPr>
+            <a:lvl6pPr marL="2286000" indent="0">
+              <a:buNone/>
+              <a:defRPr sz="1000"/>
+            </a:lvl6pPr>
+            <a:lvl7pPr marL="2743200" indent="0">
+              <a:buNone/>
+              <a:defRPr sz="1000"/>
+            </a:lvl7pPr>
+            <a:lvl8pPr marL="3200400" indent="0">
+              <a:buNone/>
+              <a:defRPr sz="1000"/>
+            </a:lvl8pPr>
+            <a:lvl9pPr marL="3657600" indent="0">
+              <a:buNone/>
+              <a:defRPr sz="1000"/>
+            </a:lvl9pPr>
+          </a:lstStyle>
+          <a:p>
+            <a:pPr lvl="0"/>
+            <a:r>
+              <a:rPr lang="en-US"/>
+              <a:t>Click to edit Master text styles</a:t>
+            </a:r>
+          </a:p>
+        </p:txBody>
+      </p:sp>
+      <p:sp>
+        <p:nvSpPr>
+          <p:cNvPr id="5" name="Date Placeholder 4"/>
+          <p:cNvSpPr>
+            <a:spLocks noGrp="1"/>
+          </p:cNvSpPr>
+          <p:nvPr>
+            <p:ph type="dt" sz="half" idx="10"/>
+          </p:nvPr>
+        </p:nvSpPr>
+        <p:spPr/>
+        <p:txBody>
+          <a:bodyPr/>
+          <a:lstStyle/>
+          <a:p>
+            <a:fld id="{EDD99DFF-4D7C-4671-8EF0-23A72D1484EC}" type="datetimeFigureOut">
+              <a:rPr lang="en-US" smtClean="0"/>
+              <a:t>7/18/2023</a:t>
+            </a:fld>
+            <a:endParaRPr lang="en-US"/>
+          </a:p>
+        </p:txBody>
+      </p:sp>
+      <p:sp>
+        <p:nvSpPr>
+          <p:cNvPr id="6" name="Footer Placeholder 5"/>
+          <p:cNvSpPr>
+            <a:spLocks noGrp="1"/>
+          </p:cNvSpPr>
+          <p:nvPr>
+            <p:ph type="ftr" sz="quarter" idx="11"/>
+          </p:nvPr>
+        </p:nvSpPr>
+        <p:spPr/>
+        <p:txBody>
+          <a:bodyPr/>
+          <a:lstStyle/>
+          <a:p>
+            <a:endParaRPr lang="en-US"/>
+          </a:p>
+        </p:txBody>
+      </p:sp>
+      <p:sp>
+        <p:nvSpPr>
+          <p:cNvPr id="7" name="Slide Number Placeholder 6"/>
+          <p:cNvSpPr>
+            <a:spLocks noGrp="1"/>
+          </p:cNvSpPr>
+          <p:nvPr>
+            <p:ph type="sldNum" sz="quarter" idx="12"/>
+          </p:nvPr>
+        </p:nvSpPr>
+        <p:spPr/>
+        <p:txBody>
+          <a:bodyPr/>
+          <a:lstStyle/>
+          <a:p>
+            <a:fld id="{CD8415C1-6A6E-413D-A237-40782C2C92C0}" type="slidenum">
+              <a:rPr lang="en-US" smtClean="0"/>
+              <a:t>‹#›</a:t>
+            </a:fld>
+            <a:endParaRPr lang="en-US"/>
+          </a:p>
+        </p:txBody>
+      </p:sp>
+    </p:spTree>
+    <p:extLst>
+      <p:ext uri="{BB962C8B-B14F-4D97-AF65-F5344CB8AC3E}">
+        <p14:creationId xmlns:p14="http://schemas.microsoft.com/office/powerpoint/2010/main" val="3147994396"/>
+      </p:ext>
+    </p:extLst>
+  </p:cSld>
+  <p:clrMapOvr>
+    <a:masterClrMapping/>
+  </p:clrMapOvr>
+</p:sldLayout>
+</file>
+
+<file path=ppt/slideLayouts/slideLayout12.xml><?xml version="1.0" encoding="utf-8"?>
+<p:sldLayout xmlns:a="http://schemas.openxmlformats.org/drawingml/2006/main" xmlns:r="http://schemas.openxmlformats.org/officeDocument/2006/relationships" xmlns:p="http://schemas.openxmlformats.org/presentationml/2006/main" preserve="1">
+  <p:cSld name="Quote with Caption">
+    <p:spTree>
+      <p:nvGrpSpPr>
+        <p:cNvPr id="1" name=""/>
+        <p:cNvGrpSpPr/>
+        <p:nvPr/>
+      </p:nvGrpSpPr>
+      <p:grpSpPr>
+        <a:xfrm>
+          <a:off x="0" y="0"/>
+          <a:ext cx="0" cy="0"/>
+          <a:chOff x="0" y="0"/>
+          <a:chExt cx="0" cy="0"/>
+        </a:xfrm>
+      </p:grpSpPr>
+      <p:pic>
+        <p:nvPicPr>
+          <p:cNvPr id="11" name="Picture 10" descr="Droplets-HD-Content-R1d.png"/>
+          <p:cNvPicPr>
+            <a:picLocks noChangeAspect="1"/>
+          </p:cNvPicPr>
+          <p:nvPr/>
+        </p:nvPicPr>
+        <p:blipFill>
+          <a:blip r:embed="rId2">
+            <a:extLst>
+              <a:ext uri="{28A0092B-C50C-407E-A947-70E740481C1C}">
+                <a14:useLocalDpi xmlns:a14="http://schemas.microsoft.com/office/drawing/2010/main" val="0"/>
+              </a:ext>
+            </a:extLst>
+          </a:blip>
+          <a:stretch>
+            <a:fillRect/>
+          </a:stretch>
+        </p:blipFill>
+        <p:spPr>
+          <a:xfrm>
+            <a:off x="0" y="0"/>
+            <a:ext cx="12192000" cy="6858000"/>
+          </a:xfrm>
+          <a:prstGeom prst="rect">
+            <a:avLst/>
+          </a:prstGeom>
+        </p:spPr>
+      </p:pic>
+      <p:sp>
+        <p:nvSpPr>
+          <p:cNvPr id="2" name="Title 1"/>
+          <p:cNvSpPr>
+            <a:spLocks noGrp="1"/>
+          </p:cNvSpPr>
+          <p:nvPr>
+            <p:ph type="title"/>
+          </p:nvPr>
+        </p:nvSpPr>
+        <p:spPr>
+          <a:xfrm>
+            <a:off x="1446212" y="609600"/>
+            <a:ext cx="9302752" cy="2992904"/>
+          </a:xfrm>
+        </p:spPr>
+        <p:txBody>
+          <a:bodyPr anchor="ctr"/>
+          <a:lstStyle>
+            <a:lvl1pPr>
+              <a:defRPr sz="3200"/>
+            </a:lvl1pPr>
+          </a:lstStyle>
+          <a:p>
+            <a:r>
+              <a:rPr lang="en-US"/>
+              <a:t>Click to edit Master title style</a:t>
+            </a:r>
+            <a:endParaRPr lang="en-US" dirty="0"/>
+          </a:p>
+        </p:txBody>
+      </p:sp>
+      <p:sp>
+        <p:nvSpPr>
+          <p:cNvPr id="12" name="Text Placeholder 3"/>
+          <p:cNvSpPr>
+            <a:spLocks noGrp="1"/>
+          </p:cNvSpPr>
+          <p:nvPr>
+            <p:ph type="body" sz="half" idx="13"/>
+          </p:nvPr>
+        </p:nvSpPr>
+        <p:spPr>
+          <a:xfrm>
+            <a:off x="1720644" y="3610032"/>
+            <a:ext cx="8752299" cy="594788"/>
+          </a:xfrm>
+        </p:spPr>
+        <p:txBody>
+          <a:bodyPr anchor="t">
+            <a:normAutofit/>
+          </a:bodyPr>
+          <a:lstStyle>
+            <a:lvl1pPr marL="0" indent="0">
+              <a:buNone/>
+              <a:defRPr sz="1400"/>
+            </a:lvl1pPr>
+            <a:lvl2pPr marL="457200" indent="0">
+              <a:buNone/>
+              <a:defRPr sz="1400"/>
+            </a:lvl2pPr>
+            <a:lvl3pPr marL="914400" indent="0">
+              <a:buNone/>
+              <a:defRPr sz="1200"/>
+            </a:lvl3pPr>
+            <a:lvl4pPr marL="1371600" indent="0">
+              <a:buNone/>
+              <a:defRPr sz="1000"/>
+            </a:lvl4pPr>
+            <a:lvl5pPr marL="1828800" indent="0">
+              <a:buNone/>
+              <a:defRPr sz="1000"/>
+            </a:lvl5pPr>
+            <a:lvl6pPr marL="2286000" indent="0">
+              <a:buNone/>
+              <a:defRPr sz="1000"/>
+            </a:lvl6pPr>
+            <a:lvl7pPr marL="2743200" indent="0">
+              <a:buNone/>
+              <a:defRPr sz="1000"/>
+            </a:lvl7pPr>
+            <a:lvl8pPr marL="3200400" indent="0">
+              <a:buNone/>
+              <a:defRPr sz="1000"/>
+            </a:lvl8pPr>
+            <a:lvl9pPr marL="3657600" indent="0">
+              <a:buNone/>
+              <a:defRPr sz="1000"/>
+            </a:lvl9pPr>
+          </a:lstStyle>
+          <a:p>
+            <a:pPr lvl="0"/>
+            <a:r>
+              <a:rPr lang="en-US"/>
+              <a:t>Click to edit Master text styles</a:t>
+            </a:r>
+          </a:p>
+        </p:txBody>
+      </p:sp>
+      <p:sp>
+        <p:nvSpPr>
+          <p:cNvPr id="4" name="Text Placeholder 3"/>
+          <p:cNvSpPr>
+            <a:spLocks noGrp="1"/>
+          </p:cNvSpPr>
+          <p:nvPr>
+            <p:ph type="body" sz="half" idx="2"/>
+          </p:nvPr>
+        </p:nvSpPr>
+        <p:spPr>
+          <a:xfrm>
+            <a:off x="913774" y="4372796"/>
+            <a:ext cx="10364452" cy="1421053"/>
+          </a:xfrm>
+        </p:spPr>
+        <p:txBody>
+          <a:bodyPr anchor="ctr">
+            <a:normAutofit/>
+          </a:bodyPr>
+          <a:lstStyle>
+            <a:lvl1pPr marL="0" indent="0" algn="ctr">
+              <a:buNone/>
+              <a:defRPr sz="1600"/>
+            </a:lvl1pPr>
+            <a:lvl2pPr marL="457200" indent="0">
+              <a:buNone/>
+              <a:defRPr sz="1400"/>
+            </a:lvl2pPr>
+            <a:lvl3pPr marL="914400" indent="0">
+              <a:buNone/>
+              <a:defRPr sz="1200"/>
+            </a:lvl3pPr>
+            <a:lvl4pPr marL="1371600" indent="0">
+              <a:buNone/>
+              <a:defRPr sz="1000"/>
+            </a:lvl4pPr>
+            <a:lvl5pPr marL="1828800" indent="0">
+              <a:buNone/>
+              <a:defRPr sz="1000"/>
+            </a:lvl5pPr>
+            <a:lvl6pPr marL="2286000" indent="0">
+              <a:buNone/>
+              <a:defRPr sz="1000"/>
+            </a:lvl6pPr>
+            <a:lvl7pPr marL="2743200" indent="0">
+              <a:buNone/>
+              <a:defRPr sz="1000"/>
+            </a:lvl7pPr>
+            <a:lvl8pPr marL="3200400" indent="0">
+              <a:buNone/>
+              <a:defRPr sz="1000"/>
+            </a:lvl8pPr>
+            <a:lvl9pPr marL="3657600" indent="0">
+              <a:buNone/>
+              <a:defRPr sz="1000"/>
+            </a:lvl9pPr>
+          </a:lstStyle>
+          <a:p>
+            <a:pPr lvl="0"/>
+            <a:r>
+              <a:rPr lang="en-US"/>
+              <a:t>Click to edit Master text styles</a:t>
+            </a:r>
+          </a:p>
+        </p:txBody>
+      </p:sp>
+      <p:sp>
+        <p:nvSpPr>
+          <p:cNvPr id="5" name="Date Placeholder 4"/>
+          <p:cNvSpPr>
+            <a:spLocks noGrp="1"/>
+          </p:cNvSpPr>
+          <p:nvPr>
+            <p:ph type="dt" sz="half" idx="10"/>
+          </p:nvPr>
+        </p:nvSpPr>
+        <p:spPr/>
+        <p:txBody>
+          <a:bodyPr/>
+          <a:lstStyle/>
+          <a:p>
+            <a:fld id="{EDD99DFF-4D7C-4671-8EF0-23A72D1484EC}" type="datetimeFigureOut">
+              <a:rPr lang="en-US" smtClean="0"/>
+              <a:t>7/18/2023</a:t>
+            </a:fld>
+            <a:endParaRPr lang="en-US"/>
+          </a:p>
+        </p:txBody>
+      </p:sp>
+      <p:sp>
+        <p:nvSpPr>
+          <p:cNvPr id="6" name="Footer Placeholder 5"/>
+          <p:cNvSpPr>
+            <a:spLocks noGrp="1"/>
+          </p:cNvSpPr>
+          <p:nvPr>
+            <p:ph type="ftr" sz="quarter" idx="11"/>
+          </p:nvPr>
+        </p:nvSpPr>
+        <p:spPr/>
+        <p:txBody>
+          <a:bodyPr/>
+          <a:lstStyle/>
+          <a:p>
+            <a:endParaRPr lang="en-US"/>
+          </a:p>
+        </p:txBody>
+      </p:sp>
+      <p:sp>
+        <p:nvSpPr>
+          <p:cNvPr id="7" name="Slide Number Placeholder 6"/>
+          <p:cNvSpPr>
+            <a:spLocks noGrp="1"/>
+          </p:cNvSpPr>
+          <p:nvPr>
+            <p:ph type="sldNum" sz="quarter" idx="12"/>
+          </p:nvPr>
+        </p:nvSpPr>
+        <p:spPr/>
+        <p:txBody>
+          <a:bodyPr/>
+          <a:lstStyle/>
+          <a:p>
+            <a:fld id="{CD8415C1-6A6E-413D-A237-40782C2C92C0}" type="slidenum">
+              <a:rPr lang="en-US" smtClean="0"/>
+              <a:t>‹#›</a:t>
+            </a:fld>
+            <a:endParaRPr lang="en-US"/>
+          </a:p>
+        </p:txBody>
+      </p:sp>
+      <p:sp>
+        <p:nvSpPr>
+          <p:cNvPr id="13" name="TextBox 12"/>
+          <p:cNvSpPr txBox="1"/>
+          <p:nvPr/>
+        </p:nvSpPr>
+        <p:spPr>
+          <a:xfrm>
+            <a:off x="1001488" y="754166"/>
+            <a:ext cx="609600" cy="584776"/>
+          </a:xfrm>
+          <a:prstGeom prst="rect">
+            <a:avLst/>
+          </a:prstGeom>
+        </p:spPr>
+        <p:txBody>
+          <a:bodyPr vert="horz" lIns="91440" tIns="45720" rIns="91440" bIns="45720" rtlCol="0" anchor="ctr">
+            <a:noAutofit/>
+          </a:bodyPr>
+          <a:lstStyle>
+            <a:lvl1pPr>
+              <a:spcBef>
+                <a:spcPct val="0"/>
+              </a:spcBef>
+              <a:buNone/>
+              <a:defRPr sz="3200" b="0" cap="all">
+                <a:ln w="3175" cmpd="sng">
+                  <a:noFill/>
+                </a:ln>
+                <a:effectLst>
+                  <a:glow rad="38100">
+                    <a:schemeClr val="bg1">
+                      <a:lumMod val="65000"/>
+                      <a:lumOff val="35000"/>
+                      <a:alpha val="40000"/>
+                    </a:schemeClr>
+                  </a:glow>
+                  <a:outerShdw blurRad="28575" dist="38100" dir="14040000" algn="tl" rotWithShape="0">
+                    <a:srgbClr val="000000">
+                      <a:alpha val="25000"/>
+                    </a:srgbClr>
+                  </a:outerShdw>
+                </a:effectLst>
+              </a:defRPr>
+            </a:lvl1pPr>
+            <a:lvl2pPr>
+              <a:defRPr>
+                <a:solidFill>
+                  <a:schemeClr val="tx2"/>
+                </a:solidFill>
+              </a:defRPr>
+            </a:lvl2pPr>
+            <a:lvl3pPr>
+              <a:defRPr>
+                <a:solidFill>
+                  <a:schemeClr val="tx2"/>
+                </a:solidFill>
+              </a:defRPr>
+            </a:lvl3pPr>
+            <a:lvl4pPr>
+              <a:defRPr>
+                <a:solidFill>
+                  <a:schemeClr val="tx2"/>
+                </a:solidFill>
+              </a:defRPr>
+            </a:lvl4pPr>
+            <a:lvl5pPr>
+              <a:defRPr>
+                <a:solidFill>
+                  <a:schemeClr val="tx2"/>
+                </a:solidFill>
+              </a:defRPr>
+            </a:lvl5pPr>
+            <a:lvl6pPr>
+              <a:defRPr>
+                <a:solidFill>
+                  <a:schemeClr val="tx2"/>
+                </a:solidFill>
+              </a:defRPr>
+            </a:lvl6pPr>
+            <a:lvl7pPr>
+              <a:defRPr>
+                <a:solidFill>
+                  <a:schemeClr val="tx2"/>
+                </a:solidFill>
+              </a:defRPr>
+            </a:lvl7pPr>
+            <a:lvl8pPr>
+              <a:defRPr>
+                <a:solidFill>
+                  <a:schemeClr val="tx2"/>
+                </a:solidFill>
+              </a:defRPr>
+            </a:lvl8pPr>
+            <a:lvl9pPr>
+              <a:defRPr>
+                <a:solidFill>
+                  <a:schemeClr val="tx2"/>
+                </a:solidFill>
+              </a:defRPr>
+            </a:lvl9pPr>
+          </a:lstStyle>
+          <a:p>
+            <a:pPr lvl="0"/>
+            <a:r>
+              <a:rPr lang="en-US" sz="8000" dirty="0">
+                <a:solidFill>
+                  <a:schemeClr val="tx1"/>
+                </a:solidFill>
+                <a:effectLst/>
+              </a:rPr>
+              <a:t>“</a:t>
+            </a:r>
+          </a:p>
+        </p:txBody>
+      </p:sp>
+      <p:sp>
+        <p:nvSpPr>
+          <p:cNvPr id="14" name="TextBox 13"/>
+          <p:cNvSpPr txBox="1"/>
+          <p:nvPr/>
+        </p:nvSpPr>
+        <p:spPr>
+          <a:xfrm>
+            <a:off x="10557558" y="2993578"/>
+            <a:ext cx="609600" cy="584776"/>
+          </a:xfrm>
+          <a:prstGeom prst="rect">
+            <a:avLst/>
+          </a:prstGeom>
+        </p:spPr>
+        <p:txBody>
+          <a:bodyPr vert="horz" lIns="91440" tIns="45720" rIns="91440" bIns="45720" rtlCol="0" anchor="ctr">
+            <a:noAutofit/>
+          </a:bodyPr>
+          <a:lstStyle>
+            <a:lvl1pPr>
+              <a:spcBef>
+                <a:spcPct val="0"/>
+              </a:spcBef>
+              <a:buNone/>
+              <a:defRPr sz="3200" b="0" cap="all">
+                <a:ln w="3175" cmpd="sng">
+                  <a:noFill/>
+                </a:ln>
+                <a:effectLst>
+                  <a:glow rad="38100">
+                    <a:schemeClr val="bg1">
+                      <a:lumMod val="65000"/>
+                      <a:lumOff val="35000"/>
+                      <a:alpha val="40000"/>
+                    </a:schemeClr>
+                  </a:glow>
+                  <a:outerShdw blurRad="28575" dist="38100" dir="14040000" algn="tl" rotWithShape="0">
+                    <a:srgbClr val="000000">
+                      <a:alpha val="25000"/>
+                    </a:srgbClr>
+                  </a:outerShdw>
+                </a:effectLst>
+              </a:defRPr>
+            </a:lvl1pPr>
+            <a:lvl2pPr>
+              <a:defRPr>
+                <a:solidFill>
+                  <a:schemeClr val="tx2"/>
+                </a:solidFill>
+              </a:defRPr>
+            </a:lvl2pPr>
+            <a:lvl3pPr>
+              <a:defRPr>
+                <a:solidFill>
+                  <a:schemeClr val="tx2"/>
+                </a:solidFill>
+              </a:defRPr>
+            </a:lvl3pPr>
+            <a:lvl4pPr>
+              <a:defRPr>
+                <a:solidFill>
+                  <a:schemeClr val="tx2"/>
+                </a:solidFill>
+              </a:defRPr>
+            </a:lvl4pPr>
+            <a:lvl5pPr>
+              <a:defRPr>
+                <a:solidFill>
+                  <a:schemeClr val="tx2"/>
+                </a:solidFill>
+              </a:defRPr>
+            </a:lvl5pPr>
+            <a:lvl6pPr>
+              <a:defRPr>
+                <a:solidFill>
+                  <a:schemeClr val="tx2"/>
+                </a:solidFill>
+              </a:defRPr>
+            </a:lvl6pPr>
+            <a:lvl7pPr>
+              <a:defRPr>
+                <a:solidFill>
+                  <a:schemeClr val="tx2"/>
+                </a:solidFill>
+              </a:defRPr>
+            </a:lvl7pPr>
+            <a:lvl8pPr>
+              <a:defRPr>
+                <a:solidFill>
+                  <a:schemeClr val="tx2"/>
+                </a:solidFill>
+              </a:defRPr>
+            </a:lvl8pPr>
+            <a:lvl9pPr>
+              <a:defRPr>
+                <a:solidFill>
+                  <a:schemeClr val="tx2"/>
+                </a:solidFill>
+              </a:defRPr>
+            </a:lvl9pPr>
+          </a:lstStyle>
+          <a:p>
+            <a:pPr lvl="0" algn="r"/>
+            <a:r>
+              <a:rPr lang="en-US" sz="8000" dirty="0">
+                <a:solidFill>
+                  <a:schemeClr val="tx1"/>
+                </a:solidFill>
+                <a:effectLst/>
+              </a:rPr>
+              <a:t>”</a:t>
+            </a:r>
+          </a:p>
+        </p:txBody>
+      </p:sp>
+    </p:spTree>
+    <p:extLst>
+      <p:ext uri="{BB962C8B-B14F-4D97-AF65-F5344CB8AC3E}">
+        <p14:creationId xmlns:p14="http://schemas.microsoft.com/office/powerpoint/2010/main" val="388175035"/>
+      </p:ext>
+    </p:extLst>
+  </p:cSld>
+  <p:clrMapOvr>
+    <a:masterClrMapping/>
+  </p:clrMapOvr>
+</p:sldLayout>
+</file>
+
+<file path=ppt/slideLayouts/slideLayout13.xml><?xml version="1.0" encoding="utf-8"?>
+<p:sldLayout xmlns:a="http://schemas.openxmlformats.org/drawingml/2006/main" xmlns:r="http://schemas.openxmlformats.org/officeDocument/2006/relationships" xmlns:p="http://schemas.openxmlformats.org/presentationml/2006/main" preserve="1">
+  <p:cSld name="Name Card">
+    <p:spTree>
+      <p:nvGrpSpPr>
+        <p:cNvPr id="1" name=""/>
+        <p:cNvGrpSpPr/>
+        <p:nvPr/>
+      </p:nvGrpSpPr>
+      <p:grpSpPr>
+        <a:xfrm>
+          <a:off x="0" y="0"/>
+          <a:ext cx="0" cy="0"/>
+          <a:chOff x="0" y="0"/>
+          <a:chExt cx="0" cy="0"/>
+        </a:xfrm>
+      </p:grpSpPr>
+      <p:pic>
+        <p:nvPicPr>
+          <p:cNvPr id="8" name="Picture 7" descr="Droplets-HD-Content-R1d.png"/>
+          <p:cNvPicPr>
+            <a:picLocks noChangeAspect="1"/>
+          </p:cNvPicPr>
+          <p:nvPr/>
+        </p:nvPicPr>
+        <p:blipFill>
+          <a:blip r:embed="rId2">
+            <a:extLst>
+              <a:ext uri="{28A0092B-C50C-407E-A947-70E740481C1C}">
+                <a14:useLocalDpi xmlns:a14="http://schemas.microsoft.com/office/drawing/2010/main" val="0"/>
+              </a:ext>
+            </a:extLst>
+          </a:blip>
+          <a:stretch>
+            <a:fillRect/>
+          </a:stretch>
+        </p:blipFill>
+        <p:spPr>
+          <a:xfrm>
+            <a:off x="0" y="0"/>
+            <a:ext cx="12192000" cy="6858000"/>
+          </a:xfrm>
+          <a:prstGeom prst="rect">
+            <a:avLst/>
+          </a:prstGeom>
+        </p:spPr>
+      </p:pic>
+      <p:sp>
+        <p:nvSpPr>
+          <p:cNvPr id="2" name="Title 1"/>
+          <p:cNvSpPr>
+            <a:spLocks noGrp="1"/>
+          </p:cNvSpPr>
+          <p:nvPr>
+            <p:ph type="title"/>
+          </p:nvPr>
+        </p:nvSpPr>
+        <p:spPr>
+          <a:xfrm>
+            <a:off x="913775" y="2138721"/>
+            <a:ext cx="10364452" cy="2511835"/>
+          </a:xfrm>
+        </p:spPr>
+        <p:txBody>
+          <a:bodyPr anchor="b"/>
+          <a:lstStyle>
+            <a:lvl1pPr algn="ctr">
+              <a:defRPr sz="3200"/>
+            </a:lvl1pPr>
+          </a:lstStyle>
+          <a:p>
+            <a:r>
+              <a:rPr lang="en-US"/>
+              <a:t>Click to edit Master title style</a:t>
+            </a:r>
+            <a:endParaRPr lang="en-US" dirty="0"/>
+          </a:p>
+        </p:txBody>
+      </p:sp>
+      <p:sp>
+        <p:nvSpPr>
+          <p:cNvPr id="4" name="Text Placeholder 3"/>
+          <p:cNvSpPr>
+            <a:spLocks noGrp="1"/>
+          </p:cNvSpPr>
+          <p:nvPr>
+            <p:ph type="body" sz="half" idx="2"/>
+          </p:nvPr>
+        </p:nvSpPr>
+        <p:spPr>
+          <a:xfrm>
+            <a:off x="913775" y="4662335"/>
+            <a:ext cx="10364452" cy="1140644"/>
+          </a:xfrm>
+        </p:spPr>
+        <p:txBody>
+          <a:bodyPr anchor="t"/>
+          <a:lstStyle>
+            <a:lvl1pPr marL="0" indent="0" algn="ctr">
+              <a:buNone/>
+              <a:defRPr sz="1600"/>
+            </a:lvl1pPr>
+            <a:lvl2pPr marL="457200" indent="0">
+              <a:buNone/>
+              <a:defRPr sz="1400"/>
+            </a:lvl2pPr>
+            <a:lvl3pPr marL="914400" indent="0">
+              <a:buNone/>
+              <a:defRPr sz="1200"/>
+            </a:lvl3pPr>
+            <a:lvl4pPr marL="1371600" indent="0">
+              <a:buNone/>
+              <a:defRPr sz="1000"/>
+            </a:lvl4pPr>
+            <a:lvl5pPr marL="1828800" indent="0">
+              <a:buNone/>
+              <a:defRPr sz="1000"/>
+            </a:lvl5pPr>
+            <a:lvl6pPr marL="2286000" indent="0">
+              <a:buNone/>
+              <a:defRPr sz="1000"/>
+            </a:lvl6pPr>
+            <a:lvl7pPr marL="2743200" indent="0">
+              <a:buNone/>
+              <a:defRPr sz="1000"/>
+            </a:lvl7pPr>
+            <a:lvl8pPr marL="3200400" indent="0">
+              <a:buNone/>
+              <a:defRPr sz="1000"/>
+            </a:lvl8pPr>
+            <a:lvl9pPr marL="3657600" indent="0">
+              <a:buNone/>
+              <a:defRPr sz="1000"/>
+            </a:lvl9pPr>
+          </a:lstStyle>
+          <a:p>
+            <a:pPr lvl="0"/>
+            <a:r>
+              <a:rPr lang="en-US"/>
+              <a:t>Click to edit Master text styles</a:t>
+            </a:r>
+          </a:p>
+        </p:txBody>
+      </p:sp>
+      <p:sp>
+        <p:nvSpPr>
+          <p:cNvPr id="5" name="Date Placeholder 4"/>
+          <p:cNvSpPr>
+            <a:spLocks noGrp="1"/>
+          </p:cNvSpPr>
+          <p:nvPr>
+            <p:ph type="dt" sz="half" idx="10"/>
+          </p:nvPr>
+        </p:nvSpPr>
+        <p:spPr/>
+        <p:txBody>
+          <a:bodyPr/>
+          <a:lstStyle/>
+          <a:p>
+            <a:fld id="{EDD99DFF-4D7C-4671-8EF0-23A72D1484EC}" type="datetimeFigureOut">
+              <a:rPr lang="en-US" smtClean="0"/>
+              <a:t>7/18/2023</a:t>
+            </a:fld>
+            <a:endParaRPr lang="en-US"/>
+          </a:p>
+        </p:txBody>
+      </p:sp>
+      <p:sp>
+        <p:nvSpPr>
+          <p:cNvPr id="6" name="Footer Placeholder 5"/>
+          <p:cNvSpPr>
+            <a:spLocks noGrp="1"/>
+          </p:cNvSpPr>
+          <p:nvPr>
+            <p:ph type="ftr" sz="quarter" idx="11"/>
+          </p:nvPr>
+        </p:nvSpPr>
+        <p:spPr/>
+        <p:txBody>
+          <a:bodyPr/>
+          <a:lstStyle/>
+          <a:p>
+            <a:endParaRPr lang="en-US"/>
+          </a:p>
+        </p:txBody>
+      </p:sp>
+      <p:sp>
+        <p:nvSpPr>
+          <p:cNvPr id="7" name="Slide Number Placeholder 6"/>
+          <p:cNvSpPr>
+            <a:spLocks noGrp="1"/>
+          </p:cNvSpPr>
+          <p:nvPr>
+            <p:ph type="sldNum" sz="quarter" idx="12"/>
+          </p:nvPr>
+        </p:nvSpPr>
+        <p:spPr/>
+        <p:txBody>
+          <a:bodyPr/>
+          <a:lstStyle/>
+          <a:p>
+            <a:fld id="{CD8415C1-6A6E-413D-A237-40782C2C92C0}" type="slidenum">
+              <a:rPr lang="en-US" smtClean="0"/>
+              <a:t>‹#›</a:t>
+            </a:fld>
+            <a:endParaRPr lang="en-US"/>
+          </a:p>
+        </p:txBody>
+      </p:sp>
+    </p:spTree>
+    <p:extLst>
+      <p:ext uri="{BB962C8B-B14F-4D97-AF65-F5344CB8AC3E}">
+        <p14:creationId xmlns:p14="http://schemas.microsoft.com/office/powerpoint/2010/main" val="422620162"/>
+      </p:ext>
+    </p:extLst>
+  </p:cSld>
+  <p:clrMapOvr>
+    <a:masterClrMapping/>
+  </p:clrMapOvr>
+</p:sldLayout>
+</file>
+
+<file path=ppt/slideLayouts/slideLayout14.xml><?xml version="1.0" encoding="utf-8"?>
+<p:sldLayout xmlns:a="http://schemas.openxmlformats.org/drawingml/2006/main" xmlns:r="http://schemas.openxmlformats.org/officeDocument/2006/relationships" xmlns:p="http://schemas.openxmlformats.org/presentationml/2006/main" preserve="1">
+  <p:cSld name="3 Column">
+    <p:spTree>
+      <p:nvGrpSpPr>
+        <p:cNvPr id="1" name=""/>
+        <p:cNvGrpSpPr/>
+        <p:nvPr/>
+      </p:nvGrpSpPr>
+      <p:grpSpPr>
+        <a:xfrm>
+          <a:off x="0" y="0"/>
+          <a:ext cx="0" cy="0"/>
+          <a:chOff x="0" y="0"/>
+          <a:chExt cx="0" cy="0"/>
+        </a:xfrm>
+      </p:grpSpPr>
+      <p:pic>
+        <p:nvPicPr>
+          <p:cNvPr id="13" name="Picture 12" descr="Droplets-HD-Content-R1d.png"/>
+          <p:cNvPicPr>
+            <a:picLocks noChangeAspect="1"/>
+          </p:cNvPicPr>
+          <p:nvPr/>
+        </p:nvPicPr>
+        <p:blipFill>
+          <a:blip r:embed="rId2">
+            <a:extLst>
+              <a:ext uri="{28A0092B-C50C-407E-A947-70E740481C1C}">
+                <a14:useLocalDpi xmlns:a14="http://schemas.microsoft.com/office/drawing/2010/main" val="0"/>
+              </a:ext>
+            </a:extLst>
+          </a:blip>
+          <a:stretch>
+            <a:fillRect/>
+          </a:stretch>
+        </p:blipFill>
+        <p:spPr>
+          <a:xfrm>
+            <a:off x="0" y="0"/>
+            <a:ext cx="12192000" cy="6858000"/>
+          </a:xfrm>
+          <a:prstGeom prst="rect">
+            <a:avLst/>
+          </a:prstGeom>
+        </p:spPr>
+      </p:pic>
+      <p:sp>
+        <p:nvSpPr>
+          <p:cNvPr id="15" name="Title 1"/>
+          <p:cNvSpPr>
+            <a:spLocks noGrp="1"/>
+          </p:cNvSpPr>
+          <p:nvPr>
+            <p:ph type="title"/>
+          </p:nvPr>
+        </p:nvSpPr>
+        <p:spPr>
+          <a:xfrm>
+            <a:off x="913774" y="609600"/>
+            <a:ext cx="10364452" cy="1605094"/>
+          </a:xfrm>
+        </p:spPr>
+        <p:txBody>
+          <a:bodyPr/>
+          <a:lstStyle/>
+          <a:p>
+            <a:r>
+              <a:rPr lang="en-US"/>
+              <a:t>Click to edit Master title style</a:t>
+            </a:r>
+            <a:endParaRPr lang="en-US" dirty="0"/>
+          </a:p>
+        </p:txBody>
+      </p:sp>
+      <p:sp>
+        <p:nvSpPr>
+          <p:cNvPr id="7" name="Text Placeholder 2"/>
+          <p:cNvSpPr>
+            <a:spLocks noGrp="1"/>
+          </p:cNvSpPr>
+          <p:nvPr>
+            <p:ph type="body" idx="1"/>
+          </p:nvPr>
+        </p:nvSpPr>
+        <p:spPr>
+          <a:xfrm>
+            <a:off x="913774" y="2367093"/>
+            <a:ext cx="3298976" cy="576262"/>
+          </a:xfrm>
+        </p:spPr>
+        <p:txBody>
+          <a:bodyPr anchor="b">
+            <a:noAutofit/>
+          </a:bodyPr>
+          <a:lstStyle>
+            <a:lvl1pPr marL="0" indent="0" algn="ctr">
+              <a:lnSpc>
+                <a:spcPct val="85000"/>
+              </a:lnSpc>
+              <a:buNone/>
+              <a:defRPr sz="2400" b="0">
+                <a:solidFill>
+                  <a:schemeClr val="tx1"/>
+                </a:solidFill>
+              </a:defRPr>
+            </a:lvl1pPr>
+            <a:lvl2pPr marL="457200" indent="0">
+              <a:buNone/>
+              <a:defRPr sz="2000" b="1"/>
+            </a:lvl2pPr>
+            <a:lvl3pPr marL="914400" indent="0">
+              <a:buNone/>
+              <a:defRPr sz="1800" b="1"/>
+            </a:lvl3pPr>
+            <a:lvl4pPr marL="1371600" indent="0">
+              <a:buNone/>
+              <a:defRPr sz="1600" b="1"/>
+            </a:lvl4pPr>
+            <a:lvl5pPr marL="1828800" indent="0">
+              <a:buNone/>
+              <a:defRPr sz="1600" b="1"/>
+            </a:lvl5pPr>
+            <a:lvl6pPr marL="2286000" indent="0">
+              <a:buNone/>
+              <a:defRPr sz="1600" b="1"/>
+            </a:lvl6pPr>
+            <a:lvl7pPr marL="2743200" indent="0">
+              <a:buNone/>
+              <a:defRPr sz="1600" b="1"/>
+            </a:lvl7pPr>
+            <a:lvl8pPr marL="3200400" indent="0">
+              <a:buNone/>
+              <a:defRPr sz="1600" b="1"/>
+            </a:lvl8pPr>
+            <a:lvl9pPr marL="3657600" indent="0">
+              <a:buNone/>
+              <a:defRPr sz="1600" b="1"/>
+            </a:lvl9pPr>
+          </a:lstStyle>
+          <a:p>
+            <a:pPr lvl="0"/>
+            <a:r>
+              <a:rPr lang="en-US"/>
+              <a:t>Click to edit Master text styles</a:t>
+            </a:r>
+          </a:p>
+        </p:txBody>
+      </p:sp>
+      <p:sp>
+        <p:nvSpPr>
+          <p:cNvPr id="8" name="Text Placeholder 3"/>
+          <p:cNvSpPr>
+            <a:spLocks noGrp="1"/>
+          </p:cNvSpPr>
+          <p:nvPr>
+            <p:ph type="body" sz="half" idx="15"/>
+          </p:nvPr>
+        </p:nvSpPr>
+        <p:spPr>
+          <a:xfrm>
+            <a:off x="913774" y="2943355"/>
+            <a:ext cx="3298976" cy="2847845"/>
+          </a:xfrm>
+        </p:spPr>
+        <p:txBody>
+          <a:bodyPr anchor="t">
+            <a:normAutofit/>
+          </a:bodyPr>
+          <a:lstStyle>
+            <a:lvl1pPr marL="0" indent="0" algn="ctr">
+              <a:buNone/>
+              <a:defRPr sz="1400"/>
+            </a:lvl1pPr>
+            <a:lvl2pPr marL="457200" indent="0">
+              <a:buNone/>
+              <a:defRPr sz="1200"/>
+            </a:lvl2pPr>
+            <a:lvl3pPr marL="914400" indent="0">
+              <a:buNone/>
+              <a:defRPr sz="1000"/>
+            </a:lvl3pPr>
+            <a:lvl4pPr marL="1371600" indent="0">
+              <a:buNone/>
+              <a:defRPr sz="900"/>
+            </a:lvl4pPr>
+            <a:lvl5pPr marL="1828800" indent="0">
+              <a:buNone/>
+              <a:defRPr sz="900"/>
+            </a:lvl5pPr>
+            <a:lvl6pPr marL="2286000" indent="0">
+              <a:buNone/>
+              <a:defRPr sz="900"/>
+            </a:lvl6pPr>
+            <a:lvl7pPr marL="2743200" indent="0">
+              <a:buNone/>
+              <a:defRPr sz="900"/>
+            </a:lvl7pPr>
+            <a:lvl8pPr marL="3200400" indent="0">
+              <a:buNone/>
+              <a:defRPr sz="900"/>
+            </a:lvl8pPr>
+            <a:lvl9pPr marL="3657600" indent="0">
+              <a:buNone/>
+              <a:defRPr sz="900"/>
+            </a:lvl9pPr>
+          </a:lstStyle>
+          <a:p>
+            <a:pPr lvl="0"/>
+            <a:r>
+              <a:rPr lang="en-US"/>
+              <a:t>Click to edit Master text styles</a:t>
+            </a:r>
+          </a:p>
+        </p:txBody>
+      </p:sp>
+      <p:sp>
+        <p:nvSpPr>
+          <p:cNvPr id="9" name="Text Placeholder 4"/>
+          <p:cNvSpPr>
+            <a:spLocks noGrp="1"/>
+          </p:cNvSpPr>
+          <p:nvPr>
+            <p:ph type="body" sz="quarter" idx="3"/>
+          </p:nvPr>
+        </p:nvSpPr>
+        <p:spPr>
+          <a:xfrm>
+            <a:off x="4452389" y="2367093"/>
+            <a:ext cx="3291521" cy="576262"/>
+          </a:xfrm>
+        </p:spPr>
+        <p:txBody>
+          <a:bodyPr anchor="b">
+            <a:noAutofit/>
+          </a:bodyPr>
+          <a:lstStyle>
+            <a:lvl1pPr marL="0" indent="0" algn="ctr">
+              <a:lnSpc>
+                <a:spcPct val="85000"/>
+              </a:lnSpc>
+              <a:buNone/>
+              <a:defRPr sz="2400" b="0">
+                <a:solidFill>
+                  <a:schemeClr val="tx1"/>
+                </a:solidFill>
+              </a:defRPr>
+            </a:lvl1pPr>
+            <a:lvl2pPr marL="457200" indent="0">
+              <a:buNone/>
+              <a:defRPr sz="2000" b="1"/>
+            </a:lvl2pPr>
+            <a:lvl3pPr marL="914400" indent="0">
+              <a:buNone/>
+              <a:defRPr sz="1800" b="1"/>
+            </a:lvl3pPr>
+            <a:lvl4pPr marL="1371600" indent="0">
+              <a:buNone/>
+              <a:defRPr sz="1600" b="1"/>
+            </a:lvl4pPr>
+            <a:lvl5pPr marL="1828800" indent="0">
+              <a:buNone/>
+              <a:defRPr sz="1600" b="1"/>
+            </a:lvl5pPr>
+            <a:lvl6pPr marL="2286000" indent="0">
+              <a:buNone/>
+              <a:defRPr sz="1600" b="1"/>
+            </a:lvl6pPr>
+            <a:lvl7pPr marL="2743200" indent="0">
+              <a:buNone/>
+              <a:defRPr sz="1600" b="1"/>
+            </a:lvl7pPr>
+            <a:lvl8pPr marL="3200400" indent="0">
+              <a:buNone/>
+              <a:defRPr sz="1600" b="1"/>
+            </a:lvl8pPr>
+            <a:lvl9pPr marL="3657600" indent="0">
+              <a:buNone/>
+              <a:defRPr sz="1600" b="1"/>
+            </a:lvl9pPr>
+          </a:lstStyle>
+          <a:p>
+            <a:pPr lvl="0"/>
+            <a:r>
+              <a:rPr lang="en-US"/>
+              <a:t>Click to edit Master text styles</a:t>
+            </a:r>
+          </a:p>
+        </p:txBody>
+      </p:sp>
+      <p:sp>
+        <p:nvSpPr>
+          <p:cNvPr id="10" name="Text Placeholder 3"/>
+          <p:cNvSpPr>
+            <a:spLocks noGrp="1"/>
+          </p:cNvSpPr>
+          <p:nvPr>
+            <p:ph type="body" sz="half" idx="16"/>
+          </p:nvPr>
+        </p:nvSpPr>
+        <p:spPr>
+          <a:xfrm>
+            <a:off x="4441348" y="2943355"/>
+            <a:ext cx="3303351" cy="2847845"/>
+          </a:xfrm>
+        </p:spPr>
+        <p:txBody>
+          <a:bodyPr anchor="t">
+            <a:normAutofit/>
+          </a:bodyPr>
+          <a:lstStyle>
+            <a:lvl1pPr marL="0" indent="0" algn="ctr">
+              <a:buNone/>
+              <a:defRPr sz="1400"/>
+            </a:lvl1pPr>
+            <a:lvl2pPr marL="457200" indent="0">
+              <a:buNone/>
+              <a:defRPr sz="1200"/>
+            </a:lvl2pPr>
+            <a:lvl3pPr marL="914400" indent="0">
+              <a:buNone/>
+              <a:defRPr sz="1000"/>
+            </a:lvl3pPr>
+            <a:lvl4pPr marL="1371600" indent="0">
+              <a:buNone/>
+              <a:defRPr sz="900"/>
+            </a:lvl4pPr>
+            <a:lvl5pPr marL="1828800" indent="0">
+              <a:buNone/>
+              <a:defRPr sz="900"/>
+            </a:lvl5pPr>
+            <a:lvl6pPr marL="2286000" indent="0">
+              <a:buNone/>
+              <a:defRPr sz="900"/>
+            </a:lvl6pPr>
+            <a:lvl7pPr marL="2743200" indent="0">
+              <a:buNone/>
+              <a:defRPr sz="900"/>
+            </a:lvl7pPr>
+            <a:lvl8pPr marL="3200400" indent="0">
+              <a:buNone/>
+              <a:defRPr sz="900"/>
+            </a:lvl8pPr>
+            <a:lvl9pPr marL="3657600" indent="0">
+              <a:buNone/>
+              <a:defRPr sz="900"/>
+            </a:lvl9pPr>
+          </a:lstStyle>
+          <a:p>
+            <a:pPr lvl="0"/>
+            <a:r>
+              <a:rPr lang="en-US"/>
+              <a:t>Click to edit Master text styles</a:t>
+            </a:r>
+          </a:p>
+        </p:txBody>
+      </p:sp>
+      <p:sp>
+        <p:nvSpPr>
+          <p:cNvPr id="11" name="Text Placeholder 4"/>
+          <p:cNvSpPr>
+            <a:spLocks noGrp="1"/>
+          </p:cNvSpPr>
+          <p:nvPr>
+            <p:ph type="body" sz="quarter" idx="13"/>
+          </p:nvPr>
+        </p:nvSpPr>
+        <p:spPr>
+          <a:xfrm>
+            <a:off x="7973298" y="2367093"/>
+            <a:ext cx="3304928" cy="576262"/>
+          </a:xfrm>
+        </p:spPr>
+        <p:txBody>
+          <a:bodyPr anchor="b">
+            <a:noAutofit/>
+          </a:bodyPr>
+          <a:lstStyle>
+            <a:lvl1pPr marL="0" indent="0" algn="ctr">
+              <a:lnSpc>
+                <a:spcPct val="85000"/>
+              </a:lnSpc>
+              <a:buNone/>
+              <a:defRPr sz="2400" b="0">
+                <a:solidFill>
+                  <a:schemeClr val="tx1"/>
+                </a:solidFill>
+              </a:defRPr>
+            </a:lvl1pPr>
+            <a:lvl2pPr marL="457200" indent="0">
+              <a:buNone/>
+              <a:defRPr sz="2000" b="1"/>
+            </a:lvl2pPr>
+            <a:lvl3pPr marL="914400" indent="0">
+              <a:buNone/>
+              <a:defRPr sz="1800" b="1"/>
+            </a:lvl3pPr>
+            <a:lvl4pPr marL="1371600" indent="0">
+              <a:buNone/>
+              <a:defRPr sz="1600" b="1"/>
+            </a:lvl4pPr>
+            <a:lvl5pPr marL="1828800" indent="0">
+              <a:buNone/>
+              <a:defRPr sz="1600" b="1"/>
+            </a:lvl5pPr>
+            <a:lvl6pPr marL="2286000" indent="0">
+              <a:buNone/>
+              <a:defRPr sz="1600" b="1"/>
+            </a:lvl6pPr>
+            <a:lvl7pPr marL="2743200" indent="0">
+              <a:buNone/>
+              <a:defRPr sz="1600" b="1"/>
+            </a:lvl7pPr>
+            <a:lvl8pPr marL="3200400" indent="0">
+              <a:buNone/>
+              <a:defRPr sz="1600" b="1"/>
+            </a:lvl8pPr>
+            <a:lvl9pPr marL="3657600" indent="0">
+              <a:buNone/>
+              <a:defRPr sz="1600" b="1"/>
+            </a:lvl9pPr>
+          </a:lstStyle>
+          <a:p>
+            <a:pPr lvl="0"/>
+            <a:r>
+              <a:rPr lang="en-US"/>
+              <a:t>Click to edit Master text styles</a:t>
+            </a:r>
+          </a:p>
+        </p:txBody>
+      </p:sp>
+      <p:sp>
+        <p:nvSpPr>
+          <p:cNvPr id="12" name="Text Placeholder 3"/>
+          <p:cNvSpPr>
+            <a:spLocks noGrp="1"/>
+          </p:cNvSpPr>
+          <p:nvPr>
+            <p:ph type="body" sz="half" idx="17"/>
+          </p:nvPr>
+        </p:nvSpPr>
+        <p:spPr>
+          <a:xfrm>
+            <a:off x="7973298" y="2943355"/>
+            <a:ext cx="3304928" cy="2847845"/>
+          </a:xfrm>
+        </p:spPr>
+        <p:txBody>
+          <a:bodyPr anchor="t">
+            <a:normAutofit/>
+          </a:bodyPr>
+          <a:lstStyle>
+            <a:lvl1pPr marL="0" indent="0" algn="ctr">
+              <a:buNone/>
+              <a:defRPr sz="1400"/>
+            </a:lvl1pPr>
+            <a:lvl2pPr marL="457200" indent="0">
+              <a:buNone/>
+              <a:defRPr sz="1200"/>
+            </a:lvl2pPr>
+            <a:lvl3pPr marL="914400" indent="0">
+              <a:buNone/>
+              <a:defRPr sz="1000"/>
+            </a:lvl3pPr>
+            <a:lvl4pPr marL="1371600" indent="0">
+              <a:buNone/>
+              <a:defRPr sz="900"/>
+            </a:lvl4pPr>
+            <a:lvl5pPr marL="1828800" indent="0">
+              <a:buNone/>
+              <a:defRPr sz="900"/>
+            </a:lvl5pPr>
+            <a:lvl6pPr marL="2286000" indent="0">
+              <a:buNone/>
+              <a:defRPr sz="900"/>
+            </a:lvl6pPr>
+            <a:lvl7pPr marL="2743200" indent="0">
+              <a:buNone/>
+              <a:defRPr sz="900"/>
+            </a:lvl7pPr>
+            <a:lvl8pPr marL="3200400" indent="0">
+              <a:buNone/>
+              <a:defRPr sz="900"/>
+            </a:lvl8pPr>
+            <a:lvl9pPr marL="3657600" indent="0">
+              <a:buNone/>
+              <a:defRPr sz="900"/>
+            </a:lvl9pPr>
+          </a:lstStyle>
+          <a:p>
+            <a:pPr lvl="0"/>
+            <a:r>
+              <a:rPr lang="en-US"/>
+              <a:t>Click to edit Master text styles</a:t>
+            </a:r>
+          </a:p>
+        </p:txBody>
+      </p:sp>
+      <p:sp>
+        <p:nvSpPr>
+          <p:cNvPr id="3" name="Date Placeholder 2"/>
+          <p:cNvSpPr>
+            <a:spLocks noGrp="1"/>
+          </p:cNvSpPr>
+          <p:nvPr>
+            <p:ph type="dt" sz="half" idx="10"/>
+          </p:nvPr>
+        </p:nvSpPr>
+        <p:spPr/>
+        <p:txBody>
+          <a:bodyPr/>
+          <a:lstStyle/>
+          <a:p>
+            <a:fld id="{EDD99DFF-4D7C-4671-8EF0-23A72D1484EC}" type="datetimeFigureOut">
+              <a:rPr lang="en-US" smtClean="0"/>
+              <a:t>7/18/2023</a:t>
+            </a:fld>
+            <a:endParaRPr lang="en-US"/>
+          </a:p>
+        </p:txBody>
+      </p:sp>
+      <p:sp>
+        <p:nvSpPr>
+          <p:cNvPr id="4" name="Footer Placeholder 3"/>
+          <p:cNvSpPr>
+            <a:spLocks noGrp="1"/>
+          </p:cNvSpPr>
+          <p:nvPr>
+            <p:ph type="ftr" sz="quarter" idx="11"/>
+          </p:nvPr>
+        </p:nvSpPr>
+        <p:spPr/>
+        <p:txBody>
+          <a:bodyPr/>
+          <a:lstStyle/>
+          <a:p>
+            <a:endParaRPr lang="en-US"/>
+          </a:p>
+        </p:txBody>
+      </p:sp>
+      <p:sp>
+        <p:nvSpPr>
+          <p:cNvPr id="5" name="Slide Number Placeholder 4"/>
+          <p:cNvSpPr>
+            <a:spLocks noGrp="1"/>
+          </p:cNvSpPr>
+          <p:nvPr>
+            <p:ph type="sldNum" sz="quarter" idx="12"/>
+          </p:nvPr>
+        </p:nvSpPr>
+        <p:spPr/>
+        <p:txBody>
+          <a:bodyPr/>
+          <a:lstStyle/>
+          <a:p>
+            <a:fld id="{CD8415C1-6A6E-413D-A237-40782C2C92C0}" type="slidenum">
+              <a:rPr lang="en-US" smtClean="0"/>
+              <a:t>‹#›</a:t>
+            </a:fld>
+            <a:endParaRPr lang="en-US"/>
+          </a:p>
+        </p:txBody>
+      </p:sp>
+    </p:spTree>
+    <p:extLst>
+      <p:ext uri="{BB962C8B-B14F-4D97-AF65-F5344CB8AC3E}">
+        <p14:creationId xmlns:p14="http://schemas.microsoft.com/office/powerpoint/2010/main" val="3794125499"/>
+      </p:ext>
+    </p:extLst>
+  </p:cSld>
+  <p:clrMapOvr>
+    <a:masterClrMapping/>
+  </p:clrMapOvr>
+</p:sldLayout>
+</file>
+
+<file path=ppt/slideLayouts/slideLayout15.xml><?xml version="1.0" encoding="utf-8"?>
+<p:sldLayout xmlns:a="http://schemas.openxmlformats.org/drawingml/2006/main" xmlns:r="http://schemas.openxmlformats.org/officeDocument/2006/relationships" xmlns:p="http://schemas.openxmlformats.org/presentationml/2006/main" preserve="1">
+  <p:cSld name="3 Picture Column">
+    <p:spTree>
+      <p:nvGrpSpPr>
+        <p:cNvPr id="1" name=""/>
+        <p:cNvGrpSpPr/>
+        <p:nvPr/>
+      </p:nvGrpSpPr>
+      <p:grpSpPr>
+        <a:xfrm>
+          <a:off x="0" y="0"/>
+          <a:ext cx="0" cy="0"/>
+          <a:chOff x="0" y="0"/>
+          <a:chExt cx="0" cy="0"/>
+        </a:xfrm>
+      </p:grpSpPr>
+      <p:pic>
+        <p:nvPicPr>
+          <p:cNvPr id="16" name="Picture 15" descr="Droplets-HD-Content-R1d.png"/>
+          <p:cNvPicPr>
+            <a:picLocks noChangeAspect="1"/>
+          </p:cNvPicPr>
+          <p:nvPr/>
+        </p:nvPicPr>
+        <p:blipFill>
+          <a:blip r:embed="rId2">
+            <a:extLst>
+              <a:ext uri="{28A0092B-C50C-407E-A947-70E740481C1C}">
+                <a14:useLocalDpi xmlns:a14="http://schemas.microsoft.com/office/drawing/2010/main" val="0"/>
+              </a:ext>
+            </a:extLst>
+          </a:blip>
+          <a:stretch>
+            <a:fillRect/>
+          </a:stretch>
+        </p:blipFill>
+        <p:spPr>
+          <a:xfrm>
+            <a:off x="0" y="0"/>
+            <a:ext cx="12192000" cy="6858000"/>
+          </a:xfrm>
+          <a:prstGeom prst="rect">
+            <a:avLst/>
+          </a:prstGeom>
+        </p:spPr>
+      </p:pic>
+      <p:sp>
+        <p:nvSpPr>
+          <p:cNvPr id="30" name="Title 1"/>
+          <p:cNvSpPr>
+            <a:spLocks noGrp="1"/>
+          </p:cNvSpPr>
+          <p:nvPr>
+            <p:ph type="title"/>
+          </p:nvPr>
+        </p:nvSpPr>
+        <p:spPr>
+          <a:xfrm>
+            <a:off x="913774" y="610772"/>
+            <a:ext cx="10364452" cy="1603922"/>
+          </a:xfrm>
+        </p:spPr>
+        <p:txBody>
+          <a:bodyPr/>
+          <a:lstStyle/>
+          <a:p>
+            <a:r>
+              <a:rPr lang="en-US"/>
+              <a:t>Click to edit Master title style</a:t>
+            </a:r>
+            <a:endParaRPr lang="en-US" dirty="0"/>
+          </a:p>
+        </p:txBody>
+      </p:sp>
+      <p:sp>
+        <p:nvSpPr>
+          <p:cNvPr id="19" name="Text Placeholder 2"/>
+          <p:cNvSpPr>
+            <a:spLocks noGrp="1"/>
+          </p:cNvSpPr>
+          <p:nvPr>
+            <p:ph type="body" idx="1"/>
+          </p:nvPr>
+        </p:nvSpPr>
+        <p:spPr>
+          <a:xfrm>
+            <a:off x="913774" y="4204820"/>
+            <a:ext cx="3296409" cy="576262"/>
+          </a:xfrm>
+        </p:spPr>
+        <p:txBody>
+          <a:bodyPr anchor="b">
+            <a:noAutofit/>
+          </a:bodyPr>
+          <a:lstStyle>
+            <a:lvl1pPr marL="0" indent="0" algn="ctr">
+              <a:lnSpc>
+                <a:spcPct val="85000"/>
+              </a:lnSpc>
+              <a:buNone/>
+              <a:defRPr sz="2200" b="0">
+                <a:solidFill>
+                  <a:schemeClr val="tx1"/>
+                </a:solidFill>
+              </a:defRPr>
+            </a:lvl1pPr>
+            <a:lvl2pPr marL="457200" indent="0">
+              <a:buNone/>
+              <a:defRPr sz="2000" b="1"/>
+            </a:lvl2pPr>
+            <a:lvl3pPr marL="914400" indent="0">
+              <a:buNone/>
+              <a:defRPr sz="1800" b="1"/>
+            </a:lvl3pPr>
+            <a:lvl4pPr marL="1371600" indent="0">
+              <a:buNone/>
+              <a:defRPr sz="1600" b="1"/>
+            </a:lvl4pPr>
+            <a:lvl5pPr marL="1828800" indent="0">
+              <a:buNone/>
+              <a:defRPr sz="1600" b="1"/>
+            </a:lvl5pPr>
+            <a:lvl6pPr marL="2286000" indent="0">
+              <a:buNone/>
+              <a:defRPr sz="1600" b="1"/>
+            </a:lvl6pPr>
+            <a:lvl7pPr marL="2743200" indent="0">
+              <a:buNone/>
+              <a:defRPr sz="1600" b="1"/>
+            </a:lvl7pPr>
+            <a:lvl8pPr marL="3200400" indent="0">
+              <a:buNone/>
+              <a:defRPr sz="1600" b="1"/>
+            </a:lvl8pPr>
+            <a:lvl9pPr marL="3657600" indent="0">
+              <a:buNone/>
+              <a:defRPr sz="1600" b="1"/>
+            </a:lvl9pPr>
+          </a:lstStyle>
+          <a:p>
+            <a:pPr lvl="0"/>
+            <a:r>
+              <a:rPr lang="en-US"/>
+              <a:t>Click to edit Master text styles</a:t>
+            </a:r>
+          </a:p>
+        </p:txBody>
+      </p:sp>
+      <p:sp>
+        <p:nvSpPr>
+          <p:cNvPr id="20" name="Picture Placeholder 2"/>
+          <p:cNvSpPr>
+            <a:spLocks noGrp="1" noChangeAspect="1"/>
+          </p:cNvSpPr>
+          <p:nvPr>
+            <p:ph type="pic" idx="15"/>
+          </p:nvPr>
+        </p:nvSpPr>
+        <p:spPr>
+          <a:xfrm>
+            <a:off x="913774" y="2367093"/>
+            <a:ext cx="3296409" cy="1524000"/>
+          </a:xfrm>
+          <a:prstGeom prst="roundRect">
+            <a:avLst>
+              <a:gd name="adj" fmla="val 9363"/>
+            </a:avLst>
+          </a:prstGeom>
+          <a:noFill/>
+          <a:ln w="82550" cap="sq">
+            <a:solidFill>
+              <a:srgbClr val="EAEAEA"/>
+            </a:solidFill>
+            <a:miter lim="800000"/>
+          </a:ln>
+          <a:effectLst/>
+          <a:scene3d>
+            <a:camera prst="orthographicFront"/>
+            <a:lightRig rig="threePt" dir="t">
+              <a:rot lat="0" lon="0" rev="2700000"/>
+            </a:lightRig>
+          </a:scene3d>
+          <a:sp3d contourW="6350">
+            <a:bevelT h="38100"/>
+            <a:contourClr>
+              <a:srgbClr val="C0C0C0"/>
+            </a:contourClr>
+          </a:sp3d>
+        </p:spPr>
+        <p:txBody>
+          <a:bodyPr anchor="t">
+            <a:normAutofit/>
+          </a:bodyPr>
+          <a:lstStyle>
+            <a:lvl1pPr marL="0" indent="0" algn="ctr">
+              <a:buNone/>
+              <a:defRPr sz="1600"/>
+            </a:lvl1pPr>
+            <a:lvl2pPr marL="457200" indent="0">
+              <a:buNone/>
+              <a:defRPr sz="1600"/>
+            </a:lvl2pPr>
+            <a:lvl3pPr marL="914400" indent="0">
+              <a:buNone/>
+              <a:defRPr sz="1600"/>
+            </a:lvl3pPr>
+            <a:lvl4pPr marL="1371600" indent="0">
+              <a:buNone/>
+              <a:defRPr sz="1600"/>
+            </a:lvl4pPr>
+            <a:lvl5pPr marL="1828800" indent="0">
+              <a:buNone/>
+              <a:defRPr sz="1600"/>
+            </a:lvl5pPr>
+            <a:lvl6pPr marL="2286000" indent="0">
+              <a:buNone/>
+              <a:defRPr sz="1600"/>
+            </a:lvl6pPr>
+            <a:lvl7pPr marL="2743200" indent="0">
+              <a:buNone/>
+              <a:defRPr sz="1600"/>
+            </a:lvl7pPr>
+            <a:lvl8pPr marL="3200400" indent="0">
+              <a:buNone/>
+              <a:defRPr sz="1600"/>
+            </a:lvl8pPr>
+            <a:lvl9pPr marL="3657600" indent="0">
+              <a:buNone/>
+              <a:defRPr sz="1600"/>
+            </a:lvl9pPr>
+          </a:lstStyle>
+          <a:p>
+            <a:r>
+              <a:rPr lang="en-US"/>
+              <a:t>Click icon to add picture</a:t>
+            </a:r>
+            <a:endParaRPr lang="en-US" dirty="0"/>
+          </a:p>
+        </p:txBody>
+      </p:sp>
+      <p:sp>
+        <p:nvSpPr>
+          <p:cNvPr id="21" name="Text Placeholder 3"/>
+          <p:cNvSpPr>
+            <a:spLocks noGrp="1"/>
+          </p:cNvSpPr>
+          <p:nvPr>
+            <p:ph type="body" sz="half" idx="18"/>
+          </p:nvPr>
+        </p:nvSpPr>
+        <p:spPr>
+          <a:xfrm>
+            <a:off x="913774" y="4781082"/>
+            <a:ext cx="3296409" cy="1010118"/>
+          </a:xfrm>
+        </p:spPr>
+        <p:txBody>
+          <a:bodyPr anchor="t">
+            <a:normAutofit/>
+          </a:bodyPr>
+          <a:lstStyle>
+            <a:lvl1pPr marL="0" indent="0" algn="ctr">
+              <a:buNone/>
+              <a:defRPr sz="1400"/>
+            </a:lvl1pPr>
+            <a:lvl2pPr marL="457200" indent="0">
+              <a:buNone/>
+              <a:defRPr sz="1200"/>
+            </a:lvl2pPr>
+            <a:lvl3pPr marL="914400" indent="0">
+              <a:buNone/>
+              <a:defRPr sz="1000"/>
+            </a:lvl3pPr>
+            <a:lvl4pPr marL="1371600" indent="0">
+              <a:buNone/>
+              <a:defRPr sz="900"/>
+            </a:lvl4pPr>
+            <a:lvl5pPr marL="1828800" indent="0">
+              <a:buNone/>
+              <a:defRPr sz="900"/>
+            </a:lvl5pPr>
+            <a:lvl6pPr marL="2286000" indent="0">
+              <a:buNone/>
+              <a:defRPr sz="900"/>
+            </a:lvl6pPr>
+            <a:lvl7pPr marL="2743200" indent="0">
+              <a:buNone/>
+              <a:defRPr sz="900"/>
+            </a:lvl7pPr>
+            <a:lvl8pPr marL="3200400" indent="0">
+              <a:buNone/>
+              <a:defRPr sz="900"/>
+            </a:lvl8pPr>
+            <a:lvl9pPr marL="3657600" indent="0">
+              <a:buNone/>
+              <a:defRPr sz="900"/>
+            </a:lvl9pPr>
+          </a:lstStyle>
+          <a:p>
+            <a:pPr lvl="0"/>
+            <a:r>
+              <a:rPr lang="en-US"/>
+              <a:t>Click to edit Master text styles</a:t>
+            </a:r>
+          </a:p>
+        </p:txBody>
+      </p:sp>
+      <p:sp>
+        <p:nvSpPr>
+          <p:cNvPr id="22" name="Text Placeholder 4"/>
+          <p:cNvSpPr>
+            <a:spLocks noGrp="1"/>
+          </p:cNvSpPr>
+          <p:nvPr>
+            <p:ph type="body" sz="quarter" idx="3"/>
+          </p:nvPr>
+        </p:nvSpPr>
+        <p:spPr>
+          <a:xfrm>
+            <a:off x="4442759" y="4204820"/>
+            <a:ext cx="3301828" cy="576262"/>
+          </a:xfrm>
+        </p:spPr>
+        <p:txBody>
+          <a:bodyPr anchor="b">
+            <a:noAutofit/>
+          </a:bodyPr>
+          <a:lstStyle>
+            <a:lvl1pPr marL="0" indent="0" algn="ctr">
+              <a:lnSpc>
+                <a:spcPct val="85000"/>
+              </a:lnSpc>
+              <a:buNone/>
+              <a:defRPr sz="2200" b="0">
+                <a:solidFill>
+                  <a:schemeClr val="tx1"/>
+                </a:solidFill>
+              </a:defRPr>
+            </a:lvl1pPr>
+            <a:lvl2pPr marL="457200" indent="0">
+              <a:buNone/>
+              <a:defRPr sz="2000" b="1"/>
+            </a:lvl2pPr>
+            <a:lvl3pPr marL="914400" indent="0">
+              <a:buNone/>
+              <a:defRPr sz="1800" b="1"/>
+            </a:lvl3pPr>
+            <a:lvl4pPr marL="1371600" indent="0">
+              <a:buNone/>
+              <a:defRPr sz="1600" b="1"/>
+            </a:lvl4pPr>
+            <a:lvl5pPr marL="1828800" indent="0">
+              <a:buNone/>
+              <a:defRPr sz="1600" b="1"/>
+            </a:lvl5pPr>
+            <a:lvl6pPr marL="2286000" indent="0">
+              <a:buNone/>
+              <a:defRPr sz="1600" b="1"/>
+            </a:lvl6pPr>
+            <a:lvl7pPr marL="2743200" indent="0">
+              <a:buNone/>
+              <a:defRPr sz="1600" b="1"/>
+            </a:lvl7pPr>
+            <a:lvl8pPr marL="3200400" indent="0">
+              <a:buNone/>
+              <a:defRPr sz="1600" b="1"/>
+            </a:lvl8pPr>
+            <a:lvl9pPr marL="3657600" indent="0">
+              <a:buNone/>
+              <a:defRPr sz="1600" b="1"/>
+            </a:lvl9pPr>
+          </a:lstStyle>
+          <a:p>
+            <a:pPr lvl="0"/>
+            <a:r>
+              <a:rPr lang="en-US"/>
+              <a:t>Click to edit Master text styles</a:t>
+            </a:r>
+          </a:p>
+        </p:txBody>
+      </p:sp>
+      <p:sp>
+        <p:nvSpPr>
+          <p:cNvPr id="23" name="Picture Placeholder 2"/>
+          <p:cNvSpPr>
+            <a:spLocks noGrp="1" noChangeAspect="1"/>
+          </p:cNvSpPr>
+          <p:nvPr>
+            <p:ph type="pic" idx="21"/>
+          </p:nvPr>
+        </p:nvSpPr>
+        <p:spPr>
+          <a:xfrm>
+            <a:off x="4441348" y="2367093"/>
+            <a:ext cx="3303352" cy="1524000"/>
+          </a:xfrm>
+          <a:prstGeom prst="roundRect">
+            <a:avLst>
+              <a:gd name="adj" fmla="val 8841"/>
+            </a:avLst>
+          </a:prstGeom>
+          <a:noFill/>
+          <a:ln w="82550" cap="sq">
+            <a:solidFill>
+              <a:srgbClr val="EAEAEA"/>
+            </a:solidFill>
+            <a:miter lim="800000"/>
+          </a:ln>
+          <a:effectLst/>
+          <a:scene3d>
+            <a:camera prst="orthographicFront"/>
+            <a:lightRig rig="threePt" dir="t">
+              <a:rot lat="0" lon="0" rev="2700000"/>
+            </a:lightRig>
+          </a:scene3d>
+          <a:sp3d contourW="6350">
+            <a:bevelT h="38100"/>
+            <a:contourClr>
+              <a:srgbClr val="C0C0C0"/>
+            </a:contourClr>
+          </a:sp3d>
+        </p:spPr>
+        <p:txBody>
+          <a:bodyPr anchor="t">
+            <a:normAutofit/>
+          </a:bodyPr>
+          <a:lstStyle>
+            <a:lvl1pPr marL="0" indent="0" algn="ctr">
+              <a:buNone/>
+              <a:defRPr sz="1600"/>
+            </a:lvl1pPr>
+            <a:lvl2pPr marL="457200" indent="0">
+              <a:buNone/>
+              <a:defRPr sz="1600"/>
+            </a:lvl2pPr>
+            <a:lvl3pPr marL="914400" indent="0">
+              <a:buNone/>
+              <a:defRPr sz="1600"/>
+            </a:lvl3pPr>
+            <a:lvl4pPr marL="1371600" indent="0">
+              <a:buNone/>
+              <a:defRPr sz="1600"/>
+            </a:lvl4pPr>
+            <a:lvl5pPr marL="1828800" indent="0">
+              <a:buNone/>
+              <a:defRPr sz="1600"/>
+            </a:lvl5pPr>
+            <a:lvl6pPr marL="2286000" indent="0">
+              <a:buNone/>
+              <a:defRPr sz="1600"/>
+            </a:lvl6pPr>
+            <a:lvl7pPr marL="2743200" indent="0">
+              <a:buNone/>
+              <a:defRPr sz="1600"/>
+            </a:lvl7pPr>
+            <a:lvl8pPr marL="3200400" indent="0">
+              <a:buNone/>
+              <a:defRPr sz="1600"/>
+            </a:lvl8pPr>
+            <a:lvl9pPr marL="3657600" indent="0">
+              <a:buNone/>
+              <a:defRPr sz="1600"/>
+            </a:lvl9pPr>
+          </a:lstStyle>
+          <a:p>
+            <a:r>
+              <a:rPr lang="en-US"/>
+              <a:t>Click icon to add picture</a:t>
+            </a:r>
+            <a:endParaRPr lang="en-US" dirty="0"/>
+          </a:p>
+        </p:txBody>
+      </p:sp>
+      <p:sp>
+        <p:nvSpPr>
+          <p:cNvPr id="24" name="Text Placeholder 3"/>
+          <p:cNvSpPr>
+            <a:spLocks noGrp="1"/>
+          </p:cNvSpPr>
+          <p:nvPr>
+            <p:ph type="body" sz="half" idx="19"/>
+          </p:nvPr>
+        </p:nvSpPr>
+        <p:spPr>
+          <a:xfrm>
+            <a:off x="4441348" y="4781080"/>
+            <a:ext cx="3303352" cy="1010119"/>
+          </a:xfrm>
+        </p:spPr>
+        <p:txBody>
+          <a:bodyPr anchor="t">
+            <a:normAutofit/>
+          </a:bodyPr>
+          <a:lstStyle>
+            <a:lvl1pPr marL="0" indent="0" algn="ctr">
+              <a:buNone/>
+              <a:defRPr sz="1400"/>
+            </a:lvl1pPr>
+            <a:lvl2pPr marL="457200" indent="0">
+              <a:buNone/>
+              <a:defRPr sz="1200"/>
+            </a:lvl2pPr>
+            <a:lvl3pPr marL="914400" indent="0">
+              <a:buNone/>
+              <a:defRPr sz="1000"/>
+            </a:lvl3pPr>
+            <a:lvl4pPr marL="1371600" indent="0">
+              <a:buNone/>
+              <a:defRPr sz="900"/>
+            </a:lvl4pPr>
+            <a:lvl5pPr marL="1828800" indent="0">
+              <a:buNone/>
+              <a:defRPr sz="900"/>
+            </a:lvl5pPr>
+            <a:lvl6pPr marL="2286000" indent="0">
+              <a:buNone/>
+              <a:defRPr sz="900"/>
+            </a:lvl6pPr>
+            <a:lvl7pPr marL="2743200" indent="0">
+              <a:buNone/>
+              <a:defRPr sz="900"/>
+            </a:lvl7pPr>
+            <a:lvl8pPr marL="3200400" indent="0">
+              <a:buNone/>
+              <a:defRPr sz="900"/>
+            </a:lvl8pPr>
+            <a:lvl9pPr marL="3657600" indent="0">
+              <a:buNone/>
+              <a:defRPr sz="900"/>
+            </a:lvl9pPr>
+          </a:lstStyle>
+          <a:p>
+            <a:pPr lvl="0"/>
+            <a:r>
+              <a:rPr lang="en-US"/>
+              <a:t>Click to edit Master text styles</a:t>
+            </a:r>
+          </a:p>
+        </p:txBody>
+      </p:sp>
+      <p:sp>
+        <p:nvSpPr>
+          <p:cNvPr id="25" name="Text Placeholder 4"/>
+          <p:cNvSpPr>
+            <a:spLocks noGrp="1"/>
+          </p:cNvSpPr>
+          <p:nvPr>
+            <p:ph type="body" sz="quarter" idx="13"/>
+          </p:nvPr>
+        </p:nvSpPr>
+        <p:spPr>
+          <a:xfrm>
+            <a:off x="7973298" y="4204820"/>
+            <a:ext cx="3300681" cy="576262"/>
+          </a:xfrm>
+        </p:spPr>
+        <p:txBody>
+          <a:bodyPr anchor="b">
+            <a:noAutofit/>
+          </a:bodyPr>
+          <a:lstStyle>
+            <a:lvl1pPr marL="0" indent="0" algn="ctr">
+              <a:lnSpc>
+                <a:spcPct val="85000"/>
+              </a:lnSpc>
+              <a:buNone/>
+              <a:defRPr sz="2200" b="0">
+                <a:solidFill>
+                  <a:schemeClr val="tx1"/>
+                </a:solidFill>
+              </a:defRPr>
+            </a:lvl1pPr>
+            <a:lvl2pPr marL="457200" indent="0">
+              <a:buNone/>
+              <a:defRPr sz="2000" b="1"/>
+            </a:lvl2pPr>
+            <a:lvl3pPr marL="914400" indent="0">
+              <a:buNone/>
+              <a:defRPr sz="1800" b="1"/>
+            </a:lvl3pPr>
+            <a:lvl4pPr marL="1371600" indent="0">
+              <a:buNone/>
+              <a:defRPr sz="1600" b="1"/>
+            </a:lvl4pPr>
+            <a:lvl5pPr marL="1828800" indent="0">
+              <a:buNone/>
+              <a:defRPr sz="1600" b="1"/>
+            </a:lvl5pPr>
+            <a:lvl6pPr marL="2286000" indent="0">
+              <a:buNone/>
+              <a:defRPr sz="1600" b="1"/>
+            </a:lvl6pPr>
+            <a:lvl7pPr marL="2743200" indent="0">
+              <a:buNone/>
+              <a:defRPr sz="1600" b="1"/>
+            </a:lvl7pPr>
+            <a:lvl8pPr marL="3200400" indent="0">
+              <a:buNone/>
+              <a:defRPr sz="1600" b="1"/>
+            </a:lvl8pPr>
+            <a:lvl9pPr marL="3657600" indent="0">
+              <a:buNone/>
+              <a:defRPr sz="1600" b="1"/>
+            </a:lvl9pPr>
+          </a:lstStyle>
+          <a:p>
+            <a:pPr lvl="0"/>
+            <a:r>
+              <a:rPr lang="en-US"/>
+              <a:t>Click to edit Master text styles</a:t>
+            </a:r>
+          </a:p>
+        </p:txBody>
+      </p:sp>
+      <p:sp>
+        <p:nvSpPr>
+          <p:cNvPr id="26" name="Picture Placeholder 2"/>
+          <p:cNvSpPr>
+            <a:spLocks noGrp="1" noChangeAspect="1"/>
+          </p:cNvSpPr>
+          <p:nvPr>
+            <p:ph type="pic" idx="22"/>
+          </p:nvPr>
+        </p:nvSpPr>
+        <p:spPr>
+          <a:xfrm>
+            <a:off x="7973298" y="2367093"/>
+            <a:ext cx="3304928" cy="1524000"/>
+          </a:xfrm>
+          <a:prstGeom prst="roundRect">
+            <a:avLst>
+              <a:gd name="adj" fmla="val 8841"/>
+            </a:avLst>
+          </a:prstGeom>
+          <a:noFill/>
+          <a:ln w="82550" cap="sq">
+            <a:solidFill>
+              <a:srgbClr val="EAEAEA"/>
+            </a:solidFill>
+            <a:miter lim="800000"/>
+          </a:ln>
+          <a:effectLst/>
+          <a:scene3d>
+            <a:camera prst="orthographicFront"/>
+            <a:lightRig rig="threePt" dir="t">
+              <a:rot lat="0" lon="0" rev="2700000"/>
+            </a:lightRig>
+          </a:scene3d>
+          <a:sp3d contourW="6350">
+            <a:bevelT h="38100"/>
+            <a:contourClr>
+              <a:srgbClr val="C0C0C0"/>
+            </a:contourClr>
+          </a:sp3d>
+        </p:spPr>
+        <p:txBody>
+          <a:bodyPr anchor="t">
+            <a:normAutofit/>
+          </a:bodyPr>
+          <a:lstStyle>
+            <a:lvl1pPr marL="0" indent="0" algn="ctr">
+              <a:buNone/>
+              <a:defRPr sz="1600"/>
+            </a:lvl1pPr>
+            <a:lvl2pPr marL="457200" indent="0">
+              <a:buNone/>
+              <a:defRPr sz="1600"/>
+            </a:lvl2pPr>
+            <a:lvl3pPr marL="914400" indent="0">
+              <a:buNone/>
+              <a:defRPr sz="1600"/>
+            </a:lvl3pPr>
+            <a:lvl4pPr marL="1371600" indent="0">
+              <a:buNone/>
+              <a:defRPr sz="1600"/>
+            </a:lvl4pPr>
+            <a:lvl5pPr marL="1828800" indent="0">
+              <a:buNone/>
+              <a:defRPr sz="1600"/>
+            </a:lvl5pPr>
+            <a:lvl6pPr marL="2286000" indent="0">
+              <a:buNone/>
+              <a:defRPr sz="1600"/>
+            </a:lvl6pPr>
+            <a:lvl7pPr marL="2743200" indent="0">
+              <a:buNone/>
+              <a:defRPr sz="1600"/>
+            </a:lvl7pPr>
+            <a:lvl8pPr marL="3200400" indent="0">
+              <a:buNone/>
+              <a:defRPr sz="1600"/>
+            </a:lvl8pPr>
+            <a:lvl9pPr marL="3657600" indent="0">
+              <a:buNone/>
+              <a:defRPr sz="1600"/>
+            </a:lvl9pPr>
+          </a:lstStyle>
+          <a:p>
+            <a:r>
+              <a:rPr lang="en-US"/>
+              <a:t>Click icon to add picture</a:t>
+            </a:r>
+            <a:endParaRPr lang="en-US" dirty="0"/>
+          </a:p>
+        </p:txBody>
+      </p:sp>
+      <p:sp>
+        <p:nvSpPr>
+          <p:cNvPr id="27" name="Text Placeholder 3"/>
+          <p:cNvSpPr>
+            <a:spLocks noGrp="1"/>
+          </p:cNvSpPr>
+          <p:nvPr>
+            <p:ph type="body" sz="half" idx="20"/>
+          </p:nvPr>
+        </p:nvSpPr>
+        <p:spPr>
+          <a:xfrm>
+            <a:off x="7973173" y="4781078"/>
+            <a:ext cx="3305053" cy="1010121"/>
+          </a:xfrm>
+        </p:spPr>
+        <p:txBody>
+          <a:bodyPr anchor="t">
+            <a:normAutofit/>
+          </a:bodyPr>
+          <a:lstStyle>
+            <a:lvl1pPr marL="0" indent="0" algn="ctr">
+              <a:buNone/>
+              <a:defRPr sz="1400"/>
+            </a:lvl1pPr>
+            <a:lvl2pPr marL="457200" indent="0">
+              <a:buNone/>
+              <a:defRPr sz="1200"/>
+            </a:lvl2pPr>
+            <a:lvl3pPr marL="914400" indent="0">
+              <a:buNone/>
+              <a:defRPr sz="1000"/>
+            </a:lvl3pPr>
+            <a:lvl4pPr marL="1371600" indent="0">
+              <a:buNone/>
+              <a:defRPr sz="900"/>
+            </a:lvl4pPr>
+            <a:lvl5pPr marL="1828800" indent="0">
+              <a:buNone/>
+              <a:defRPr sz="900"/>
+            </a:lvl5pPr>
+            <a:lvl6pPr marL="2286000" indent="0">
+              <a:buNone/>
+              <a:defRPr sz="900"/>
+            </a:lvl6pPr>
+            <a:lvl7pPr marL="2743200" indent="0">
+              <a:buNone/>
+              <a:defRPr sz="900"/>
+            </a:lvl7pPr>
+            <a:lvl8pPr marL="3200400" indent="0">
+              <a:buNone/>
+              <a:defRPr sz="900"/>
+            </a:lvl8pPr>
+            <a:lvl9pPr marL="3657600" indent="0">
+              <a:buNone/>
+              <a:defRPr sz="900"/>
+            </a:lvl9pPr>
+          </a:lstStyle>
+          <a:p>
+            <a:pPr lvl="0"/>
+            <a:r>
+              <a:rPr lang="en-US"/>
+              <a:t>Click to edit Master text styles</a:t>
+            </a:r>
+          </a:p>
+        </p:txBody>
+      </p:sp>
+      <p:sp>
+        <p:nvSpPr>
+          <p:cNvPr id="3" name="Date Placeholder 2"/>
+          <p:cNvSpPr>
+            <a:spLocks noGrp="1"/>
+          </p:cNvSpPr>
+          <p:nvPr>
+            <p:ph type="dt" sz="half" idx="10"/>
+          </p:nvPr>
+        </p:nvSpPr>
+        <p:spPr/>
+        <p:txBody>
+          <a:bodyPr/>
+          <a:lstStyle/>
+          <a:p>
+            <a:fld id="{EDD99DFF-4D7C-4671-8EF0-23A72D1484EC}" type="datetimeFigureOut">
+              <a:rPr lang="en-US" smtClean="0"/>
+              <a:t>7/18/2023</a:t>
+            </a:fld>
+            <a:endParaRPr lang="en-US"/>
+          </a:p>
+        </p:txBody>
+      </p:sp>
+      <p:sp>
+        <p:nvSpPr>
+          <p:cNvPr id="4" name="Footer Placeholder 3"/>
+          <p:cNvSpPr>
+            <a:spLocks noGrp="1"/>
+          </p:cNvSpPr>
+          <p:nvPr>
+            <p:ph type="ftr" sz="quarter" idx="11"/>
+          </p:nvPr>
+        </p:nvSpPr>
+        <p:spPr/>
+        <p:txBody>
+          <a:bodyPr/>
+          <a:lstStyle/>
+          <a:p>
+            <a:endParaRPr lang="en-US"/>
+          </a:p>
+        </p:txBody>
+      </p:sp>
+      <p:sp>
+        <p:nvSpPr>
+          <p:cNvPr id="5" name="Slide Number Placeholder 4"/>
+          <p:cNvSpPr>
+            <a:spLocks noGrp="1"/>
+          </p:cNvSpPr>
+          <p:nvPr>
+            <p:ph type="sldNum" sz="quarter" idx="12"/>
+          </p:nvPr>
+        </p:nvSpPr>
+        <p:spPr/>
+        <p:txBody>
+          <a:bodyPr/>
+          <a:lstStyle/>
+          <a:p>
+            <a:fld id="{CD8415C1-6A6E-413D-A237-40782C2C92C0}" type="slidenum">
+              <a:rPr lang="en-US" smtClean="0"/>
+              <a:t>‹#›</a:t>
+            </a:fld>
+            <a:endParaRPr lang="en-US"/>
+          </a:p>
+        </p:txBody>
+      </p:sp>
+    </p:spTree>
+    <p:extLst>
+      <p:ext uri="{BB962C8B-B14F-4D97-AF65-F5344CB8AC3E}">
+        <p14:creationId xmlns:p14="http://schemas.microsoft.com/office/powerpoint/2010/main" val="4140912952"/>
+      </p:ext>
+    </p:extLst>
+  </p:cSld>
+  <p:clrMapOvr>
+    <a:masterClrMapping/>
+  </p:clrMapOvr>
+</p:sldLayout>
+</file>
+
+<file path=ppt/slideLayouts/slideLayout16.xml><?xml version="1.0" encoding="utf-8"?>
 <p:sldLayout xmlns:a="http://schemas.openxmlformats.org/drawingml/2006/main" xmlns:r="http://schemas.openxmlformats.org/officeDocument/2006/relationships" xmlns:p="http://schemas.openxmlformats.org/presentationml/2006/main" type="vertTx" preserve="1">
   <p:cSld name="Title and Vertical Text">
     <p:spTree>
@@ -348,15 +3142,39 @@
           <a:chExt cx="0" cy="0"/>
         </a:xfrm>
       </p:grpSpPr>
-      <p:sp>
-        <p:nvSpPr>
-          <p:cNvPr id="2" name="Title 1">
+      <p:pic>
+        <p:nvPicPr>
+          <p:cNvPr id="8" name="Picture 7" descr="Droplets-HD-Content-R1d.png"/>
+          <p:cNvPicPr>
+            <a:picLocks noChangeAspect="1"/>
+          </p:cNvPicPr>
+          <p:nvPr/>
+        </p:nvPicPr>
+        <p:blipFill>
+          <a:blip r:embed="rId2">
             <a:extLst>
-              <a:ext uri="{FF2B5EF4-FFF2-40B4-BE49-F238E27FC236}">
-                <a16:creationId xmlns:a16="http://schemas.microsoft.com/office/drawing/2014/main" id="{1B70922F-8DA6-F164-0766-CCF18FDEFE64}"/>
+              <a:ext uri="{28A0092B-C50C-407E-A947-70E740481C1C}">
+                <a14:useLocalDpi xmlns:a14="http://schemas.microsoft.com/office/drawing/2010/main" val="0"/>
               </a:ext>
             </a:extLst>
-          </p:cNvPr>
+          </a:blip>
+          <a:stretch>
+            <a:fillRect/>
+          </a:stretch>
+        </p:blipFill>
+        <p:spPr>
+          <a:xfrm>
+            <a:off x="0" y="0"/>
+            <a:ext cx="12192000" cy="6858000"/>
+          </a:xfrm>
+          <a:prstGeom prst="rect">
+            <a:avLst/>
+          </a:prstGeom>
+        </p:spPr>
+      </p:pic>
+      <p:sp>
+        <p:nvSpPr>
+          <p:cNvPr id="2" name="Title 1"/>
           <p:cNvSpPr>
             <a:spLocks noGrp="1"/>
           </p:cNvSpPr>
@@ -373,26 +3191,26 @@
               <a:rPr lang="en-US"/>
               <a:t>Click to edit Master title style</a:t>
             </a:r>
-          </a:p>
-        </p:txBody>
-      </p:sp>
-      <p:sp>
-        <p:nvSpPr>
-          <p:cNvPr id="3" name="Vertical Text Placeholder 2">
-            <a:extLst>
-              <a:ext uri="{FF2B5EF4-FFF2-40B4-BE49-F238E27FC236}">
-                <a16:creationId xmlns:a16="http://schemas.microsoft.com/office/drawing/2014/main" id="{06235B21-23B1-A992-7249-DF3DD891B572}"/>
-              </a:ext>
-            </a:extLst>
-          </p:cNvPr>
-          <p:cNvSpPr>
-            <a:spLocks noGrp="1"/>
-          </p:cNvSpPr>
-          <p:nvPr>
-            <p:ph type="body" orient="vert" idx="1"/>
-          </p:nvPr>
-        </p:nvSpPr>
-        <p:spPr/>
+            <a:endParaRPr lang="en-US" dirty="0"/>
+          </a:p>
+        </p:txBody>
+      </p:sp>
+      <p:sp>
+        <p:nvSpPr>
+          <p:cNvPr id="11" name="Vertical Text Placeholder 2"/>
+          <p:cNvSpPr>
+            <a:spLocks noGrp="1"/>
+          </p:cNvSpPr>
+          <p:nvPr>
+            <p:ph type="body" orient="vert" sz="quarter" idx="13"/>
+          </p:nvPr>
+        </p:nvSpPr>
+        <p:spPr>
+          <a:xfrm>
+            <a:off x="913775" y="2367093"/>
+            <a:ext cx="10364452" cy="3424107"/>
+          </a:xfrm>
+        </p:spPr>
         <p:txBody>
           <a:bodyPr vert="eaVert"/>
           <a:lstStyle/>
@@ -430,18 +3248,13 @@
               <a:rPr lang="en-US"/>
               <a:t>Fifth level</a:t>
             </a:r>
-          </a:p>
-        </p:txBody>
-      </p:sp>
-      <p:sp>
-        <p:nvSpPr>
-          <p:cNvPr id="4" name="Date Placeholder 3">
-            <a:extLst>
-              <a:ext uri="{FF2B5EF4-FFF2-40B4-BE49-F238E27FC236}">
-                <a16:creationId xmlns:a16="http://schemas.microsoft.com/office/drawing/2014/main" id="{FE09EF67-E814-AFC4-BCA4-DF8B026A18F0}"/>
-              </a:ext>
-            </a:extLst>
-          </p:cNvPr>
+            <a:endParaRPr lang="en-US" dirty="0"/>
+          </a:p>
+        </p:txBody>
+      </p:sp>
+      <p:sp>
+        <p:nvSpPr>
+          <p:cNvPr id="4" name="Date Placeholder 3"/>
           <p:cNvSpPr>
             <a:spLocks noGrp="1"/>
           </p:cNvSpPr>
@@ -456,7 +3269,7 @@
           <a:p>
             <a:fld id="{EDD99DFF-4D7C-4671-8EF0-23A72D1484EC}" type="datetimeFigureOut">
               <a:rPr lang="en-US" smtClean="0"/>
-              <a:t>7/17/2023</a:t>
+              <a:t>7/18/2023</a:t>
             </a:fld>
             <a:endParaRPr lang="en-US"/>
           </a:p>
@@ -464,13 +3277,7 @@
       </p:sp>
       <p:sp>
         <p:nvSpPr>
-          <p:cNvPr id="5" name="Footer Placeholder 4">
-            <a:extLst>
-              <a:ext uri="{FF2B5EF4-FFF2-40B4-BE49-F238E27FC236}">
-                <a16:creationId xmlns:a16="http://schemas.microsoft.com/office/drawing/2014/main" id="{791A1A3B-F8BA-F0B0-AD89-884E75172595}"/>
-              </a:ext>
-            </a:extLst>
-          </p:cNvPr>
+          <p:cNvPr id="5" name="Footer Placeholder 4"/>
           <p:cNvSpPr>
             <a:spLocks noGrp="1"/>
           </p:cNvSpPr>
@@ -489,13 +3296,7 @@
       </p:sp>
       <p:sp>
         <p:nvSpPr>
-          <p:cNvPr id="6" name="Slide Number Placeholder 5">
-            <a:extLst>
-              <a:ext uri="{FF2B5EF4-FFF2-40B4-BE49-F238E27FC236}">
-                <a16:creationId xmlns:a16="http://schemas.microsoft.com/office/drawing/2014/main" id="{56AABB22-B140-B8F8-D02B-5EA64D54A315}"/>
-              </a:ext>
-            </a:extLst>
-          </p:cNvPr>
+          <p:cNvPr id="6" name="Slide Number Placeholder 5"/>
           <p:cNvSpPr>
             <a:spLocks noGrp="1"/>
           </p:cNvSpPr>
@@ -519,7 +3320,7 @@
     </p:spTree>
     <p:extLst>
       <p:ext uri="{BB962C8B-B14F-4D97-AF65-F5344CB8AC3E}">
-        <p14:creationId xmlns:p14="http://schemas.microsoft.com/office/powerpoint/2010/main" val="4017006346"/>
+        <p14:creationId xmlns:p14="http://schemas.microsoft.com/office/powerpoint/2010/main" val="855115691"/>
       </p:ext>
     </p:extLst>
   </p:cSld>
@@ -529,7 +3330,7 @@
 </p:sldLayout>
 </file>
 
-<file path=ppt/slideLayouts/slideLayout11.xml><?xml version="1.0" encoding="utf-8"?>
+<file path=ppt/slideLayouts/slideLayout17.xml><?xml version="1.0" encoding="utf-8"?>
 <p:sldLayout xmlns:a="http://schemas.openxmlformats.org/drawingml/2006/main" xmlns:r="http://schemas.openxmlformats.org/officeDocument/2006/relationships" xmlns:p="http://schemas.openxmlformats.org/presentationml/2006/main" type="vertTitleAndTx" preserve="1">
   <p:cSld name="Vertical Title and Text">
     <p:spTree>
@@ -546,15 +3347,39 @@
           <a:chExt cx="0" cy="0"/>
         </a:xfrm>
       </p:grpSpPr>
-      <p:sp>
-        <p:nvSpPr>
-          <p:cNvPr id="2" name="Vertical Title 1">
+      <p:pic>
+        <p:nvPicPr>
+          <p:cNvPr id="9" name="Picture 8" descr="Droplets-HD-Content-R1d.png"/>
+          <p:cNvPicPr>
+            <a:picLocks noChangeAspect="1"/>
+          </p:cNvPicPr>
+          <p:nvPr/>
+        </p:nvPicPr>
+        <p:blipFill>
+          <a:blip r:embed="rId2">
             <a:extLst>
-              <a:ext uri="{FF2B5EF4-FFF2-40B4-BE49-F238E27FC236}">
-                <a16:creationId xmlns:a16="http://schemas.microsoft.com/office/drawing/2014/main" id="{E51F0179-68D6-447E-7762-A76DBD8835E6}"/>
+              <a:ext uri="{28A0092B-C50C-407E-A947-70E740481C1C}">
+                <a14:useLocalDpi xmlns:a14="http://schemas.microsoft.com/office/drawing/2010/main" val="0"/>
               </a:ext>
             </a:extLst>
-          </p:cNvPr>
+          </a:blip>
+          <a:stretch>
+            <a:fillRect/>
+          </a:stretch>
+        </p:blipFill>
+        <p:spPr>
+          <a:xfrm>
+            <a:off x="0" y="0"/>
+            <a:ext cx="12192000" cy="6858000"/>
+          </a:xfrm>
+          <a:prstGeom prst="rect">
+            <a:avLst/>
+          </a:prstGeom>
+        </p:spPr>
+      </p:pic>
+      <p:sp>
+        <p:nvSpPr>
+          <p:cNvPr id="2" name="Vertical Title 1"/>
           <p:cNvSpPr>
             <a:spLocks noGrp="1"/>
           </p:cNvSpPr>
@@ -564,41 +3389,40 @@
         </p:nvSpPr>
         <p:spPr>
           <a:xfrm>
-            <a:off x="8724900" y="365125"/>
-            <a:ext cx="2628900" cy="5811838"/>
+            <a:off x="8724900" y="609601"/>
+            <a:ext cx="2553326" cy="5181599"/>
           </a:xfrm>
         </p:spPr>
         <p:txBody>
           <a:bodyPr vert="eaVert"/>
-          <a:lstStyle/>
+          <a:lstStyle>
+            <a:lvl1pPr algn="l">
+              <a:defRPr/>
+            </a:lvl1pPr>
+          </a:lstStyle>
           <a:p>
             <a:r>
               <a:rPr lang="en-US"/>
               <a:t>Click to edit Master title style</a:t>
             </a:r>
-          </a:p>
-        </p:txBody>
-      </p:sp>
-      <p:sp>
-        <p:nvSpPr>
-          <p:cNvPr id="3" name="Vertical Text Placeholder 2">
-            <a:extLst>
-              <a:ext uri="{FF2B5EF4-FFF2-40B4-BE49-F238E27FC236}">
-                <a16:creationId xmlns:a16="http://schemas.microsoft.com/office/drawing/2014/main" id="{6C3CD42F-9DF9-0C15-B762-59B4DFD592A4}"/>
-              </a:ext>
-            </a:extLst>
-          </p:cNvPr>
-          <p:cNvSpPr>
-            <a:spLocks noGrp="1"/>
-          </p:cNvSpPr>
-          <p:nvPr>
-            <p:ph type="body" orient="vert" idx="1"/>
-          </p:nvPr>
-        </p:nvSpPr>
-        <p:spPr>
-          <a:xfrm>
-            <a:off x="838200" y="365125"/>
-            <a:ext cx="7734300" cy="5811838"/>
+            <a:endParaRPr lang="en-US" dirty="0"/>
+          </a:p>
+        </p:txBody>
+      </p:sp>
+      <p:sp>
+        <p:nvSpPr>
+          <p:cNvPr id="8" name="Vertical Text Placeholder 2"/>
+          <p:cNvSpPr>
+            <a:spLocks noGrp="1"/>
+          </p:cNvSpPr>
+          <p:nvPr>
+            <p:ph type="body" orient="vert" sz="quarter" idx="13"/>
+          </p:nvPr>
+        </p:nvSpPr>
+        <p:spPr>
+          <a:xfrm>
+            <a:off x="913775" y="609601"/>
+            <a:ext cx="7658724" cy="5181599"/>
           </a:xfrm>
         </p:spPr>
         <p:txBody>
@@ -638,18 +3462,13 @@
               <a:rPr lang="en-US"/>
               <a:t>Fifth level</a:t>
             </a:r>
-          </a:p>
-        </p:txBody>
-      </p:sp>
-      <p:sp>
-        <p:nvSpPr>
-          <p:cNvPr id="4" name="Date Placeholder 3">
-            <a:extLst>
-              <a:ext uri="{FF2B5EF4-FFF2-40B4-BE49-F238E27FC236}">
-                <a16:creationId xmlns:a16="http://schemas.microsoft.com/office/drawing/2014/main" id="{42A0899C-E2FE-0725-8F63-53EAEE38F451}"/>
-              </a:ext>
-            </a:extLst>
-          </p:cNvPr>
+            <a:endParaRPr lang="en-US" dirty="0"/>
+          </a:p>
+        </p:txBody>
+      </p:sp>
+      <p:sp>
+        <p:nvSpPr>
+          <p:cNvPr id="4" name="Date Placeholder 3"/>
           <p:cNvSpPr>
             <a:spLocks noGrp="1"/>
           </p:cNvSpPr>
@@ -664,7 +3483,7 @@
           <a:p>
             <a:fld id="{EDD99DFF-4D7C-4671-8EF0-23A72D1484EC}" type="datetimeFigureOut">
               <a:rPr lang="en-US" smtClean="0"/>
-              <a:t>7/17/2023</a:t>
+              <a:t>7/18/2023</a:t>
             </a:fld>
             <a:endParaRPr lang="en-US"/>
           </a:p>
@@ -672,13 +3491,7 @@
       </p:sp>
       <p:sp>
         <p:nvSpPr>
-          <p:cNvPr id="5" name="Footer Placeholder 4">
-            <a:extLst>
-              <a:ext uri="{FF2B5EF4-FFF2-40B4-BE49-F238E27FC236}">
-                <a16:creationId xmlns:a16="http://schemas.microsoft.com/office/drawing/2014/main" id="{79858AD8-AE4A-D3DD-3224-0D15B8EE8A67}"/>
-              </a:ext>
-            </a:extLst>
-          </p:cNvPr>
+          <p:cNvPr id="5" name="Footer Placeholder 4"/>
           <p:cNvSpPr>
             <a:spLocks noGrp="1"/>
           </p:cNvSpPr>
@@ -697,13 +3510,7 @@
       </p:sp>
       <p:sp>
         <p:nvSpPr>
-          <p:cNvPr id="6" name="Slide Number Placeholder 5">
-            <a:extLst>
-              <a:ext uri="{FF2B5EF4-FFF2-40B4-BE49-F238E27FC236}">
-                <a16:creationId xmlns:a16="http://schemas.microsoft.com/office/drawing/2014/main" id="{C2086848-A88D-1128-B2F8-B2017A1ACBBF}"/>
-              </a:ext>
-            </a:extLst>
-          </p:cNvPr>
+          <p:cNvPr id="6" name="Slide Number Placeholder 5"/>
           <p:cNvSpPr>
             <a:spLocks noGrp="1"/>
           </p:cNvSpPr>
@@ -727,7 +3534,177 @@
     </p:spTree>
     <p:extLst>
       <p:ext uri="{BB962C8B-B14F-4D97-AF65-F5344CB8AC3E}">
-        <p14:creationId xmlns:p14="http://schemas.microsoft.com/office/powerpoint/2010/main" val="2593090982"/>
+        <p14:creationId xmlns:p14="http://schemas.microsoft.com/office/powerpoint/2010/main" val="4006401304"/>
+      </p:ext>
+    </p:extLst>
+  </p:cSld>
+  <p:clrMapOvr>
+    <a:masterClrMapping/>
+  </p:clrMapOvr>
+</p:sldLayout>
+</file>
+
+<file path=ppt/slideLayouts/slideLayout18.xml><?xml version="1.0" encoding="utf-8"?>
+<p:sldLayout xmlns:a="http://schemas.openxmlformats.org/drawingml/2006/main" xmlns:r="http://schemas.openxmlformats.org/officeDocument/2006/relationships" xmlns:p="http://schemas.openxmlformats.org/presentationml/2006/main" type="obj">
+  <p:cSld name="1_Title and Content">
+    <p:spTree>
+      <p:nvGrpSpPr>
+        <p:cNvPr id="1" name=""/>
+        <p:cNvGrpSpPr/>
+        <p:nvPr/>
+      </p:nvGrpSpPr>
+      <p:grpSpPr>
+        <a:xfrm>
+          <a:off x="0" y="0"/>
+          <a:ext cx="0" cy="0"/>
+          <a:chOff x="0" y="0"/>
+          <a:chExt cx="0" cy="0"/>
+        </a:xfrm>
+      </p:grpSpPr>
+      <p:sp>
+        <p:nvSpPr>
+          <p:cNvPr id="2" name="Title 1"/>
+          <p:cNvSpPr>
+            <a:spLocks noGrp="1"/>
+          </p:cNvSpPr>
+          <p:nvPr>
+            <p:ph type="title"/>
+          </p:nvPr>
+        </p:nvSpPr>
+        <p:spPr/>
+        <p:txBody>
+          <a:bodyPr/>
+          <a:lstStyle/>
+          <a:p>
+            <a:r>
+              <a:rPr lang="en-US"/>
+              <a:t>Click to edit Master title style</a:t>
+            </a:r>
+            <a:endParaRPr lang="en-US" dirty="0"/>
+          </a:p>
+        </p:txBody>
+      </p:sp>
+      <p:sp>
+        <p:nvSpPr>
+          <p:cNvPr id="3" name="Content Placeholder 2"/>
+          <p:cNvSpPr>
+            <a:spLocks noGrp="1"/>
+          </p:cNvSpPr>
+          <p:nvPr>
+            <p:ph idx="1"/>
+          </p:nvPr>
+        </p:nvSpPr>
+        <p:spPr/>
+        <p:txBody>
+          <a:bodyPr anchor="ctr"/>
+          <a:lstStyle/>
+          <a:p>
+            <a:pPr lvl="0"/>
+            <a:r>
+              <a:rPr lang="en-US"/>
+              <a:t>Click to edit Master text styles</a:t>
+            </a:r>
+          </a:p>
+          <a:p>
+            <a:pPr lvl="1"/>
+            <a:r>
+              <a:rPr lang="en-US"/>
+              <a:t>Second level</a:t>
+            </a:r>
+          </a:p>
+          <a:p>
+            <a:pPr lvl="2"/>
+            <a:r>
+              <a:rPr lang="en-US"/>
+              <a:t>Third level</a:t>
+            </a:r>
+          </a:p>
+          <a:p>
+            <a:pPr lvl="3"/>
+            <a:r>
+              <a:rPr lang="en-US"/>
+              <a:t>Fourth level</a:t>
+            </a:r>
+          </a:p>
+          <a:p>
+            <a:pPr lvl="4"/>
+            <a:r>
+              <a:rPr lang="en-US"/>
+              <a:t>Fifth level</a:t>
+            </a:r>
+            <a:endParaRPr lang="en-US" dirty="0"/>
+          </a:p>
+        </p:txBody>
+      </p:sp>
+      <p:sp>
+        <p:nvSpPr>
+          <p:cNvPr id="4" name="Date Placeholder 3"/>
+          <p:cNvSpPr>
+            <a:spLocks noGrp="1"/>
+          </p:cNvSpPr>
+          <p:nvPr>
+            <p:ph type="dt" sz="half" idx="10"/>
+          </p:nvPr>
+        </p:nvSpPr>
+        <p:spPr/>
+        <p:txBody>
+          <a:bodyPr/>
+          <a:lstStyle/>
+          <a:p>
+            <a:fld id="{EDD99DFF-4D7C-4671-8EF0-23A72D1484EC}" type="datetimeFigureOut">
+              <a:rPr lang="en-US" smtClean="0"/>
+              <a:t>7/18/2023</a:t>
+            </a:fld>
+            <a:endParaRPr lang="en-US"/>
+          </a:p>
+        </p:txBody>
+      </p:sp>
+      <p:sp>
+        <p:nvSpPr>
+          <p:cNvPr id="5" name="Footer Placeholder 4"/>
+          <p:cNvSpPr>
+            <a:spLocks noGrp="1"/>
+          </p:cNvSpPr>
+          <p:nvPr>
+            <p:ph type="ftr" sz="quarter" idx="11"/>
+          </p:nvPr>
+        </p:nvSpPr>
+        <p:spPr/>
+        <p:txBody>
+          <a:bodyPr/>
+          <a:lstStyle/>
+          <a:p>
+            <a:endParaRPr lang="en-US"/>
+          </a:p>
+        </p:txBody>
+      </p:sp>
+      <p:sp>
+        <p:nvSpPr>
+          <p:cNvPr id="6" name="Slide Number Placeholder 5"/>
+          <p:cNvSpPr>
+            <a:spLocks noGrp="1"/>
+          </p:cNvSpPr>
+          <p:nvPr>
+            <p:ph type="sldNum" sz="quarter" idx="12"/>
+          </p:nvPr>
+        </p:nvSpPr>
+        <p:spPr/>
+        <p:txBody>
+          <a:bodyPr/>
+          <a:lstStyle/>
+          <a:p>
+            <a:fld id="{CD8415C1-6A6E-413D-A237-40782C2C92C0}" type="slidenum">
+              <a:rPr lang="en-US" smtClean="0"/>
+              <a:t>‹#›</a:t>
+            </a:fld>
+            <a:endParaRPr lang="en-US"/>
+          </a:p>
+        </p:txBody>
+      </p:sp>
+    </p:spTree>
+    <p:extLst>
+      <p:ext uri="{BB962C8B-B14F-4D97-AF65-F5344CB8AC3E}">
+        <p14:creationId xmlns:p14="http://schemas.microsoft.com/office/powerpoint/2010/main" val="936858520"/>
       </p:ext>
     </p:extLst>
   </p:cSld>
@@ -754,15 +3731,39 @@
           <a:chExt cx="0" cy="0"/>
         </a:xfrm>
       </p:grpSpPr>
-      <p:sp>
-        <p:nvSpPr>
-          <p:cNvPr id="2" name="Title 1">
+      <p:pic>
+        <p:nvPicPr>
+          <p:cNvPr id="3" name="Picture 2" descr="Droplets-HD-Content-R1d.png"/>
+          <p:cNvPicPr>
+            <a:picLocks noChangeAspect="1"/>
+          </p:cNvPicPr>
+          <p:nvPr/>
+        </p:nvPicPr>
+        <p:blipFill>
+          <a:blip r:embed="rId2">
             <a:extLst>
-              <a:ext uri="{FF2B5EF4-FFF2-40B4-BE49-F238E27FC236}">
-                <a16:creationId xmlns:a16="http://schemas.microsoft.com/office/drawing/2014/main" id="{9636F204-604E-2229-2041-5319DCD9DDCA}"/>
+              <a:ext uri="{28A0092B-C50C-407E-A947-70E740481C1C}">
+                <a14:useLocalDpi xmlns:a14="http://schemas.microsoft.com/office/drawing/2010/main" val="0"/>
               </a:ext>
             </a:extLst>
-          </p:cNvPr>
+          </a:blip>
+          <a:stretch>
+            <a:fillRect/>
+          </a:stretch>
+        </p:blipFill>
+        <p:spPr>
+          <a:xfrm>
+            <a:off x="0" y="0"/>
+            <a:ext cx="12192000" cy="6858000"/>
+          </a:xfrm>
+          <a:prstGeom prst="rect">
+            <a:avLst/>
+          </a:prstGeom>
+        </p:spPr>
+      </p:pic>
+      <p:sp>
+        <p:nvSpPr>
+          <p:cNvPr id="2" name="Title 1"/>
           <p:cNvSpPr>
             <a:spLocks noGrp="1"/>
           </p:cNvSpPr>
@@ -779,26 +3780,26 @@
               <a:rPr lang="en-US"/>
               <a:t>Click to edit Master title style</a:t>
             </a:r>
-          </a:p>
-        </p:txBody>
-      </p:sp>
-      <p:sp>
-        <p:nvSpPr>
-          <p:cNvPr id="3" name="Content Placeholder 2">
-            <a:extLst>
-              <a:ext uri="{FF2B5EF4-FFF2-40B4-BE49-F238E27FC236}">
-                <a16:creationId xmlns:a16="http://schemas.microsoft.com/office/drawing/2014/main" id="{2F6AFC57-E245-7194-3739-DC7D4EB58767}"/>
-              </a:ext>
-            </a:extLst>
-          </p:cNvPr>
-          <p:cNvSpPr>
-            <a:spLocks noGrp="1"/>
-          </p:cNvSpPr>
-          <p:nvPr>
-            <p:ph idx="1"/>
-          </p:nvPr>
-        </p:nvSpPr>
-        <p:spPr/>
+            <a:endParaRPr lang="en-US" dirty="0"/>
+          </a:p>
+        </p:txBody>
+      </p:sp>
+      <p:sp>
+        <p:nvSpPr>
+          <p:cNvPr id="12" name="Content Placeholder 2"/>
+          <p:cNvSpPr>
+            <a:spLocks noGrp="1"/>
+          </p:cNvSpPr>
+          <p:nvPr>
+            <p:ph sz="quarter" idx="13"/>
+          </p:nvPr>
+        </p:nvSpPr>
+        <p:spPr>
+          <a:xfrm>
+            <a:off x="913774" y="2367092"/>
+            <a:ext cx="10363826" cy="3424107"/>
+          </a:xfrm>
+        </p:spPr>
         <p:txBody>
           <a:bodyPr/>
           <a:lstStyle/>
@@ -836,18 +3837,13 @@
               <a:rPr lang="en-US"/>
               <a:t>Fifth level</a:t>
             </a:r>
-          </a:p>
-        </p:txBody>
-      </p:sp>
-      <p:sp>
-        <p:nvSpPr>
-          <p:cNvPr id="4" name="Date Placeholder 3">
-            <a:extLst>
-              <a:ext uri="{FF2B5EF4-FFF2-40B4-BE49-F238E27FC236}">
-                <a16:creationId xmlns:a16="http://schemas.microsoft.com/office/drawing/2014/main" id="{B31D8D85-3B67-D79D-6170-B4E6A5DDA45F}"/>
-              </a:ext>
-            </a:extLst>
-          </p:cNvPr>
+            <a:endParaRPr lang="en-US" dirty="0"/>
+          </a:p>
+        </p:txBody>
+      </p:sp>
+      <p:sp>
+        <p:nvSpPr>
+          <p:cNvPr id="4" name="Date Placeholder 3"/>
           <p:cNvSpPr>
             <a:spLocks noGrp="1"/>
           </p:cNvSpPr>
@@ -862,7 +3858,7 @@
           <a:p>
             <a:fld id="{EDD99DFF-4D7C-4671-8EF0-23A72D1484EC}" type="datetimeFigureOut">
               <a:rPr lang="en-US" smtClean="0"/>
-              <a:t>7/17/2023</a:t>
+              <a:t>7/18/2023</a:t>
             </a:fld>
             <a:endParaRPr lang="en-US"/>
           </a:p>
@@ -870,13 +3866,7 @@
       </p:sp>
       <p:sp>
         <p:nvSpPr>
-          <p:cNvPr id="5" name="Footer Placeholder 4">
-            <a:extLst>
-              <a:ext uri="{FF2B5EF4-FFF2-40B4-BE49-F238E27FC236}">
-                <a16:creationId xmlns:a16="http://schemas.microsoft.com/office/drawing/2014/main" id="{D859CADC-B06F-8C1E-F391-A3F19F1E0ABE}"/>
-              </a:ext>
-            </a:extLst>
-          </p:cNvPr>
+          <p:cNvPr id="5" name="Footer Placeholder 4"/>
           <p:cNvSpPr>
             <a:spLocks noGrp="1"/>
           </p:cNvSpPr>
@@ -895,13 +3885,7 @@
       </p:sp>
       <p:sp>
         <p:nvSpPr>
-          <p:cNvPr id="6" name="Slide Number Placeholder 5">
-            <a:extLst>
-              <a:ext uri="{FF2B5EF4-FFF2-40B4-BE49-F238E27FC236}">
-                <a16:creationId xmlns:a16="http://schemas.microsoft.com/office/drawing/2014/main" id="{FC64D81A-A8B2-8EF0-B76B-21CA4F039830}"/>
-              </a:ext>
-            </a:extLst>
-          </p:cNvPr>
+          <p:cNvPr id="6" name="Slide Number Placeholder 5"/>
           <p:cNvSpPr>
             <a:spLocks noGrp="1"/>
           </p:cNvSpPr>
@@ -925,7 +3909,7 @@
     </p:spTree>
     <p:extLst>
       <p:ext uri="{BB962C8B-B14F-4D97-AF65-F5344CB8AC3E}">
-        <p14:creationId xmlns:p14="http://schemas.microsoft.com/office/powerpoint/2010/main" val="1520049770"/>
+        <p14:creationId xmlns:p14="http://schemas.microsoft.com/office/powerpoint/2010/main" val="3677558089"/>
       </p:ext>
     </p:extLst>
   </p:cSld>
@@ -952,15 +3936,39 @@
           <a:chExt cx="0" cy="0"/>
         </a:xfrm>
       </p:grpSpPr>
-      <p:sp>
-        <p:nvSpPr>
-          <p:cNvPr id="2" name="Title 1">
+      <p:pic>
+        <p:nvPicPr>
+          <p:cNvPr id="9" name="Picture 8" descr="Droplets-HD-Content-R1d.png"/>
+          <p:cNvPicPr>
+            <a:picLocks noChangeAspect="1"/>
+          </p:cNvPicPr>
+          <p:nvPr/>
+        </p:nvPicPr>
+        <p:blipFill>
+          <a:blip r:embed="rId2">
             <a:extLst>
-              <a:ext uri="{FF2B5EF4-FFF2-40B4-BE49-F238E27FC236}">
-                <a16:creationId xmlns:a16="http://schemas.microsoft.com/office/drawing/2014/main" id="{E9538D96-B61E-5592-089B-B807296DD8C7}"/>
+              <a:ext uri="{28A0092B-C50C-407E-A947-70E740481C1C}">
+                <a14:useLocalDpi xmlns:a14="http://schemas.microsoft.com/office/drawing/2010/main" val="0"/>
               </a:ext>
             </a:extLst>
-          </p:cNvPr>
+          </a:blip>
+          <a:stretch>
+            <a:fillRect/>
+          </a:stretch>
+        </p:blipFill>
+        <p:spPr>
+          <a:xfrm>
+            <a:off x="0" y="0"/>
+            <a:ext cx="12192000" cy="6858000"/>
+          </a:xfrm>
+          <a:prstGeom prst="rect">
+            <a:avLst/>
+          </a:prstGeom>
+        </p:spPr>
+      </p:pic>
+      <p:sp>
+        <p:nvSpPr>
+          <p:cNvPr id="2" name="Title 1"/>
           <p:cNvSpPr>
             <a:spLocks noGrp="1"/>
           </p:cNvSpPr>
@@ -970,15 +3978,17 @@
         </p:nvSpPr>
         <p:spPr>
           <a:xfrm>
-            <a:off x="831850" y="1709738"/>
-            <a:ext cx="10515600" cy="2852737"/>
-          </a:xfrm>
-        </p:spPr>
-        <p:txBody>
-          <a:bodyPr anchor="b"/>
+            <a:off x="913774" y="828563"/>
+            <a:ext cx="10351752" cy="2736819"/>
+          </a:xfrm>
+        </p:spPr>
+        <p:txBody>
+          <a:bodyPr anchor="b">
+            <a:normAutofit/>
+          </a:bodyPr>
           <a:lstStyle>
             <a:lvl1pPr>
-              <a:defRPr sz="6000"/>
+              <a:defRPr sz="4000"/>
             </a:lvl1pPr>
           </a:lstStyle>
           <a:p>
@@ -986,18 +3996,13 @@
               <a:rPr lang="en-US"/>
               <a:t>Click to edit Master title style</a:t>
             </a:r>
-          </a:p>
-        </p:txBody>
-      </p:sp>
-      <p:sp>
-        <p:nvSpPr>
-          <p:cNvPr id="3" name="Text Placeholder 2">
-            <a:extLst>
-              <a:ext uri="{FF2B5EF4-FFF2-40B4-BE49-F238E27FC236}">
-                <a16:creationId xmlns:a16="http://schemas.microsoft.com/office/drawing/2014/main" id="{F844DE67-2BE1-BE56-11C8-D3305551860A}"/>
-              </a:ext>
-            </a:extLst>
-          </p:cNvPr>
+            <a:endParaRPr lang="en-US" dirty="0"/>
+          </a:p>
+        </p:txBody>
+      </p:sp>
+      <p:sp>
+        <p:nvSpPr>
+          <p:cNvPr id="3" name="Text Placeholder 2"/>
           <p:cNvSpPr>
             <a:spLocks noGrp="1"/>
           </p:cNvSpPr>
@@ -1007,19 +4012,21 @@
         </p:nvSpPr>
         <p:spPr>
           <a:xfrm>
-            <a:off x="831850" y="4589463"/>
-            <a:ext cx="10515600" cy="1500187"/>
-          </a:xfrm>
-        </p:spPr>
-        <p:txBody>
-          <a:bodyPr/>
+            <a:off x="913774" y="3657457"/>
+            <a:ext cx="10351752" cy="1368183"/>
+          </a:xfrm>
+        </p:spPr>
+        <p:txBody>
+          <a:bodyPr>
+            <a:normAutofit/>
+          </a:bodyPr>
           <a:lstStyle>
-            <a:lvl1pPr marL="0" indent="0">
-              <a:buNone/>
-              <a:defRPr sz="2400">
+            <a:lvl1pPr marL="0" indent="0" algn="ctr">
+              <a:buNone/>
+              <a:defRPr sz="2000">
                 <a:solidFill>
-                  <a:schemeClr val="tx1">
-                    <a:tint val="75000"/>
+                  <a:schemeClr val="bg1">
+                    <a:lumMod val="50000"/>
                   </a:schemeClr>
                 </a:solidFill>
               </a:defRPr>
@@ -1116,13 +4123,7 @@
       </p:sp>
       <p:sp>
         <p:nvSpPr>
-          <p:cNvPr id="4" name="Date Placeholder 3">
-            <a:extLst>
-              <a:ext uri="{FF2B5EF4-FFF2-40B4-BE49-F238E27FC236}">
-                <a16:creationId xmlns:a16="http://schemas.microsoft.com/office/drawing/2014/main" id="{C23A01E9-EC4F-A5F2-AEAC-AAF33900EBF4}"/>
-              </a:ext>
-            </a:extLst>
-          </p:cNvPr>
+          <p:cNvPr id="4" name="Date Placeholder 3"/>
           <p:cNvSpPr>
             <a:spLocks noGrp="1"/>
           </p:cNvSpPr>
@@ -1137,7 +4138,7 @@
           <a:p>
             <a:fld id="{EDD99DFF-4D7C-4671-8EF0-23A72D1484EC}" type="datetimeFigureOut">
               <a:rPr lang="en-US" smtClean="0"/>
-              <a:t>7/17/2023</a:t>
+              <a:t>7/18/2023</a:t>
             </a:fld>
             <a:endParaRPr lang="en-US"/>
           </a:p>
@@ -1145,13 +4146,7 @@
       </p:sp>
       <p:sp>
         <p:nvSpPr>
-          <p:cNvPr id="5" name="Footer Placeholder 4">
-            <a:extLst>
-              <a:ext uri="{FF2B5EF4-FFF2-40B4-BE49-F238E27FC236}">
-                <a16:creationId xmlns:a16="http://schemas.microsoft.com/office/drawing/2014/main" id="{1A03D3F8-8D6C-8355-9F8B-82DF59BA4219}"/>
-              </a:ext>
-            </a:extLst>
-          </p:cNvPr>
+          <p:cNvPr id="5" name="Footer Placeholder 4"/>
           <p:cNvSpPr>
             <a:spLocks noGrp="1"/>
           </p:cNvSpPr>
@@ -1170,13 +4165,7 @@
       </p:sp>
       <p:sp>
         <p:nvSpPr>
-          <p:cNvPr id="6" name="Slide Number Placeholder 5">
-            <a:extLst>
-              <a:ext uri="{FF2B5EF4-FFF2-40B4-BE49-F238E27FC236}">
-                <a16:creationId xmlns:a16="http://schemas.microsoft.com/office/drawing/2014/main" id="{9DBA1295-C62E-ED4D-4783-B1ABD88AAC21}"/>
-              </a:ext>
-            </a:extLst>
-          </p:cNvPr>
+          <p:cNvPr id="6" name="Slide Number Placeholder 5"/>
           <p:cNvSpPr>
             <a:spLocks noGrp="1"/>
           </p:cNvSpPr>
@@ -1200,7 +4189,7 @@
     </p:spTree>
     <p:extLst>
       <p:ext uri="{BB962C8B-B14F-4D97-AF65-F5344CB8AC3E}">
-        <p14:creationId xmlns:p14="http://schemas.microsoft.com/office/powerpoint/2010/main" val="393377104"/>
+        <p14:creationId xmlns:p14="http://schemas.microsoft.com/office/powerpoint/2010/main" val="2389804166"/>
       </p:ext>
     </p:extLst>
   </p:cSld>
@@ -1227,15 +4216,39 @@
           <a:chExt cx="0" cy="0"/>
         </a:xfrm>
       </p:grpSpPr>
-      <p:sp>
-        <p:nvSpPr>
-          <p:cNvPr id="2" name="Title 1">
+      <p:pic>
+        <p:nvPicPr>
+          <p:cNvPr id="10" name="Picture 9" descr="Droplets-HD-Content-R1d.png"/>
+          <p:cNvPicPr>
+            <a:picLocks noChangeAspect="1"/>
+          </p:cNvPicPr>
+          <p:nvPr/>
+        </p:nvPicPr>
+        <p:blipFill>
+          <a:blip r:embed="rId2">
             <a:extLst>
-              <a:ext uri="{FF2B5EF4-FFF2-40B4-BE49-F238E27FC236}">
-                <a16:creationId xmlns:a16="http://schemas.microsoft.com/office/drawing/2014/main" id="{FDF457F9-1A19-FEF5-B213-0DFEC4DC934E}"/>
+              <a:ext uri="{28A0092B-C50C-407E-A947-70E740481C1C}">
+                <a14:useLocalDpi xmlns:a14="http://schemas.microsoft.com/office/drawing/2010/main" val="0"/>
               </a:ext>
             </a:extLst>
-          </p:cNvPr>
+          </a:blip>
+          <a:stretch>
+            <a:fillRect/>
+          </a:stretch>
+        </p:blipFill>
+        <p:spPr>
+          <a:xfrm>
+            <a:off x="0" y="0"/>
+            <a:ext cx="12192000" cy="6858000"/>
+          </a:xfrm>
+          <a:prstGeom prst="rect">
+            <a:avLst/>
+          </a:prstGeom>
+        </p:spPr>
+      </p:pic>
+      <p:sp>
+        <p:nvSpPr>
+          <p:cNvPr id="14" name="Title 1"/>
           <p:cNvSpPr>
             <a:spLocks noGrp="1"/>
           </p:cNvSpPr>
@@ -1243,7 +4256,12 @@
             <p:ph type="title"/>
           </p:nvPr>
         </p:nvSpPr>
-        <p:spPr/>
+        <p:spPr>
+          <a:xfrm>
+            <a:off x="913775" y="618517"/>
+            <a:ext cx="10364451" cy="1596177"/>
+          </a:xfrm>
+        </p:spPr>
         <p:txBody>
           <a:bodyPr/>
           <a:lstStyle/>
@@ -1252,29 +4270,24 @@
               <a:rPr lang="en-US"/>
               <a:t>Click to edit Master title style</a:t>
             </a:r>
-          </a:p>
-        </p:txBody>
-      </p:sp>
-      <p:sp>
-        <p:nvSpPr>
-          <p:cNvPr id="3" name="Content Placeholder 2">
-            <a:extLst>
-              <a:ext uri="{FF2B5EF4-FFF2-40B4-BE49-F238E27FC236}">
-                <a16:creationId xmlns:a16="http://schemas.microsoft.com/office/drawing/2014/main" id="{5ACC1186-7E11-B0AF-91A9-779B01FB0D90}"/>
-              </a:ext>
-            </a:extLst>
-          </p:cNvPr>
-          <p:cNvSpPr>
-            <a:spLocks noGrp="1"/>
-          </p:cNvSpPr>
-          <p:nvPr>
-            <p:ph sz="half" idx="1"/>
-          </p:nvPr>
-        </p:nvSpPr>
-        <p:spPr>
-          <a:xfrm>
-            <a:off x="838200" y="1825625"/>
-            <a:ext cx="5181600" cy="4351338"/>
+            <a:endParaRPr lang="en-US" dirty="0"/>
+          </a:p>
+        </p:txBody>
+      </p:sp>
+      <p:sp>
+        <p:nvSpPr>
+          <p:cNvPr id="12" name="Content Placeholder 2"/>
+          <p:cNvSpPr>
+            <a:spLocks noGrp="1"/>
+          </p:cNvSpPr>
+          <p:nvPr>
+            <p:ph sz="quarter" idx="13"/>
+          </p:nvPr>
+        </p:nvSpPr>
+        <p:spPr>
+          <a:xfrm>
+            <a:off x="913774" y="2367092"/>
+            <a:ext cx="5106026" cy="3424107"/>
           </a:xfrm>
         </p:spPr>
         <p:txBody>
@@ -1314,29 +4327,24 @@
               <a:rPr lang="en-US"/>
               <a:t>Fifth level</a:t>
             </a:r>
-          </a:p>
-        </p:txBody>
-      </p:sp>
-      <p:sp>
-        <p:nvSpPr>
-          <p:cNvPr id="4" name="Content Placeholder 3">
-            <a:extLst>
-              <a:ext uri="{FF2B5EF4-FFF2-40B4-BE49-F238E27FC236}">
-                <a16:creationId xmlns:a16="http://schemas.microsoft.com/office/drawing/2014/main" id="{AFDCD5BC-DC36-7F2B-8887-7A853738178D}"/>
-              </a:ext>
-            </a:extLst>
-          </p:cNvPr>
-          <p:cNvSpPr>
-            <a:spLocks noGrp="1"/>
-          </p:cNvSpPr>
-          <p:nvPr>
-            <p:ph sz="half" idx="2"/>
-          </p:nvPr>
-        </p:nvSpPr>
-        <p:spPr>
-          <a:xfrm>
-            <a:off x="6172200" y="1825625"/>
-            <a:ext cx="5181600" cy="4351338"/>
+            <a:endParaRPr lang="en-US" dirty="0"/>
+          </a:p>
+        </p:txBody>
+      </p:sp>
+      <p:sp>
+        <p:nvSpPr>
+          <p:cNvPr id="13" name="Content Placeholder 3"/>
+          <p:cNvSpPr>
+            <a:spLocks noGrp="1"/>
+          </p:cNvSpPr>
+          <p:nvPr>
+            <p:ph sz="quarter" idx="14"/>
+          </p:nvPr>
+        </p:nvSpPr>
+        <p:spPr>
+          <a:xfrm>
+            <a:off x="6172200" y="2367092"/>
+            <a:ext cx="5105400" cy="3424107"/>
           </a:xfrm>
         </p:spPr>
         <p:txBody>
@@ -1376,18 +4384,13 @@
               <a:rPr lang="en-US"/>
               <a:t>Fifth level</a:t>
             </a:r>
-          </a:p>
-        </p:txBody>
-      </p:sp>
-      <p:sp>
-        <p:nvSpPr>
-          <p:cNvPr id="5" name="Date Placeholder 4">
-            <a:extLst>
-              <a:ext uri="{FF2B5EF4-FFF2-40B4-BE49-F238E27FC236}">
-                <a16:creationId xmlns:a16="http://schemas.microsoft.com/office/drawing/2014/main" id="{3CD418B0-6813-BEB4-A390-C4BD1E0BB679}"/>
-              </a:ext>
-            </a:extLst>
-          </p:cNvPr>
+            <a:endParaRPr lang="en-US" dirty="0"/>
+          </a:p>
+        </p:txBody>
+      </p:sp>
+      <p:sp>
+        <p:nvSpPr>
+          <p:cNvPr id="5" name="Date Placeholder 4"/>
           <p:cNvSpPr>
             <a:spLocks noGrp="1"/>
           </p:cNvSpPr>
@@ -1402,7 +4405,7 @@
           <a:p>
             <a:fld id="{EDD99DFF-4D7C-4671-8EF0-23A72D1484EC}" type="datetimeFigureOut">
               <a:rPr lang="en-US" smtClean="0"/>
-              <a:t>7/17/2023</a:t>
+              <a:t>7/18/2023</a:t>
             </a:fld>
             <a:endParaRPr lang="en-US"/>
           </a:p>
@@ -1410,13 +4413,7 @@
       </p:sp>
       <p:sp>
         <p:nvSpPr>
-          <p:cNvPr id="6" name="Footer Placeholder 5">
-            <a:extLst>
-              <a:ext uri="{FF2B5EF4-FFF2-40B4-BE49-F238E27FC236}">
-                <a16:creationId xmlns:a16="http://schemas.microsoft.com/office/drawing/2014/main" id="{39AC259E-5E92-497A-2B94-DCCC2667A8BE}"/>
-              </a:ext>
-            </a:extLst>
-          </p:cNvPr>
+          <p:cNvPr id="6" name="Footer Placeholder 5"/>
           <p:cNvSpPr>
             <a:spLocks noGrp="1"/>
           </p:cNvSpPr>
@@ -1435,13 +4432,7 @@
       </p:sp>
       <p:sp>
         <p:nvSpPr>
-          <p:cNvPr id="7" name="Slide Number Placeholder 6">
-            <a:extLst>
-              <a:ext uri="{FF2B5EF4-FFF2-40B4-BE49-F238E27FC236}">
-                <a16:creationId xmlns:a16="http://schemas.microsoft.com/office/drawing/2014/main" id="{301A1BAC-6060-8DF6-1ACD-1C5D4E2D45AF}"/>
-              </a:ext>
-            </a:extLst>
-          </p:cNvPr>
+          <p:cNvPr id="7" name="Slide Number Placeholder 6"/>
           <p:cNvSpPr>
             <a:spLocks noGrp="1"/>
           </p:cNvSpPr>
@@ -1465,7 +4456,7 @@
     </p:spTree>
     <p:extLst>
       <p:ext uri="{BB962C8B-B14F-4D97-AF65-F5344CB8AC3E}">
-        <p14:creationId xmlns:p14="http://schemas.microsoft.com/office/powerpoint/2010/main" val="2149439770"/>
+        <p14:creationId xmlns:p14="http://schemas.microsoft.com/office/powerpoint/2010/main" val="1581374717"/>
       </p:ext>
     </p:extLst>
   </p:cSld>
@@ -1492,15 +4483,39 @@
           <a:chExt cx="0" cy="0"/>
         </a:xfrm>
       </p:grpSpPr>
-      <p:sp>
-        <p:nvSpPr>
-          <p:cNvPr id="2" name="Title 1">
+      <p:pic>
+        <p:nvPicPr>
+          <p:cNvPr id="15" name="Picture 14" descr="Droplets-HD-Content-R1d.png"/>
+          <p:cNvPicPr>
+            <a:picLocks noChangeAspect="1"/>
+          </p:cNvPicPr>
+          <p:nvPr/>
+        </p:nvPicPr>
+        <p:blipFill>
+          <a:blip r:embed="rId2">
             <a:extLst>
-              <a:ext uri="{FF2B5EF4-FFF2-40B4-BE49-F238E27FC236}">
-                <a16:creationId xmlns:a16="http://schemas.microsoft.com/office/drawing/2014/main" id="{49D9A7A2-1039-1EF4-ADD6-C779311DFFC5}"/>
+              <a:ext uri="{28A0092B-C50C-407E-A947-70E740481C1C}">
+                <a14:useLocalDpi xmlns:a14="http://schemas.microsoft.com/office/drawing/2010/main" val="0"/>
               </a:ext>
             </a:extLst>
-          </p:cNvPr>
+          </a:blip>
+          <a:stretch>
+            <a:fillRect/>
+          </a:stretch>
+        </p:blipFill>
+        <p:spPr>
+          <a:xfrm>
+            <a:off x="0" y="0"/>
+            <a:ext cx="12192000" cy="6858000"/>
+          </a:xfrm>
+          <a:prstGeom prst="rect">
+            <a:avLst/>
+          </a:prstGeom>
+        </p:spPr>
+      </p:pic>
+      <p:sp>
+        <p:nvSpPr>
+          <p:cNvPr id="14" name="Title 1"/>
           <p:cNvSpPr>
             <a:spLocks noGrp="1"/>
           </p:cNvSpPr>
@@ -1510,8 +4525,8 @@
         </p:nvSpPr>
         <p:spPr>
           <a:xfrm>
-            <a:off x="839788" y="365125"/>
-            <a:ext cx="10515600" cy="1325563"/>
+            <a:off x="913775" y="618517"/>
+            <a:ext cx="10364451" cy="1596177"/>
           </a:xfrm>
         </p:spPr>
         <p:txBody>
@@ -1522,18 +4537,13 @@
               <a:rPr lang="en-US"/>
               <a:t>Click to edit Master title style</a:t>
             </a:r>
-          </a:p>
-        </p:txBody>
-      </p:sp>
-      <p:sp>
-        <p:nvSpPr>
-          <p:cNvPr id="3" name="Text Placeholder 2">
-            <a:extLst>
-              <a:ext uri="{FF2B5EF4-FFF2-40B4-BE49-F238E27FC236}">
-                <a16:creationId xmlns:a16="http://schemas.microsoft.com/office/drawing/2014/main" id="{C935D4BF-8C52-C1E0-86AF-52ED4124AC5B}"/>
-              </a:ext>
-            </a:extLst>
-          </p:cNvPr>
+            <a:endParaRPr lang="en-US" dirty="0"/>
+          </a:p>
+        </p:txBody>
+      </p:sp>
+      <p:sp>
+        <p:nvSpPr>
+          <p:cNvPr id="3" name="Text Placeholder 2"/>
           <p:cNvSpPr>
             <a:spLocks noGrp="1"/>
           </p:cNvSpPr>
@@ -1543,16 +4553,25 @@
         </p:nvSpPr>
         <p:spPr>
           <a:xfrm>
-            <a:off x="839788" y="1681163"/>
-            <a:ext cx="5157787" cy="823912"/>
-          </a:xfrm>
-        </p:spPr>
-        <p:txBody>
-          <a:bodyPr anchor="b"/>
+            <a:off x="1146328" y="2371018"/>
+            <a:ext cx="4873474" cy="679994"/>
+          </a:xfrm>
+        </p:spPr>
+        <p:txBody>
+          <a:bodyPr anchor="b">
+            <a:noAutofit/>
+          </a:bodyPr>
           <a:lstStyle>
             <a:lvl1pPr marL="0" indent="0">
-              <a:buNone/>
-              <a:defRPr sz="2400" b="1"/>
+              <a:lnSpc>
+                <a:spcPct val="85000"/>
+              </a:lnSpc>
+              <a:buNone/>
+              <a:defRPr sz="2600" b="0">
+                <a:solidFill>
+                  <a:schemeClr val="tx1"/>
+                </a:solidFill>
+              </a:defRPr>
             </a:lvl1pPr>
             <a:lvl2pPr marL="457200" indent="0">
               <a:buNone/>
@@ -1598,24 +4617,18 @@
       </p:sp>
       <p:sp>
         <p:nvSpPr>
-          <p:cNvPr id="4" name="Content Placeholder 3">
-            <a:extLst>
-              <a:ext uri="{FF2B5EF4-FFF2-40B4-BE49-F238E27FC236}">
-                <a16:creationId xmlns:a16="http://schemas.microsoft.com/office/drawing/2014/main" id="{7676EE6E-6EA6-80AA-7D44-4865A84B4287}"/>
-              </a:ext>
-            </a:extLst>
-          </p:cNvPr>
-          <p:cNvSpPr>
-            <a:spLocks noGrp="1"/>
-          </p:cNvSpPr>
-          <p:nvPr>
-            <p:ph sz="half" idx="2"/>
-          </p:nvPr>
-        </p:nvSpPr>
-        <p:spPr>
-          <a:xfrm>
-            <a:off x="839788" y="2505075"/>
-            <a:ext cx="5157787" cy="3684588"/>
+          <p:cNvPr id="12" name="Content Placeholder 3"/>
+          <p:cNvSpPr>
+            <a:spLocks noGrp="1"/>
+          </p:cNvSpPr>
+          <p:nvPr>
+            <p:ph sz="quarter" idx="13"/>
+          </p:nvPr>
+        </p:nvSpPr>
+        <p:spPr>
+          <a:xfrm>
+            <a:off x="913774" y="3051012"/>
+            <a:ext cx="5106027" cy="2740187"/>
           </a:xfrm>
         </p:spPr>
         <p:txBody>
@@ -1655,18 +4668,13 @@
               <a:rPr lang="en-US"/>
               <a:t>Fifth level</a:t>
             </a:r>
-          </a:p>
-        </p:txBody>
-      </p:sp>
-      <p:sp>
-        <p:nvSpPr>
-          <p:cNvPr id="5" name="Text Placeholder 4">
-            <a:extLst>
-              <a:ext uri="{FF2B5EF4-FFF2-40B4-BE49-F238E27FC236}">
-                <a16:creationId xmlns:a16="http://schemas.microsoft.com/office/drawing/2014/main" id="{8849407A-748B-1476-9DC8-7A8AC04E9FB0}"/>
-              </a:ext>
-            </a:extLst>
-          </p:cNvPr>
+            <a:endParaRPr lang="en-US" dirty="0"/>
+          </a:p>
+        </p:txBody>
+      </p:sp>
+      <p:sp>
+        <p:nvSpPr>
+          <p:cNvPr id="5" name="Text Placeholder 4"/>
           <p:cNvSpPr>
             <a:spLocks noGrp="1"/>
           </p:cNvSpPr>
@@ -1676,16 +4684,25 @@
         </p:nvSpPr>
         <p:spPr>
           <a:xfrm>
-            <a:off x="6172200" y="1681163"/>
-            <a:ext cx="5183188" cy="823912"/>
-          </a:xfrm>
-        </p:spPr>
-        <p:txBody>
-          <a:bodyPr anchor="b"/>
+            <a:off x="6396423" y="2371018"/>
+            <a:ext cx="4881804" cy="679994"/>
+          </a:xfrm>
+        </p:spPr>
+        <p:txBody>
+          <a:bodyPr anchor="b">
+            <a:noAutofit/>
+          </a:bodyPr>
           <a:lstStyle>
             <a:lvl1pPr marL="0" indent="0">
-              <a:buNone/>
-              <a:defRPr sz="2400" b="1"/>
+              <a:lnSpc>
+                <a:spcPct val="85000"/>
+              </a:lnSpc>
+              <a:buNone/>
+              <a:defRPr sz="2600" b="0">
+                <a:solidFill>
+                  <a:schemeClr val="tx1"/>
+                </a:solidFill>
+              </a:defRPr>
             </a:lvl1pPr>
             <a:lvl2pPr marL="457200" indent="0">
               <a:buNone/>
@@ -1731,24 +4748,18 @@
       </p:sp>
       <p:sp>
         <p:nvSpPr>
-          <p:cNvPr id="6" name="Content Placeholder 5">
-            <a:extLst>
-              <a:ext uri="{FF2B5EF4-FFF2-40B4-BE49-F238E27FC236}">
-                <a16:creationId xmlns:a16="http://schemas.microsoft.com/office/drawing/2014/main" id="{87AE9672-868C-FCCA-109E-173436C4F9C8}"/>
-              </a:ext>
-            </a:extLst>
-          </p:cNvPr>
-          <p:cNvSpPr>
-            <a:spLocks noGrp="1"/>
-          </p:cNvSpPr>
-          <p:nvPr>
-            <p:ph sz="quarter" idx="4"/>
-          </p:nvPr>
-        </p:nvSpPr>
-        <p:spPr>
-          <a:xfrm>
-            <a:off x="6172200" y="2505075"/>
-            <a:ext cx="5183188" cy="3684588"/>
+          <p:cNvPr id="13" name="Content Placeholder 5"/>
+          <p:cNvSpPr>
+            <a:spLocks noGrp="1"/>
+          </p:cNvSpPr>
+          <p:nvPr>
+            <p:ph sz="quarter" idx="14"/>
+          </p:nvPr>
+        </p:nvSpPr>
+        <p:spPr>
+          <a:xfrm>
+            <a:off x="6172200" y="3051012"/>
+            <a:ext cx="5105401" cy="2740187"/>
           </a:xfrm>
         </p:spPr>
         <p:txBody>
@@ -1788,18 +4799,13 @@
               <a:rPr lang="en-US"/>
               <a:t>Fifth level</a:t>
             </a:r>
-          </a:p>
-        </p:txBody>
-      </p:sp>
-      <p:sp>
-        <p:nvSpPr>
-          <p:cNvPr id="7" name="Date Placeholder 6">
-            <a:extLst>
-              <a:ext uri="{FF2B5EF4-FFF2-40B4-BE49-F238E27FC236}">
-                <a16:creationId xmlns:a16="http://schemas.microsoft.com/office/drawing/2014/main" id="{F996739B-061F-3D58-1A0A-765D226E99EB}"/>
-              </a:ext>
-            </a:extLst>
-          </p:cNvPr>
+            <a:endParaRPr lang="en-US" dirty="0"/>
+          </a:p>
+        </p:txBody>
+      </p:sp>
+      <p:sp>
+        <p:nvSpPr>
+          <p:cNvPr id="7" name="Date Placeholder 6"/>
           <p:cNvSpPr>
             <a:spLocks noGrp="1"/>
           </p:cNvSpPr>
@@ -1814,7 +4820,7 @@
           <a:p>
             <a:fld id="{EDD99DFF-4D7C-4671-8EF0-23A72D1484EC}" type="datetimeFigureOut">
               <a:rPr lang="en-US" smtClean="0"/>
-              <a:t>7/17/2023</a:t>
+              <a:t>7/18/2023</a:t>
             </a:fld>
             <a:endParaRPr lang="en-US"/>
           </a:p>
@@ -1822,13 +4828,7 @@
       </p:sp>
       <p:sp>
         <p:nvSpPr>
-          <p:cNvPr id="8" name="Footer Placeholder 7">
-            <a:extLst>
-              <a:ext uri="{FF2B5EF4-FFF2-40B4-BE49-F238E27FC236}">
-                <a16:creationId xmlns:a16="http://schemas.microsoft.com/office/drawing/2014/main" id="{5B90847C-9272-702B-2206-3E8DF28D0D4E}"/>
-              </a:ext>
-            </a:extLst>
-          </p:cNvPr>
+          <p:cNvPr id="8" name="Footer Placeholder 7"/>
           <p:cNvSpPr>
             <a:spLocks noGrp="1"/>
           </p:cNvSpPr>
@@ -1847,13 +4847,7 @@
       </p:sp>
       <p:sp>
         <p:nvSpPr>
-          <p:cNvPr id="9" name="Slide Number Placeholder 8">
-            <a:extLst>
-              <a:ext uri="{FF2B5EF4-FFF2-40B4-BE49-F238E27FC236}">
-                <a16:creationId xmlns:a16="http://schemas.microsoft.com/office/drawing/2014/main" id="{835A3577-984E-401F-3914-C2677C995EDB}"/>
-              </a:ext>
-            </a:extLst>
-          </p:cNvPr>
+          <p:cNvPr id="9" name="Slide Number Placeholder 8"/>
           <p:cNvSpPr>
             <a:spLocks noGrp="1"/>
           </p:cNvSpPr>
@@ -1877,7 +4871,7 @@
     </p:spTree>
     <p:extLst>
       <p:ext uri="{BB962C8B-B14F-4D97-AF65-F5344CB8AC3E}">
-        <p14:creationId xmlns:p14="http://schemas.microsoft.com/office/powerpoint/2010/main" val="898464731"/>
+        <p14:creationId xmlns:p14="http://schemas.microsoft.com/office/powerpoint/2010/main" val="3851926266"/>
       </p:ext>
     </p:extLst>
   </p:cSld>
@@ -1904,15 +4898,39 @@
           <a:chExt cx="0" cy="0"/>
         </a:xfrm>
       </p:grpSpPr>
-      <p:sp>
-        <p:nvSpPr>
-          <p:cNvPr id="2" name="Title 1">
+      <p:pic>
+        <p:nvPicPr>
+          <p:cNvPr id="8" name="Picture 7" descr="Droplets-HD-Content-R1d.png"/>
+          <p:cNvPicPr>
+            <a:picLocks noChangeAspect="1"/>
+          </p:cNvPicPr>
+          <p:nvPr/>
+        </p:nvPicPr>
+        <p:blipFill>
+          <a:blip r:embed="rId2">
             <a:extLst>
-              <a:ext uri="{FF2B5EF4-FFF2-40B4-BE49-F238E27FC236}">
-                <a16:creationId xmlns:a16="http://schemas.microsoft.com/office/drawing/2014/main" id="{E5D1BBEA-46B5-B952-58FE-E0E03A6CF8DC}"/>
+              <a:ext uri="{28A0092B-C50C-407E-A947-70E740481C1C}">
+                <a14:useLocalDpi xmlns:a14="http://schemas.microsoft.com/office/drawing/2010/main" val="0"/>
               </a:ext>
             </a:extLst>
-          </p:cNvPr>
+          </a:blip>
+          <a:stretch>
+            <a:fillRect/>
+          </a:stretch>
+        </p:blipFill>
+        <p:spPr>
+          <a:xfrm>
+            <a:off x="0" y="0"/>
+            <a:ext cx="12192000" cy="6858000"/>
+          </a:xfrm>
+          <a:prstGeom prst="rect">
+            <a:avLst/>
+          </a:prstGeom>
+        </p:spPr>
+      </p:pic>
+      <p:sp>
+        <p:nvSpPr>
+          <p:cNvPr id="2" name="Title 1"/>
           <p:cNvSpPr>
             <a:spLocks noGrp="1"/>
           </p:cNvSpPr>
@@ -1929,18 +4947,13 @@
               <a:rPr lang="en-US"/>
               <a:t>Click to edit Master title style</a:t>
             </a:r>
-          </a:p>
-        </p:txBody>
-      </p:sp>
-      <p:sp>
-        <p:nvSpPr>
-          <p:cNvPr id="3" name="Date Placeholder 2">
-            <a:extLst>
-              <a:ext uri="{FF2B5EF4-FFF2-40B4-BE49-F238E27FC236}">
-                <a16:creationId xmlns:a16="http://schemas.microsoft.com/office/drawing/2014/main" id="{83E0E9E2-FBEF-1B95-7CD0-ED6B9092A3A3}"/>
-              </a:ext>
-            </a:extLst>
-          </p:cNvPr>
+            <a:endParaRPr lang="en-US" dirty="0"/>
+          </a:p>
+        </p:txBody>
+      </p:sp>
+      <p:sp>
+        <p:nvSpPr>
+          <p:cNvPr id="3" name="Date Placeholder 2"/>
           <p:cNvSpPr>
             <a:spLocks noGrp="1"/>
           </p:cNvSpPr>
@@ -1955,7 +4968,7 @@
           <a:p>
             <a:fld id="{EDD99DFF-4D7C-4671-8EF0-23A72D1484EC}" type="datetimeFigureOut">
               <a:rPr lang="en-US" smtClean="0"/>
-              <a:t>7/17/2023</a:t>
+              <a:t>7/18/2023</a:t>
             </a:fld>
             <a:endParaRPr lang="en-US"/>
           </a:p>
@@ -1963,13 +4976,7 @@
       </p:sp>
       <p:sp>
         <p:nvSpPr>
-          <p:cNvPr id="4" name="Footer Placeholder 3">
-            <a:extLst>
-              <a:ext uri="{FF2B5EF4-FFF2-40B4-BE49-F238E27FC236}">
-                <a16:creationId xmlns:a16="http://schemas.microsoft.com/office/drawing/2014/main" id="{EE7E5991-2770-399E-FDF3-7E4C4CEEFECA}"/>
-              </a:ext>
-            </a:extLst>
-          </p:cNvPr>
+          <p:cNvPr id="4" name="Footer Placeholder 3"/>
           <p:cNvSpPr>
             <a:spLocks noGrp="1"/>
           </p:cNvSpPr>
@@ -1988,13 +4995,7 @@
       </p:sp>
       <p:sp>
         <p:nvSpPr>
-          <p:cNvPr id="5" name="Slide Number Placeholder 4">
-            <a:extLst>
-              <a:ext uri="{FF2B5EF4-FFF2-40B4-BE49-F238E27FC236}">
-                <a16:creationId xmlns:a16="http://schemas.microsoft.com/office/drawing/2014/main" id="{F1829C8F-66DA-09E3-1CA1-16F4A33E8EE9}"/>
-              </a:ext>
-            </a:extLst>
-          </p:cNvPr>
+          <p:cNvPr id="5" name="Slide Number Placeholder 4"/>
           <p:cNvSpPr>
             <a:spLocks noGrp="1"/>
           </p:cNvSpPr>
@@ -2018,7 +5019,7 @@
     </p:spTree>
     <p:extLst>
       <p:ext uri="{BB962C8B-B14F-4D97-AF65-F5344CB8AC3E}">
-        <p14:creationId xmlns:p14="http://schemas.microsoft.com/office/powerpoint/2010/main" val="167462082"/>
+        <p14:creationId xmlns:p14="http://schemas.microsoft.com/office/powerpoint/2010/main" val="1716346617"/>
       </p:ext>
     </p:extLst>
   </p:cSld>
@@ -2045,15 +5046,39 @@
           <a:chExt cx="0" cy="0"/>
         </a:xfrm>
       </p:grpSpPr>
-      <p:sp>
-        <p:nvSpPr>
-          <p:cNvPr id="2" name="Date Placeholder 1">
+      <p:pic>
+        <p:nvPicPr>
+          <p:cNvPr id="7" name="Picture 6" descr="Droplets-HD-Content-R1d.png"/>
+          <p:cNvPicPr>
+            <a:picLocks noChangeAspect="1"/>
+          </p:cNvPicPr>
+          <p:nvPr/>
+        </p:nvPicPr>
+        <p:blipFill>
+          <a:blip r:embed="rId2">
             <a:extLst>
-              <a:ext uri="{FF2B5EF4-FFF2-40B4-BE49-F238E27FC236}">
-                <a16:creationId xmlns:a16="http://schemas.microsoft.com/office/drawing/2014/main" id="{01BF810D-31B4-DB63-3B00-661DAE40DD8F}"/>
+              <a:ext uri="{28A0092B-C50C-407E-A947-70E740481C1C}">
+                <a14:useLocalDpi xmlns:a14="http://schemas.microsoft.com/office/drawing/2010/main" val="0"/>
               </a:ext>
             </a:extLst>
-          </p:cNvPr>
+          </a:blip>
+          <a:stretch>
+            <a:fillRect/>
+          </a:stretch>
+        </p:blipFill>
+        <p:spPr>
+          <a:xfrm>
+            <a:off x="0" y="0"/>
+            <a:ext cx="12192000" cy="6858000"/>
+          </a:xfrm>
+          <a:prstGeom prst="rect">
+            <a:avLst/>
+          </a:prstGeom>
+        </p:spPr>
+      </p:pic>
+      <p:sp>
+        <p:nvSpPr>
+          <p:cNvPr id="2" name="Date Placeholder 1"/>
           <p:cNvSpPr>
             <a:spLocks noGrp="1"/>
           </p:cNvSpPr>
@@ -2068,7 +5093,7 @@
           <a:p>
             <a:fld id="{EDD99DFF-4D7C-4671-8EF0-23A72D1484EC}" type="datetimeFigureOut">
               <a:rPr lang="en-US" smtClean="0"/>
-              <a:t>7/17/2023</a:t>
+              <a:t>7/18/2023</a:t>
             </a:fld>
             <a:endParaRPr lang="en-US"/>
           </a:p>
@@ -2076,13 +5101,7 @@
       </p:sp>
       <p:sp>
         <p:nvSpPr>
-          <p:cNvPr id="3" name="Footer Placeholder 2">
-            <a:extLst>
-              <a:ext uri="{FF2B5EF4-FFF2-40B4-BE49-F238E27FC236}">
-                <a16:creationId xmlns:a16="http://schemas.microsoft.com/office/drawing/2014/main" id="{9A4DEDD5-732B-2E9E-E635-33BC1007375B}"/>
-              </a:ext>
-            </a:extLst>
-          </p:cNvPr>
+          <p:cNvPr id="3" name="Footer Placeholder 2"/>
           <p:cNvSpPr>
             <a:spLocks noGrp="1"/>
           </p:cNvSpPr>
@@ -2101,13 +5120,7 @@
       </p:sp>
       <p:sp>
         <p:nvSpPr>
-          <p:cNvPr id="4" name="Slide Number Placeholder 3">
-            <a:extLst>
-              <a:ext uri="{FF2B5EF4-FFF2-40B4-BE49-F238E27FC236}">
-                <a16:creationId xmlns:a16="http://schemas.microsoft.com/office/drawing/2014/main" id="{70402AC7-1F10-726C-4EBC-11809EA065EE}"/>
-              </a:ext>
-            </a:extLst>
-          </p:cNvPr>
+          <p:cNvPr id="4" name="Slide Number Placeholder 3"/>
           <p:cNvSpPr>
             <a:spLocks noGrp="1"/>
           </p:cNvSpPr>
@@ -2131,7 +5144,7 @@
     </p:spTree>
     <p:extLst>
       <p:ext uri="{BB962C8B-B14F-4D97-AF65-F5344CB8AC3E}">
-        <p14:creationId xmlns:p14="http://schemas.microsoft.com/office/powerpoint/2010/main" val="1018109500"/>
+        <p14:creationId xmlns:p14="http://schemas.microsoft.com/office/powerpoint/2010/main" val="3300957557"/>
       </p:ext>
     </p:extLst>
   </p:cSld>
@@ -2158,15 +5171,39 @@
           <a:chExt cx="0" cy="0"/>
         </a:xfrm>
       </p:grpSpPr>
-      <p:sp>
-        <p:nvSpPr>
-          <p:cNvPr id="2" name="Title 1">
+      <p:pic>
+        <p:nvPicPr>
+          <p:cNvPr id="11" name="Picture 10" descr="Droplets-HD-Content-R1d.png"/>
+          <p:cNvPicPr>
+            <a:picLocks noChangeAspect="1"/>
+          </p:cNvPicPr>
+          <p:nvPr/>
+        </p:nvPicPr>
+        <p:blipFill>
+          <a:blip r:embed="rId2">
             <a:extLst>
-              <a:ext uri="{FF2B5EF4-FFF2-40B4-BE49-F238E27FC236}">
-                <a16:creationId xmlns:a16="http://schemas.microsoft.com/office/drawing/2014/main" id="{32BE344D-5897-B06F-8A67-608D2B985CD5}"/>
+              <a:ext uri="{28A0092B-C50C-407E-A947-70E740481C1C}">
+                <a14:useLocalDpi xmlns:a14="http://schemas.microsoft.com/office/drawing/2010/main" val="0"/>
               </a:ext>
             </a:extLst>
-          </p:cNvPr>
+          </a:blip>
+          <a:stretch>
+            <a:fillRect/>
+          </a:stretch>
+        </p:blipFill>
+        <p:spPr>
+          <a:xfrm>
+            <a:off x="0" y="0"/>
+            <a:ext cx="12192000" cy="6858000"/>
+          </a:xfrm>
+          <a:prstGeom prst="rect">
+            <a:avLst/>
+          </a:prstGeom>
+        </p:spPr>
+      </p:pic>
+      <p:sp>
+        <p:nvSpPr>
+          <p:cNvPr id="2" name="Title 1"/>
           <p:cNvSpPr>
             <a:spLocks noGrp="1"/>
           </p:cNvSpPr>
@@ -2176,14 +5213,14 @@
         </p:nvSpPr>
         <p:spPr>
           <a:xfrm>
-            <a:off x="839788" y="457200"/>
-            <a:ext cx="3932237" cy="1600200"/>
+            <a:off x="913775" y="609600"/>
+            <a:ext cx="3935688" cy="2023252"/>
           </a:xfrm>
         </p:spPr>
         <p:txBody>
           <a:bodyPr anchor="b"/>
           <a:lstStyle>
-            <a:lvl1pPr>
+            <a:lvl1pPr algn="ctr">
               <a:defRPr sz="3200"/>
             </a:lvl1pPr>
           </a:lstStyle>
@@ -2192,125 +5229,87 @@
               <a:rPr lang="en-US"/>
               <a:t>Click to edit Master title style</a:t>
             </a:r>
-          </a:p>
-        </p:txBody>
-      </p:sp>
-      <p:sp>
-        <p:nvSpPr>
-          <p:cNvPr id="3" name="Content Placeholder 2">
-            <a:extLst>
-              <a:ext uri="{FF2B5EF4-FFF2-40B4-BE49-F238E27FC236}">
-                <a16:creationId xmlns:a16="http://schemas.microsoft.com/office/drawing/2014/main" id="{B0CCE10E-B94A-7E12-F962-A60275EF492B}"/>
-              </a:ext>
-            </a:extLst>
-          </p:cNvPr>
-          <p:cNvSpPr>
-            <a:spLocks noGrp="1"/>
-          </p:cNvSpPr>
-          <p:nvPr>
-            <p:ph idx="1"/>
-          </p:nvPr>
-        </p:nvSpPr>
-        <p:spPr>
-          <a:xfrm>
-            <a:off x="5183188" y="987425"/>
-            <a:ext cx="6172200" cy="4873625"/>
+            <a:endParaRPr lang="en-US" dirty="0"/>
+          </a:p>
+        </p:txBody>
+      </p:sp>
+      <p:sp>
+        <p:nvSpPr>
+          <p:cNvPr id="10" name="Content Placeholder 2"/>
+          <p:cNvSpPr>
+            <a:spLocks noGrp="1"/>
+          </p:cNvSpPr>
+          <p:nvPr>
+            <p:ph sz="quarter" idx="13"/>
+          </p:nvPr>
+        </p:nvSpPr>
+        <p:spPr>
+          <a:xfrm>
+            <a:off x="5078062" y="609600"/>
+            <a:ext cx="6200163" cy="5181599"/>
+          </a:xfrm>
+        </p:spPr>
+        <p:txBody>
+          <a:bodyPr/>
+          <a:lstStyle/>
+          <a:p>
+            <a:pPr lvl="0"/>
+            <a:r>
+              <a:rPr lang="en-US"/>
+              <a:t>Click to edit Master text styles</a:t>
+            </a:r>
+          </a:p>
+          <a:p>
+            <a:pPr lvl="1"/>
+            <a:r>
+              <a:rPr lang="en-US"/>
+              <a:t>Second level</a:t>
+            </a:r>
+          </a:p>
+          <a:p>
+            <a:pPr lvl="2"/>
+            <a:r>
+              <a:rPr lang="en-US"/>
+              <a:t>Third level</a:t>
+            </a:r>
+          </a:p>
+          <a:p>
+            <a:pPr lvl="3"/>
+            <a:r>
+              <a:rPr lang="en-US"/>
+              <a:t>Fourth level</a:t>
+            </a:r>
+          </a:p>
+          <a:p>
+            <a:pPr lvl="4"/>
+            <a:r>
+              <a:rPr lang="en-US"/>
+              <a:t>Fifth level</a:t>
+            </a:r>
+            <a:endParaRPr lang="en-US" dirty="0"/>
+          </a:p>
+        </p:txBody>
+      </p:sp>
+      <p:sp>
+        <p:nvSpPr>
+          <p:cNvPr id="4" name="Text Placeholder 3"/>
+          <p:cNvSpPr>
+            <a:spLocks noGrp="1"/>
+          </p:cNvSpPr>
+          <p:nvPr>
+            <p:ph type="body" sz="half" idx="2"/>
+          </p:nvPr>
+        </p:nvSpPr>
+        <p:spPr>
+          <a:xfrm>
+            <a:off x="913774" y="2632852"/>
+            <a:ext cx="3935689" cy="3158348"/>
           </a:xfrm>
         </p:spPr>
         <p:txBody>
           <a:bodyPr/>
           <a:lstStyle>
-            <a:lvl1pPr>
-              <a:defRPr sz="3200"/>
-            </a:lvl1pPr>
-            <a:lvl2pPr>
-              <a:defRPr sz="2800"/>
-            </a:lvl2pPr>
-            <a:lvl3pPr>
-              <a:defRPr sz="2400"/>
-            </a:lvl3pPr>
-            <a:lvl4pPr>
-              <a:defRPr sz="2000"/>
-            </a:lvl4pPr>
-            <a:lvl5pPr>
-              <a:defRPr sz="2000"/>
-            </a:lvl5pPr>
-            <a:lvl6pPr>
-              <a:defRPr sz="2000"/>
-            </a:lvl6pPr>
-            <a:lvl7pPr>
-              <a:defRPr sz="2000"/>
-            </a:lvl7pPr>
-            <a:lvl8pPr>
-              <a:defRPr sz="2000"/>
-            </a:lvl8pPr>
-            <a:lvl9pPr>
-              <a:defRPr sz="2000"/>
-            </a:lvl9pPr>
-          </a:lstStyle>
-          <a:p>
-            <a:pPr lvl="0"/>
-            <a:r>
-              <a:rPr lang="en-US"/>
-              <a:t>Click to edit Master text styles</a:t>
-            </a:r>
-          </a:p>
-          <a:p>
-            <a:pPr lvl="1"/>
-            <a:r>
-              <a:rPr lang="en-US"/>
-              <a:t>Second level</a:t>
-            </a:r>
-          </a:p>
-          <a:p>
-            <a:pPr lvl="2"/>
-            <a:r>
-              <a:rPr lang="en-US"/>
-              <a:t>Third level</a:t>
-            </a:r>
-          </a:p>
-          <a:p>
-            <a:pPr lvl="3"/>
-            <a:r>
-              <a:rPr lang="en-US"/>
-              <a:t>Fourth level</a:t>
-            </a:r>
-          </a:p>
-          <a:p>
-            <a:pPr lvl="4"/>
-            <a:r>
-              <a:rPr lang="en-US"/>
-              <a:t>Fifth level</a:t>
-            </a:r>
-          </a:p>
-        </p:txBody>
-      </p:sp>
-      <p:sp>
-        <p:nvSpPr>
-          <p:cNvPr id="4" name="Text Placeholder 3">
-            <a:extLst>
-              <a:ext uri="{FF2B5EF4-FFF2-40B4-BE49-F238E27FC236}">
-                <a16:creationId xmlns:a16="http://schemas.microsoft.com/office/drawing/2014/main" id="{08458CCC-EB95-22D4-EF55-6F921ADC2DF5}"/>
-              </a:ext>
-            </a:extLst>
-          </p:cNvPr>
-          <p:cNvSpPr>
-            <a:spLocks noGrp="1"/>
-          </p:cNvSpPr>
-          <p:nvPr>
-            <p:ph type="body" sz="half" idx="2"/>
-          </p:nvPr>
-        </p:nvSpPr>
-        <p:spPr>
-          <a:xfrm>
-            <a:off x="839788" y="2057400"/>
-            <a:ext cx="3932237" cy="3811588"/>
-          </a:xfrm>
-        </p:spPr>
-        <p:txBody>
-          <a:bodyPr/>
-          <a:lstStyle>
-            <a:lvl1pPr marL="0" indent="0">
+            <a:lvl1pPr marL="0" indent="0" algn="ctr">
               <a:buNone/>
               <a:defRPr sz="1600"/>
             </a:lvl1pPr>
@@ -2358,13 +5357,7 @@
       </p:sp>
       <p:sp>
         <p:nvSpPr>
-          <p:cNvPr id="5" name="Date Placeholder 4">
-            <a:extLst>
-              <a:ext uri="{FF2B5EF4-FFF2-40B4-BE49-F238E27FC236}">
-                <a16:creationId xmlns:a16="http://schemas.microsoft.com/office/drawing/2014/main" id="{DCA0EE0C-81CB-8273-C0EC-64EB6B7FF7BD}"/>
-              </a:ext>
-            </a:extLst>
-          </p:cNvPr>
+          <p:cNvPr id="5" name="Date Placeholder 4"/>
           <p:cNvSpPr>
             <a:spLocks noGrp="1"/>
           </p:cNvSpPr>
@@ -2379,7 +5372,7 @@
           <a:p>
             <a:fld id="{EDD99DFF-4D7C-4671-8EF0-23A72D1484EC}" type="datetimeFigureOut">
               <a:rPr lang="en-US" smtClean="0"/>
-              <a:t>7/17/2023</a:t>
+              <a:t>7/18/2023</a:t>
             </a:fld>
             <a:endParaRPr lang="en-US"/>
           </a:p>
@@ -2387,13 +5380,7 @@
       </p:sp>
       <p:sp>
         <p:nvSpPr>
-          <p:cNvPr id="6" name="Footer Placeholder 5">
-            <a:extLst>
-              <a:ext uri="{FF2B5EF4-FFF2-40B4-BE49-F238E27FC236}">
-                <a16:creationId xmlns:a16="http://schemas.microsoft.com/office/drawing/2014/main" id="{221D5C75-9359-6FA5-CF9A-60E978D8A394}"/>
-              </a:ext>
-            </a:extLst>
-          </p:cNvPr>
+          <p:cNvPr id="6" name="Footer Placeholder 5"/>
           <p:cNvSpPr>
             <a:spLocks noGrp="1"/>
           </p:cNvSpPr>
@@ -2412,13 +5399,7 @@
       </p:sp>
       <p:sp>
         <p:nvSpPr>
-          <p:cNvPr id="7" name="Slide Number Placeholder 6">
-            <a:extLst>
-              <a:ext uri="{FF2B5EF4-FFF2-40B4-BE49-F238E27FC236}">
-                <a16:creationId xmlns:a16="http://schemas.microsoft.com/office/drawing/2014/main" id="{76F8630C-00AE-3033-F6C7-6C85C84F376C}"/>
-              </a:ext>
-            </a:extLst>
-          </p:cNvPr>
+          <p:cNvPr id="7" name="Slide Number Placeholder 6"/>
           <p:cNvSpPr>
             <a:spLocks noGrp="1"/>
           </p:cNvSpPr>
@@ -2442,7 +5423,7 @@
     </p:spTree>
     <p:extLst>
       <p:ext uri="{BB962C8B-B14F-4D97-AF65-F5344CB8AC3E}">
-        <p14:creationId xmlns:p14="http://schemas.microsoft.com/office/powerpoint/2010/main" val="329223367"/>
+        <p14:creationId xmlns:p14="http://schemas.microsoft.com/office/powerpoint/2010/main" val="2569426081"/>
       </p:ext>
     </p:extLst>
   </p:cSld>
@@ -2469,15 +5450,39 @@
           <a:chExt cx="0" cy="0"/>
         </a:xfrm>
       </p:grpSpPr>
-      <p:sp>
-        <p:nvSpPr>
-          <p:cNvPr id="2" name="Title 1">
+      <p:pic>
+        <p:nvPicPr>
+          <p:cNvPr id="10" name="Picture 9" descr="Droplets-HD-Content-R1d.png"/>
+          <p:cNvPicPr>
+            <a:picLocks noChangeAspect="1"/>
+          </p:cNvPicPr>
+          <p:nvPr/>
+        </p:nvPicPr>
+        <p:blipFill>
+          <a:blip r:embed="rId2">
             <a:extLst>
-              <a:ext uri="{FF2B5EF4-FFF2-40B4-BE49-F238E27FC236}">
-                <a16:creationId xmlns:a16="http://schemas.microsoft.com/office/drawing/2014/main" id="{437952D4-A372-DAE1-084A-C3799B3D1F33}"/>
+              <a:ext uri="{28A0092B-C50C-407E-A947-70E740481C1C}">
+                <a14:useLocalDpi xmlns:a14="http://schemas.microsoft.com/office/drawing/2010/main" val="0"/>
               </a:ext>
             </a:extLst>
-          </p:cNvPr>
+          </a:blip>
+          <a:stretch>
+            <a:fillRect/>
+          </a:stretch>
+        </p:blipFill>
+        <p:spPr>
+          <a:xfrm>
+            <a:off x="0" y="0"/>
+            <a:ext cx="12192000" cy="6858000"/>
+          </a:xfrm>
+          <a:prstGeom prst="rect">
+            <a:avLst/>
+          </a:prstGeom>
+        </p:spPr>
+      </p:pic>
+      <p:sp>
+        <p:nvSpPr>
+          <p:cNvPr id="2" name="Title 1"/>
           <p:cNvSpPr>
             <a:spLocks noGrp="1"/>
           </p:cNvSpPr>
@@ -2487,14 +5492,14 @@
         </p:nvSpPr>
         <p:spPr>
           <a:xfrm>
-            <a:off x="839788" y="457200"/>
-            <a:ext cx="3932237" cy="1600200"/>
+            <a:off x="913774" y="609600"/>
+            <a:ext cx="5934969" cy="2023254"/>
           </a:xfrm>
         </p:spPr>
         <p:txBody>
           <a:bodyPr anchor="b"/>
           <a:lstStyle>
-            <a:lvl1pPr>
+            <a:lvl1pPr algn="ctr">
               <a:defRPr sz="3200"/>
             </a:lvl1pPr>
           </a:lstStyle>
@@ -2503,20 +5508,15 @@
               <a:rPr lang="en-US"/>
               <a:t>Click to edit Master title style</a:t>
             </a:r>
-          </a:p>
-        </p:txBody>
-      </p:sp>
-      <p:sp>
-        <p:nvSpPr>
-          <p:cNvPr id="3" name="Picture Placeholder 2">
-            <a:extLst>
-              <a:ext uri="{FF2B5EF4-FFF2-40B4-BE49-F238E27FC236}">
-                <a16:creationId xmlns:a16="http://schemas.microsoft.com/office/drawing/2014/main" id="{DCA2072E-E7E3-1ADC-8A52-8F663DD0C95F}"/>
-              </a:ext>
-            </a:extLst>
-          </p:cNvPr>
-          <p:cNvSpPr>
-            <a:spLocks noGrp="1"/>
+            <a:endParaRPr lang="en-US" dirty="0"/>
+          </a:p>
+        </p:txBody>
+      </p:sp>
+      <p:sp>
+        <p:nvSpPr>
+          <p:cNvPr id="3" name="Picture Placeholder 2"/>
+          <p:cNvSpPr>
+            <a:spLocks noGrp="1" noChangeAspect="1"/>
           </p:cNvSpPr>
           <p:nvPr>
             <p:ph type="pic" idx="1"/>
@@ -2524,12 +5524,37 @@
         </p:nvSpPr>
         <p:spPr>
           <a:xfrm>
-            <a:off x="5183188" y="987425"/>
-            <a:ext cx="6172200" cy="4873625"/>
-          </a:xfrm>
-        </p:spPr>
-        <p:txBody>
-          <a:bodyPr/>
+            <a:off x="7424803" y="609601"/>
+            <a:ext cx="3255358" cy="5181600"/>
+          </a:xfrm>
+          <a:prstGeom prst="roundRect">
+            <a:avLst>
+              <a:gd name="adj" fmla="val 4943"/>
+            </a:avLst>
+          </a:prstGeom>
+          <a:noFill/>
+          <a:ln w="82550" cap="sq">
+            <a:solidFill>
+              <a:srgbClr val="EAEAEA"/>
+            </a:solidFill>
+            <a:miter lim="800000"/>
+          </a:ln>
+          <a:effectLst/>
+          <a:scene3d>
+            <a:camera prst="orthographicFront"/>
+            <a:lightRig rig="threePt" dir="t">
+              <a:rot lat="0" lon="0" rev="2700000"/>
+            </a:lightRig>
+          </a:scene3d>
+          <a:sp3d contourW="6350">
+            <a:bevelT h="38100"/>
+            <a:contourClr>
+              <a:srgbClr val="C0C0C0"/>
+            </a:contourClr>
+          </a:sp3d>
+        </p:spPr>
+        <p:txBody>
+          <a:bodyPr anchor="t"/>
           <a:lstStyle>
             <a:lvl1pPr marL="0" indent="0">
               <a:buNone/>
@@ -2569,19 +5594,17 @@
             </a:lvl9pPr>
           </a:lstStyle>
           <a:p>
-            <a:endParaRPr lang="en-US"/>
-          </a:p>
-        </p:txBody>
-      </p:sp>
-      <p:sp>
-        <p:nvSpPr>
-          <p:cNvPr id="4" name="Text Placeholder 3">
-            <a:extLst>
-              <a:ext uri="{FF2B5EF4-FFF2-40B4-BE49-F238E27FC236}">
-                <a16:creationId xmlns:a16="http://schemas.microsoft.com/office/drawing/2014/main" id="{3640C7C4-60EB-5B50-F6DD-E3DDBB4E3C82}"/>
-              </a:ext>
-            </a:extLst>
-          </p:cNvPr>
+            <a:r>
+              <a:rPr lang="en-US"/>
+              <a:t>Click icon to add picture</a:t>
+            </a:r>
+            <a:endParaRPr lang="en-US" dirty="0"/>
+          </a:p>
+        </p:txBody>
+      </p:sp>
+      <p:sp>
+        <p:nvSpPr>
+          <p:cNvPr id="4" name="Text Placeholder 3"/>
           <p:cNvSpPr>
             <a:spLocks noGrp="1"/>
           </p:cNvSpPr>
@@ -2591,14 +5614,14 @@
         </p:nvSpPr>
         <p:spPr>
           <a:xfrm>
-            <a:off x="839788" y="2057400"/>
-            <a:ext cx="3932237" cy="3811588"/>
+            <a:off x="913794" y="2632852"/>
+            <a:ext cx="5934949" cy="3158347"/>
           </a:xfrm>
         </p:spPr>
         <p:txBody>
           <a:bodyPr/>
           <a:lstStyle>
-            <a:lvl1pPr marL="0" indent="0">
+            <a:lvl1pPr marL="0" indent="0" algn="ctr">
               <a:buNone/>
               <a:defRPr sz="1600"/>
             </a:lvl1pPr>
@@ -2646,13 +5669,7 @@
       </p:sp>
       <p:sp>
         <p:nvSpPr>
-          <p:cNvPr id="5" name="Date Placeholder 4">
-            <a:extLst>
-              <a:ext uri="{FF2B5EF4-FFF2-40B4-BE49-F238E27FC236}">
-                <a16:creationId xmlns:a16="http://schemas.microsoft.com/office/drawing/2014/main" id="{8472EDDD-2E48-F795-D104-4B2E9C9F675D}"/>
-              </a:ext>
-            </a:extLst>
-          </p:cNvPr>
+          <p:cNvPr id="5" name="Date Placeholder 4"/>
           <p:cNvSpPr>
             <a:spLocks noGrp="1"/>
           </p:cNvSpPr>
@@ -2667,7 +5684,7 @@
           <a:p>
             <a:fld id="{EDD99DFF-4D7C-4671-8EF0-23A72D1484EC}" type="datetimeFigureOut">
               <a:rPr lang="en-US" smtClean="0"/>
-              <a:t>7/17/2023</a:t>
+              <a:t>7/18/2023</a:t>
             </a:fld>
             <a:endParaRPr lang="en-US"/>
           </a:p>
@@ -2675,13 +5692,7 @@
       </p:sp>
       <p:sp>
         <p:nvSpPr>
-          <p:cNvPr id="6" name="Footer Placeholder 5">
-            <a:extLst>
-              <a:ext uri="{FF2B5EF4-FFF2-40B4-BE49-F238E27FC236}">
-                <a16:creationId xmlns:a16="http://schemas.microsoft.com/office/drawing/2014/main" id="{4160C2BC-FB98-369E-73D5-9F45D2C07AB3}"/>
-              </a:ext>
-            </a:extLst>
-          </p:cNvPr>
+          <p:cNvPr id="6" name="Footer Placeholder 5"/>
           <p:cNvSpPr>
             <a:spLocks noGrp="1"/>
           </p:cNvSpPr>
@@ -2700,13 +5711,7 @@
       </p:sp>
       <p:sp>
         <p:nvSpPr>
-          <p:cNvPr id="7" name="Slide Number Placeholder 6">
-            <a:extLst>
-              <a:ext uri="{FF2B5EF4-FFF2-40B4-BE49-F238E27FC236}">
-                <a16:creationId xmlns:a16="http://schemas.microsoft.com/office/drawing/2014/main" id="{8540DD4D-AB1D-06FE-1B6F-62CE92F60AF3}"/>
-              </a:ext>
-            </a:extLst>
-          </p:cNvPr>
+          <p:cNvPr id="7" name="Slide Number Placeholder 6"/>
           <p:cNvSpPr>
             <a:spLocks noGrp="1"/>
           </p:cNvSpPr>
@@ -2730,7 +5735,7 @@
     </p:spTree>
     <p:extLst>
       <p:ext uri="{BB962C8B-B14F-4D97-AF65-F5344CB8AC3E}">
-        <p14:creationId xmlns:p14="http://schemas.microsoft.com/office/powerpoint/2010/main" val="2917523263"/>
+        <p14:creationId xmlns:p14="http://schemas.microsoft.com/office/powerpoint/2010/main" val="4099838534"/>
       </p:ext>
     </p:extLst>
   </p:cSld>
@@ -2744,7 +5749,7 @@
 <p:sldMaster xmlns:a="http://schemas.openxmlformats.org/drawingml/2006/main" xmlns:r="http://schemas.openxmlformats.org/officeDocument/2006/relationships" xmlns:p="http://schemas.openxmlformats.org/presentationml/2006/main">
   <p:cSld>
     <p:bg>
-      <p:bgRef idx="1001">
+      <p:bgRef idx="1002">
         <a:schemeClr val="bg1"/>
       </p:bgRef>
     </p:bg>
@@ -2762,30 +5767,66 @@
           <a:chExt cx="0" cy="0"/>
         </a:xfrm>
       </p:grpSpPr>
-      <p:sp>
-        <p:nvSpPr>
-          <p:cNvPr id="2" name="Title Placeholder 1">
+      <p:pic>
+        <p:nvPicPr>
+          <p:cNvPr id="1026" name="Picture 2" descr="\\DROBO-FS\QuickDrops\JB\PPTX NG\Droplets\LightingOverlay.png"/>
+          <p:cNvPicPr>
+            <a:picLocks noChangeAspect="1" noChangeArrowheads="1"/>
+          </p:cNvPicPr>
+          <p:nvPr/>
+        </p:nvPicPr>
+        <p:blipFill>
+          <a:blip r:embed="rId20">
+            <a:alphaModFix/>
             <a:extLst>
-              <a:ext uri="{FF2B5EF4-FFF2-40B4-BE49-F238E27FC236}">
-                <a16:creationId xmlns:a16="http://schemas.microsoft.com/office/drawing/2014/main" id="{E645AFCF-FF74-272C-064A-5DA882EDB890}"/>
+              <a:ext uri="{28A0092B-C50C-407E-A947-70E740481C1C}">
+                <a14:useLocalDpi xmlns:a14="http://schemas.microsoft.com/office/drawing/2010/main" val="0"/>
               </a:ext>
             </a:extLst>
-          </p:cNvPr>
-          <p:cNvSpPr>
-            <a:spLocks noGrp="1"/>
-          </p:cNvSpPr>
-          <p:nvPr>
-            <p:ph type="title"/>
-          </p:nvPr>
-        </p:nvSpPr>
-        <p:spPr>
-          <a:xfrm>
-            <a:off x="838200" y="365125"/>
-            <a:ext cx="10515600" cy="1325563"/>
+          </a:blip>
+          <a:srcRect/>
+          <a:stretch>
+            <a:fillRect/>
+          </a:stretch>
+        </p:blipFill>
+        <p:spPr bwMode="auto">
+          <a:xfrm>
+            <a:off x="0" y="-1"/>
+            <a:ext cx="12192003" cy="6858001"/>
           </a:xfrm>
           <a:prstGeom prst="rect">
             <a:avLst/>
           </a:prstGeom>
+          <a:noFill/>
+          <a:extLst>
+            <a:ext uri="{909E8E84-426E-40DD-AFC4-6F175D3DCCD1}">
+              <a14:hiddenFill xmlns:a14="http://schemas.microsoft.com/office/drawing/2010/main">
+                <a:solidFill>
+                  <a:srgbClr val="FFFFFF"/>
+                </a:solidFill>
+              </a14:hiddenFill>
+            </a:ext>
+          </a:extLst>
+        </p:spPr>
+      </p:pic>
+      <p:sp>
+        <p:nvSpPr>
+          <p:cNvPr id="2" name="Title Placeholder 1"/>
+          <p:cNvSpPr>
+            <a:spLocks noGrp="1"/>
+          </p:cNvSpPr>
+          <p:nvPr>
+            <p:ph type="title"/>
+          </p:nvPr>
+        </p:nvSpPr>
+        <p:spPr>
+          <a:xfrm>
+            <a:off x="913775" y="618517"/>
+            <a:ext cx="10364451" cy="1596177"/>
+          </a:xfrm>
+          <a:prstGeom prst="rect">
+            <a:avLst/>
+          </a:prstGeom>
         </p:spPr>
         <p:txBody>
           <a:bodyPr vert="horz" lIns="91440" tIns="45720" rIns="91440" bIns="45720" rtlCol="0" anchor="ctr">
@@ -2797,18 +5838,13 @@
               <a:rPr lang="en-US"/>
               <a:t>Click to edit Master title style</a:t>
             </a:r>
-          </a:p>
-        </p:txBody>
-      </p:sp>
-      <p:sp>
-        <p:nvSpPr>
-          <p:cNvPr id="3" name="Text Placeholder 2">
-            <a:extLst>
-              <a:ext uri="{FF2B5EF4-FFF2-40B4-BE49-F238E27FC236}">
-                <a16:creationId xmlns:a16="http://schemas.microsoft.com/office/drawing/2014/main" id="{923F1677-5F81-94F3-6205-80539D5E0114}"/>
-              </a:ext>
-            </a:extLst>
-          </p:cNvPr>
+            <a:endParaRPr lang="en-US" dirty="0"/>
+          </a:p>
+        </p:txBody>
+      </p:sp>
+      <p:sp>
+        <p:nvSpPr>
+          <p:cNvPr id="3" name="Text Placeholder 2"/>
           <p:cNvSpPr>
             <a:spLocks noGrp="1"/>
           </p:cNvSpPr>
@@ -2818,8 +5854,8 @@
         </p:nvSpPr>
         <p:spPr>
           <a:xfrm>
-            <a:off x="838200" y="1825625"/>
-            <a:ext cx="10515600" cy="4351338"/>
+            <a:off x="913775" y="2367093"/>
+            <a:ext cx="10364452" cy="3424107"/>
           </a:xfrm>
           <a:prstGeom prst="rect">
             <a:avLst/>
@@ -2864,18 +5900,13 @@
               <a:rPr lang="en-US"/>
               <a:t>Fifth level</a:t>
             </a:r>
-          </a:p>
-        </p:txBody>
-      </p:sp>
-      <p:sp>
-        <p:nvSpPr>
-          <p:cNvPr id="4" name="Date Placeholder 3">
-            <a:extLst>
-              <a:ext uri="{FF2B5EF4-FFF2-40B4-BE49-F238E27FC236}">
-                <a16:creationId xmlns:a16="http://schemas.microsoft.com/office/drawing/2014/main" id="{981928F0-EAC7-B4CC-EFFF-240CD3C590E5}"/>
-              </a:ext>
-            </a:extLst>
-          </p:cNvPr>
+            <a:endParaRPr lang="en-US" dirty="0"/>
+          </a:p>
+        </p:txBody>
+      </p:sp>
+      <p:sp>
+        <p:nvSpPr>
+          <p:cNvPr id="4" name="Date Placeholder 3"/>
           <p:cNvSpPr>
             <a:spLocks noGrp="1"/>
           </p:cNvSpPr>
@@ -2885,7 +5916,7 @@
         </p:nvSpPr>
         <p:spPr>
           <a:xfrm>
-            <a:off x="838200" y="6356350"/>
+            <a:off x="7678737" y="5883275"/>
             <a:ext cx="2743200" cy="365125"/>
           </a:xfrm>
           <a:prstGeom prst="rect">
@@ -2895,12 +5926,10 @@
         <p:txBody>
           <a:bodyPr vert="horz" lIns="91440" tIns="45720" rIns="91440" bIns="45720" rtlCol="0" anchor="ctr"/>
           <a:lstStyle>
-            <a:lvl1pPr algn="l">
-              <a:defRPr sz="1200">
+            <a:lvl1pPr algn="r">
+              <a:defRPr sz="1000">
                 <a:solidFill>
-                  <a:schemeClr val="tx1">
-                    <a:tint val="75000"/>
-                  </a:schemeClr>
+                  <a:schemeClr val="tx1"/>
                 </a:solidFill>
               </a:defRPr>
             </a:lvl1pPr>
@@ -2908,7 +5937,7 @@
           <a:p>
             <a:fld id="{EDD99DFF-4D7C-4671-8EF0-23A72D1484EC}" type="datetimeFigureOut">
               <a:rPr lang="en-US" smtClean="0"/>
-              <a:t>7/17/2023</a:t>
+              <a:t>7/18/2023</a:t>
             </a:fld>
             <a:endParaRPr lang="en-US"/>
           </a:p>
@@ -2916,13 +5945,7 @@
       </p:sp>
       <p:sp>
         <p:nvSpPr>
-          <p:cNvPr id="5" name="Footer Placeholder 4">
-            <a:extLst>
-              <a:ext uri="{FF2B5EF4-FFF2-40B4-BE49-F238E27FC236}">
-                <a16:creationId xmlns:a16="http://schemas.microsoft.com/office/drawing/2014/main" id="{AAD4EE34-3531-E110-DF43-91C03F23047F}"/>
-              </a:ext>
-            </a:extLst>
-          </p:cNvPr>
+          <p:cNvPr id="5" name="Footer Placeholder 4"/>
           <p:cNvSpPr>
             <a:spLocks noGrp="1"/>
           </p:cNvSpPr>
@@ -2932,8 +5955,8 @@
         </p:nvSpPr>
         <p:spPr>
           <a:xfrm>
-            <a:off x="4038600" y="6356350"/>
-            <a:ext cx="4114800" cy="365125"/>
+            <a:off x="913774" y="5883275"/>
+            <a:ext cx="6672887" cy="365125"/>
           </a:xfrm>
           <a:prstGeom prst="rect">
             <a:avLst/>
@@ -2942,12 +5965,10 @@
         <p:txBody>
           <a:bodyPr vert="horz" lIns="91440" tIns="45720" rIns="91440" bIns="45720" rtlCol="0" anchor="ctr"/>
           <a:lstStyle>
-            <a:lvl1pPr algn="ctr">
-              <a:defRPr sz="1200">
+            <a:lvl1pPr algn="l">
+              <a:defRPr sz="1000">
                 <a:solidFill>
-                  <a:schemeClr val="tx1">
-                    <a:tint val="75000"/>
-                  </a:schemeClr>
+                  <a:schemeClr val="tx1"/>
                 </a:solidFill>
               </a:defRPr>
             </a:lvl1pPr>
@@ -2959,13 +5980,7 @@
       </p:sp>
       <p:sp>
         <p:nvSpPr>
-          <p:cNvPr id="6" name="Slide Number Placeholder 5">
-            <a:extLst>
-              <a:ext uri="{FF2B5EF4-FFF2-40B4-BE49-F238E27FC236}">
-                <a16:creationId xmlns:a16="http://schemas.microsoft.com/office/drawing/2014/main" id="{6185AC9B-EC63-ED71-15E9-A79E99D12367}"/>
-              </a:ext>
-            </a:extLst>
-          </p:cNvPr>
+          <p:cNvPr id="6" name="Slide Number Placeholder 5"/>
           <p:cNvSpPr>
             <a:spLocks noGrp="1"/>
           </p:cNvSpPr>
@@ -2975,8 +5990,8 @@
         </p:nvSpPr>
         <p:spPr>
           <a:xfrm>
-            <a:off x="8610600" y="6356350"/>
-            <a:ext cx="2743200" cy="365125"/>
+            <a:off x="10514011" y="5883275"/>
+            <a:ext cx="764215" cy="365125"/>
           </a:xfrm>
           <a:prstGeom prst="rect">
             <a:avLst/>
@@ -2986,11 +6001,9 @@
           <a:bodyPr vert="horz" lIns="91440" tIns="45720" rIns="91440" bIns="45720" rtlCol="0" anchor="ctr"/>
           <a:lstStyle>
             <a:lvl1pPr algn="r">
-              <a:defRPr sz="1200">
+              <a:defRPr sz="1000">
                 <a:solidFill>
-                  <a:schemeClr val="tx1">
-                    <a:tint val="75000"/>
-                  </a:schemeClr>
+                  <a:schemeClr val="tx1"/>
                 </a:solidFill>
               </a:defRPr>
             </a:lvl1pPr>
@@ -3007,27 +6020,34 @@
     </p:spTree>
     <p:extLst>
       <p:ext uri="{BB962C8B-B14F-4D97-AF65-F5344CB8AC3E}">
-        <p14:creationId xmlns:p14="http://schemas.microsoft.com/office/powerpoint/2010/main" val="1710939661"/>
+        <p14:creationId xmlns:p14="http://schemas.microsoft.com/office/powerpoint/2010/main" val="1406032981"/>
       </p:ext>
     </p:extLst>
   </p:cSld>
   <p:clrMap bg1="lt1" tx1="dk1" bg2="lt2" tx2="dk2" accent1="accent1" accent2="accent2" accent3="accent3" accent4="accent4" accent5="accent5" accent6="accent6" hlink="hlink" folHlink="folHlink"/>
   <p:sldLayoutIdLst>
-    <p:sldLayoutId id="2147483649" r:id="rId1"/>
-    <p:sldLayoutId id="2147483650" r:id="rId2"/>
-    <p:sldLayoutId id="2147483651" r:id="rId3"/>
-    <p:sldLayoutId id="2147483652" r:id="rId4"/>
-    <p:sldLayoutId id="2147483653" r:id="rId5"/>
-    <p:sldLayoutId id="2147483654" r:id="rId6"/>
-    <p:sldLayoutId id="2147483655" r:id="rId7"/>
-    <p:sldLayoutId id="2147483656" r:id="rId8"/>
-    <p:sldLayoutId id="2147483657" r:id="rId9"/>
-    <p:sldLayoutId id="2147483658" r:id="rId10"/>
-    <p:sldLayoutId id="2147483659" r:id="rId11"/>
+    <p:sldLayoutId id="2147483839" r:id="rId1"/>
+    <p:sldLayoutId id="2147483840" r:id="rId2"/>
+    <p:sldLayoutId id="2147483841" r:id="rId3"/>
+    <p:sldLayoutId id="2147483842" r:id="rId4"/>
+    <p:sldLayoutId id="2147483843" r:id="rId5"/>
+    <p:sldLayoutId id="2147483844" r:id="rId6"/>
+    <p:sldLayoutId id="2147483845" r:id="rId7"/>
+    <p:sldLayoutId id="2147483846" r:id="rId8"/>
+    <p:sldLayoutId id="2147483847" r:id="rId9"/>
+    <p:sldLayoutId id="2147483848" r:id="rId10"/>
+    <p:sldLayoutId id="2147483849" r:id="rId11"/>
+    <p:sldLayoutId id="2147483850" r:id="rId12"/>
+    <p:sldLayoutId id="2147483851" r:id="rId13"/>
+    <p:sldLayoutId id="2147483852" r:id="rId14"/>
+    <p:sldLayoutId id="2147483853" r:id="rId15"/>
+    <p:sldLayoutId id="2147483854" r:id="rId16"/>
+    <p:sldLayoutId id="2147483855" r:id="rId17"/>
+    <p:sldLayoutId id="2147483856" r:id="rId18"/>
   </p:sldLayoutIdLst>
   <p:txStyles>
     <p:titleStyle>
-      <a:lvl1pPr algn="l" defTabSz="914400" rtl="0" eaLnBrk="1" latinLnBrk="0" hangingPunct="1">
+      <a:lvl1pPr algn="ctr" defTabSz="914400" rtl="0" eaLnBrk="1" latinLnBrk="0" hangingPunct="1">
         <a:lnSpc>
           <a:spcPct val="90000"/>
         </a:lnSpc>
@@ -3035,10 +6055,11 @@
           <a:spcPct val="0"/>
         </a:spcBef>
         <a:buNone/>
-        <a:defRPr sz="4400" kern="1200">
+        <a:defRPr sz="3600" kern="1200" cap="all" baseline="0">
           <a:solidFill>
             <a:schemeClr val="tx1"/>
           </a:solidFill>
+          <a:effectLst/>
           <a:latin typeface="+mj-lt"/>
           <a:ea typeface="+mj-ea"/>
           <a:cs typeface="+mj-cs"/>
@@ -3048,17 +6069,21 @@
     <p:bodyStyle>
       <a:lvl1pPr marL="228600" indent="-228600" algn="l" defTabSz="914400" rtl="0" eaLnBrk="1" latinLnBrk="0" hangingPunct="1">
         <a:lnSpc>
-          <a:spcPct val="90000"/>
+          <a:spcPct val="120000"/>
         </a:lnSpc>
         <a:spcBef>
           <a:spcPts val="1000"/>
         </a:spcBef>
+        <a:buClr>
+          <a:schemeClr val="tx1"/>
+        </a:buClr>
         <a:buFont typeface="Arial" panose="020B0604020202020204" pitchFamily="34" charset="0"/>
         <a:buChar char="•"/>
-        <a:defRPr sz="2800" kern="1200">
+        <a:defRPr sz="2000" kern="1200" cap="all" baseline="0">
           <a:solidFill>
             <a:schemeClr val="tx1"/>
           </a:solidFill>
+          <a:effectLst/>
           <a:latin typeface="+mn-lt"/>
           <a:ea typeface="+mn-ea"/>
           <a:cs typeface="+mn-cs"/>
@@ -3066,17 +6091,21 @@
       </a:lvl1pPr>
       <a:lvl2pPr marL="685800" indent="-228600" algn="l" defTabSz="914400" rtl="0" eaLnBrk="1" latinLnBrk="0" hangingPunct="1">
         <a:lnSpc>
-          <a:spcPct val="90000"/>
+          <a:spcPct val="120000"/>
         </a:lnSpc>
         <a:spcBef>
           <a:spcPts val="500"/>
         </a:spcBef>
+        <a:buClr>
+          <a:schemeClr val="tx1"/>
+        </a:buClr>
         <a:buFont typeface="Arial" panose="020B0604020202020204" pitchFamily="34" charset="0"/>
         <a:buChar char="•"/>
-        <a:defRPr sz="2400" kern="1200">
+        <a:defRPr sz="1800" kern="1200" cap="all" baseline="0">
           <a:solidFill>
             <a:schemeClr val="tx1"/>
           </a:solidFill>
+          <a:effectLst/>
           <a:latin typeface="+mn-lt"/>
           <a:ea typeface="+mn-ea"/>
           <a:cs typeface="+mn-cs"/>
@@ -3084,17 +6113,21 @@
       </a:lvl2pPr>
       <a:lvl3pPr marL="1143000" indent="-228600" algn="l" defTabSz="914400" rtl="0" eaLnBrk="1" latinLnBrk="0" hangingPunct="1">
         <a:lnSpc>
-          <a:spcPct val="90000"/>
+          <a:spcPct val="120000"/>
         </a:lnSpc>
         <a:spcBef>
           <a:spcPts val="500"/>
         </a:spcBef>
+        <a:buClr>
+          <a:schemeClr val="tx1"/>
+        </a:buClr>
         <a:buFont typeface="Arial" panose="020B0604020202020204" pitchFamily="34" charset="0"/>
         <a:buChar char="•"/>
-        <a:defRPr sz="2000" kern="1200">
+        <a:defRPr sz="1600" kern="1200" cap="all" baseline="0">
           <a:solidFill>
             <a:schemeClr val="tx1"/>
           </a:solidFill>
+          <a:effectLst/>
           <a:latin typeface="+mn-lt"/>
           <a:ea typeface="+mn-ea"/>
           <a:cs typeface="+mn-cs"/>
@@ -3102,17 +6135,21 @@
       </a:lvl3pPr>
       <a:lvl4pPr marL="1600200" indent="-228600" algn="l" defTabSz="914400" rtl="0" eaLnBrk="1" latinLnBrk="0" hangingPunct="1">
         <a:lnSpc>
-          <a:spcPct val="90000"/>
+          <a:spcPct val="120000"/>
         </a:lnSpc>
         <a:spcBef>
           <a:spcPts val="500"/>
         </a:spcBef>
+        <a:buClr>
+          <a:schemeClr val="tx1"/>
+        </a:buClr>
         <a:buFont typeface="Arial" panose="020B0604020202020204" pitchFamily="34" charset="0"/>
         <a:buChar char="•"/>
-        <a:defRPr sz="1800" kern="1200">
+        <a:defRPr sz="1400" kern="1200" cap="all" baseline="0">
           <a:solidFill>
             <a:schemeClr val="tx1"/>
           </a:solidFill>
+          <a:effectLst/>
           <a:latin typeface="+mn-lt"/>
           <a:ea typeface="+mn-ea"/>
           <a:cs typeface="+mn-cs"/>
@@ -3120,17 +6157,21 @@
       </a:lvl4pPr>
       <a:lvl5pPr marL="2057400" indent="-228600" algn="l" defTabSz="914400" rtl="0" eaLnBrk="1" latinLnBrk="0" hangingPunct="1">
         <a:lnSpc>
-          <a:spcPct val="90000"/>
+          <a:spcPct val="120000"/>
         </a:lnSpc>
         <a:spcBef>
           <a:spcPts val="500"/>
         </a:spcBef>
+        <a:buClr>
+          <a:schemeClr val="tx1"/>
+        </a:buClr>
         <a:buFont typeface="Arial" panose="020B0604020202020204" pitchFamily="34" charset="0"/>
         <a:buChar char="•"/>
-        <a:defRPr sz="1800" kern="1200">
+        <a:defRPr sz="1400" kern="1200" cap="all" baseline="0">
           <a:solidFill>
             <a:schemeClr val="tx1"/>
           </a:solidFill>
+          <a:effectLst/>
           <a:latin typeface="+mn-lt"/>
           <a:ea typeface="+mn-ea"/>
           <a:cs typeface="+mn-cs"/>
@@ -3138,17 +6179,21 @@
       </a:lvl5pPr>
       <a:lvl6pPr marL="2514600" indent="-228600" algn="l" defTabSz="914400" rtl="0" eaLnBrk="1" latinLnBrk="0" hangingPunct="1">
         <a:lnSpc>
-          <a:spcPct val="90000"/>
+          <a:spcPct val="120000"/>
         </a:lnSpc>
         <a:spcBef>
           <a:spcPts val="500"/>
         </a:spcBef>
+        <a:buClr>
+          <a:schemeClr val="tx1"/>
+        </a:buClr>
         <a:buFont typeface="Arial" panose="020B0604020202020204" pitchFamily="34" charset="0"/>
         <a:buChar char="•"/>
-        <a:defRPr sz="1800" kern="1200">
+        <a:defRPr sz="1400" kern="1200" cap="all" baseline="0">
           <a:solidFill>
             <a:schemeClr val="tx1"/>
           </a:solidFill>
+          <a:effectLst/>
           <a:latin typeface="+mn-lt"/>
           <a:ea typeface="+mn-ea"/>
           <a:cs typeface="+mn-cs"/>
@@ -3156,17 +6201,21 @@
       </a:lvl6pPr>
       <a:lvl7pPr marL="2971800" indent="-228600" algn="l" defTabSz="914400" rtl="0" eaLnBrk="1" latinLnBrk="0" hangingPunct="1">
         <a:lnSpc>
-          <a:spcPct val="90000"/>
+          <a:spcPct val="120000"/>
         </a:lnSpc>
         <a:spcBef>
           <a:spcPts val="500"/>
         </a:spcBef>
+        <a:buClr>
+          <a:schemeClr val="tx1"/>
+        </a:buClr>
         <a:buFont typeface="Arial" panose="020B0604020202020204" pitchFamily="34" charset="0"/>
         <a:buChar char="•"/>
-        <a:defRPr sz="1800" kern="1200">
+        <a:defRPr sz="1400" kern="1200" cap="all" baseline="0">
           <a:solidFill>
             <a:schemeClr val="tx1"/>
           </a:solidFill>
+          <a:effectLst/>
           <a:latin typeface="+mn-lt"/>
           <a:ea typeface="+mn-ea"/>
           <a:cs typeface="+mn-cs"/>
@@ -3174,17 +6223,21 @@
       </a:lvl7pPr>
       <a:lvl8pPr marL="3429000" indent="-228600" algn="l" defTabSz="914400" rtl="0" eaLnBrk="1" latinLnBrk="0" hangingPunct="1">
         <a:lnSpc>
-          <a:spcPct val="90000"/>
+          <a:spcPct val="120000"/>
         </a:lnSpc>
         <a:spcBef>
           <a:spcPts val="500"/>
         </a:spcBef>
+        <a:buClr>
+          <a:schemeClr val="tx1"/>
+        </a:buClr>
         <a:buFont typeface="Arial" panose="020B0604020202020204" pitchFamily="34" charset="0"/>
         <a:buChar char="•"/>
-        <a:defRPr sz="1800" kern="1200">
+        <a:defRPr sz="1400" kern="1200" cap="all" baseline="0">
           <a:solidFill>
             <a:schemeClr val="tx1"/>
           </a:solidFill>
+          <a:effectLst/>
           <a:latin typeface="+mn-lt"/>
           <a:ea typeface="+mn-ea"/>
           <a:cs typeface="+mn-cs"/>
@@ -3192,17 +6245,21 @@
       </a:lvl8pPr>
       <a:lvl9pPr marL="3886200" indent="-228600" algn="l" defTabSz="914400" rtl="0" eaLnBrk="1" latinLnBrk="0" hangingPunct="1">
         <a:lnSpc>
-          <a:spcPct val="90000"/>
+          <a:spcPct val="120000"/>
         </a:lnSpc>
         <a:spcBef>
           <a:spcPts val="500"/>
         </a:spcBef>
+        <a:buClr>
+          <a:schemeClr val="tx1"/>
+        </a:buClr>
         <a:buFont typeface="Arial" panose="020B0604020202020204" pitchFamily="34" charset="0"/>
         <a:buChar char="•"/>
-        <a:defRPr sz="1800" kern="1200">
+        <a:defRPr sz="1400" kern="1200" cap="all" baseline="0">
           <a:solidFill>
             <a:schemeClr val="tx1"/>
           </a:solidFill>
+          <a:effectLst/>
           <a:latin typeface="+mn-lt"/>
           <a:ea typeface="+mn-ea"/>
           <a:cs typeface="+mn-cs"/>
@@ -3341,14 +6398,36 @@
             <p:ph type="ctrTitle"/>
           </p:nvPr>
         </p:nvSpPr>
-        <p:spPr/>
-        <p:txBody>
-          <a:bodyPr/>
-          <a:lstStyle/>
-          <a:p>
-            <a:r>
-              <a:rPr lang="en-US" dirty="0"/>
-              <a:t>Project 3</a:t>
+        <p:spPr>
+          <a:xfrm>
+            <a:off x="1751012" y="1308100"/>
+            <a:ext cx="8689976" cy="1809750"/>
+          </a:xfrm>
+        </p:spPr>
+        <p:txBody>
+          <a:bodyPr>
+            <a:normAutofit fontScale="90000"/>
+          </a:bodyPr>
+          <a:lstStyle/>
+          <a:p>
+            <a:r>
+              <a:rPr lang="en-US" cap="none" dirty="0">
+                <a:solidFill>
+                  <a:srgbClr val="FF0000"/>
+                </a:solidFill>
+              </a:rPr>
+              <a:t>Working title: </a:t>
+            </a:r>
+            <a:br>
+              <a:rPr lang="en-US" cap="none" dirty="0">
+                <a:solidFill>
+                  <a:srgbClr val="FF0000"/>
+                </a:solidFill>
+              </a:rPr>
+            </a:br>
+            <a:r>
+              <a:rPr lang="en-US" cap="none" dirty="0"/>
+              <a:t>Mosquito and Tick-borne Illnesses in Minnesota</a:t>
             </a:r>
           </a:p>
         </p:txBody>
@@ -3369,14 +6448,27 @@
             <p:ph type="subTitle" idx="1"/>
           </p:nvPr>
         </p:nvSpPr>
-        <p:spPr/>
-        <p:txBody>
-          <a:bodyPr/>
-          <a:lstStyle/>
-          <a:p>
-            <a:r>
-              <a:rPr lang="en-US" dirty="0"/>
-              <a:t>Group 4: Evan Sprecher, Kevin Miller, Miranda Dahl, Ryan Cornelius, Timothy Salazar</a:t>
+        <p:spPr>
+          <a:xfrm>
+            <a:off x="1631156" y="3282950"/>
+            <a:ext cx="8929688" cy="1371599"/>
+          </a:xfrm>
+        </p:spPr>
+        <p:txBody>
+          <a:bodyPr>
+            <a:normAutofit/>
+          </a:bodyPr>
+          <a:lstStyle/>
+          <a:p>
+            <a:r>
+              <a:rPr lang="en-US" cap="none" dirty="0"/>
+              <a:t>Group 4: </a:t>
+            </a:r>
+          </a:p>
+          <a:p>
+            <a:r>
+              <a:rPr lang="en-US" cap="none" dirty="0"/>
+              <a:t>Ryan Cornelius,  Miranda Dahl,  Kevin Miller,  Timothy Salazar,  Evan Sprecher</a:t>
             </a:r>
           </a:p>
         </p:txBody>
@@ -3413,10 +6505,10 @@
       </p:grpSpPr>
       <p:sp>
         <p:nvSpPr>
-          <p:cNvPr id="2" name="Title 1">
+          <p:cNvPr id="3" name="Title 2">
             <a:extLst>
               <a:ext uri="{FF2B5EF4-FFF2-40B4-BE49-F238E27FC236}">
-                <a16:creationId xmlns:a16="http://schemas.microsoft.com/office/drawing/2014/main" id="{9837B679-9BC3-6C41-EC73-505B99DB42D2}"/>
+                <a16:creationId xmlns:a16="http://schemas.microsoft.com/office/drawing/2014/main" id="{3F50DE42-68C4-BBEC-94B9-26C3BBA14C3D}"/>
               </a:ext>
             </a:extLst>
           </p:cNvPr>
@@ -3430,26 +6522,36 @@
         <p:spPr>
           <a:xfrm>
             <a:off x="838200" y="173037"/>
-            <a:ext cx="10515600" cy="1173163"/>
-          </a:xfrm>
-        </p:spPr>
-        <p:txBody>
-          <a:bodyPr/>
-          <a:lstStyle/>
-          <a:p>
-            <a:r>
-              <a:rPr lang="en-US" dirty="0"/>
-              <a:t>Project Proposal</a:t>
-            </a:r>
-          </a:p>
-        </p:txBody>
-      </p:sp>
-      <p:sp>
-        <p:nvSpPr>
-          <p:cNvPr id="3" name="Content Placeholder 2">
+            <a:ext cx="10515600" cy="931863"/>
+          </a:xfrm>
+        </p:spPr>
+        <p:txBody>
+          <a:bodyPr>
+            <a:normAutofit fontScale="90000"/>
+          </a:bodyPr>
+          <a:lstStyle/>
+          <a:p>
+            <a:r>
+              <a:rPr lang="en-US" cap="none" dirty="0"/>
+              <a:t>Project Proposal:</a:t>
+            </a:r>
+            <a:br>
+              <a:rPr lang="en-US" cap="none" dirty="0"/>
+            </a:br>
+            <a:r>
+              <a:rPr lang="en-US" sz="2700" cap="none" dirty="0"/>
+              <a:t>Scope and Purpose</a:t>
+            </a:r>
+            <a:endParaRPr lang="en-US" cap="none" dirty="0"/>
+          </a:p>
+        </p:txBody>
+      </p:sp>
+      <p:sp>
+        <p:nvSpPr>
+          <p:cNvPr id="4" name="Content Placeholder 3">
             <a:extLst>
               <a:ext uri="{FF2B5EF4-FFF2-40B4-BE49-F238E27FC236}">
-                <a16:creationId xmlns:a16="http://schemas.microsoft.com/office/drawing/2014/main" id="{BFE859E0-84F5-5C2E-396D-CED370B4EDB5}"/>
+                <a16:creationId xmlns:a16="http://schemas.microsoft.com/office/drawing/2014/main" id="{4D074976-D577-F42F-637B-979E8769E1C7}"/>
               </a:ext>
             </a:extLst>
           </p:cNvPr>
@@ -3462,43 +6564,128 @@
         </p:nvSpPr>
         <p:spPr>
           <a:xfrm>
-            <a:off x="838200" y="1498600"/>
-            <a:ext cx="10515600" cy="5118099"/>
+            <a:off x="838200" y="1104900"/>
+            <a:ext cx="10515600" cy="5072063"/>
           </a:xfrm>
         </p:spPr>
         <p:txBody>
           <a:bodyPr>
-            <a:normAutofit/>
+            <a:normAutofit fontScale="85000" lnSpcReduction="20000"/>
           </a:bodyPr>
           <a:lstStyle/>
           <a:p>
             <a:r>
-              <a:rPr lang="en-US" dirty="0"/>
-              <a:t>Before you start writing any code, your group should outline the scope and purpose of your project. This will help provide direction and safeguard against scope creep (the tendency for projects to become more complex after work begins).</a:t>
-            </a:r>
-          </a:p>
-          <a:p>
-            <a:r>
-              <a:rPr lang="en-US" dirty="0"/>
-              <a:t>The proposal is essentially a brief summary of your interests and intent. Be sure to include the following details:</a:t>
-            </a:r>
-          </a:p>
-          <a:p>
-            <a:r>
-              <a:rPr lang="en-US" dirty="0"/>
-              <a:t>The kind of data you’d like to work with and the field you’re interested in (finance, healthcare surveys, etc.)</a:t>
-            </a:r>
-          </a:p>
-          <a:p>
-            <a:r>
-              <a:rPr lang="en-US" dirty="0"/>
-              <a:t>The questions you’ll ask of the data</a:t>
-            </a:r>
-          </a:p>
-          <a:p>
-            <a:r>
-              <a:rPr lang="en-US" dirty="0"/>
-              <a:t>Possible source for the data</a:t>
+              <a:rPr lang="en-US" cap="none" dirty="0"/>
+              <a:t>This project is to analyze (trends/changes) in (mosquito/tick-borne illnesses)</a:t>
+            </a:r>
+          </a:p>
+          <a:p>
+            <a:r>
+              <a:rPr lang="en-US" cap="none" dirty="0"/>
+              <a:t>The project data is limited (scoped) to the state of Minnesota for the diseases (top 3 diseases/illnesses here). </a:t>
+            </a:r>
+            <a:r>
+              <a:rPr lang="en-US" cap="none" dirty="0">
+                <a:solidFill>
+                  <a:srgbClr val="FF0000"/>
+                </a:solidFill>
+              </a:rPr>
+              <a:t>Make sure these are actually the top 3 or change to whichever datasets are available.</a:t>
+            </a:r>
+            <a:endParaRPr lang="en-US" cap="none" dirty="0"/>
+          </a:p>
+          <a:p>
+            <a:pPr lvl="1"/>
+            <a:r>
+              <a:rPr lang="en-US" cap="none" dirty="0"/>
+              <a:t>West Nile Virus (WNV)</a:t>
+            </a:r>
+          </a:p>
+          <a:p>
+            <a:pPr lvl="1"/>
+            <a:r>
+              <a:rPr lang="en-US" cap="none" dirty="0"/>
+              <a:t>Lyme Disease</a:t>
+            </a:r>
+          </a:p>
+          <a:p>
+            <a:pPr lvl="1"/>
+            <a:r>
+              <a:rPr lang="en-US" cap="none" dirty="0"/>
+              <a:t>Anaplasmosis/</a:t>
+            </a:r>
+          </a:p>
+          <a:p>
+            <a:r>
+              <a:rPr lang="en-US" cap="none" dirty="0"/>
+              <a:t>The rate of illnesses/diseases was compared to (watershed data/climate metrics here).</a:t>
+            </a:r>
+          </a:p>
+          <a:p>
+            <a:r>
+              <a:rPr lang="en-US" cap="none" dirty="0"/>
+              <a:t>Data was sourced from:</a:t>
+            </a:r>
+          </a:p>
+          <a:p>
+            <a:pPr lvl="1"/>
+            <a:r>
+              <a:rPr lang="en-US" cap="none" dirty="0"/>
+              <a:t>MN DNR</a:t>
+            </a:r>
+          </a:p>
+          <a:p>
+            <a:pPr lvl="1"/>
+            <a:r>
+              <a:rPr lang="en-US" cap="none" dirty="0"/>
+              <a:t>CDC</a:t>
+            </a:r>
+          </a:p>
+          <a:p>
+            <a:pPr lvl="1"/>
+            <a:r>
+              <a:rPr lang="en-US" cap="none" dirty="0"/>
+              <a:t>(cont. with all other sources)</a:t>
+            </a:r>
+          </a:p>
+          <a:p>
+            <a:r>
+              <a:rPr lang="en-US" cap="none" dirty="0"/>
+              <a:t>Questions to be asked of the data:</a:t>
+            </a:r>
+          </a:p>
+          <a:p>
+            <a:pPr marL="800100" lvl="1" indent="-342900">
+              <a:buFont typeface="+mj-lt"/>
+              <a:buAutoNum type="arabicPeriod"/>
+            </a:pPr>
+            <a:r>
+              <a:rPr lang="en-US" cap="none" dirty="0"/>
+              <a:t>How does (watershed/climate metric) relate to (rates of the individual diseases/illnesses) for different regions of Minnesota?</a:t>
+            </a:r>
+          </a:p>
+          <a:p>
+            <a:pPr marL="800100" lvl="1" indent="-342900">
+              <a:buFont typeface="+mj-lt"/>
+              <a:buAutoNum type="arabicPeriod"/>
+            </a:pPr>
+            <a:r>
+              <a:rPr lang="en-US" cap="none" dirty="0"/>
+              <a:t>Is there a change over time or change driven by some DNR treatment projects?</a:t>
+            </a:r>
+          </a:p>
+          <a:p>
+            <a:pPr marL="800100" lvl="1" indent="-342900">
+              <a:buFont typeface="+mj-lt"/>
+              <a:buAutoNum type="arabicPeriod"/>
+            </a:pPr>
+            <a:r>
+              <a:rPr lang="en-US" cap="none" dirty="0">
+                <a:solidFill>
+                  <a:srgbClr val="FF0000"/>
+                </a:solidFill>
+              </a:rPr>
+              <a:t>Probably don’t need a third question given larger scope analysis of the first two questions. Can update as we learn more.</a:t>
             </a:r>
           </a:p>
         </p:txBody>
@@ -3506,7 +6693,7 @@
     </p:spTree>
     <p:extLst>
       <p:ext uri="{BB962C8B-B14F-4D97-AF65-F5344CB8AC3E}">
-        <p14:creationId xmlns:p14="http://schemas.microsoft.com/office/powerpoint/2010/main" val="3755871048"/>
+        <p14:creationId xmlns:p14="http://schemas.microsoft.com/office/powerpoint/2010/main" val="558945909"/>
       </p:ext>
     </p:extLst>
   </p:cSld>
@@ -3560,8 +6747,8 @@
           <a:lstStyle/>
           <a:p>
             <a:r>
-              <a:rPr lang="en-US" dirty="0"/>
-              <a:t>Brainstorming</a:t>
+              <a:rPr lang="en-US" cap="none" dirty="0"/>
+              <a:t>Brainstorming notes</a:t>
             </a:r>
           </a:p>
         </p:txBody>
@@ -3593,26 +6780,71 @@
           <a:lstStyle/>
           <a:p>
             <a:r>
-              <a:rPr lang="en-US" dirty="0"/>
-              <a:t>Visual 1: </a:t>
-            </a:r>
-            <a:r>
-              <a:rPr lang="en-US" dirty="0" err="1"/>
-              <a:t>GeoMap</a:t>
-            </a:r>
-            <a:r>
-              <a:rPr lang="en-US" dirty="0"/>
-              <a:t> with 2 or 3 filters for layers. Heatmap with filters.</a:t>
-            </a:r>
-          </a:p>
-          <a:p>
-            <a:r>
-              <a:rPr lang="en-US" dirty="0"/>
-              <a:t>Visual 2: </a:t>
-            </a:r>
-          </a:p>
-          <a:p>
-            <a:endParaRPr lang="en-US" dirty="0"/>
+              <a:rPr lang="en-US" cap="none" dirty="0"/>
+              <a:t>Visual 1: GeoMap with 2 or 3 filters for layers. Heatmap with checkbox filters for layers:</a:t>
+            </a:r>
+          </a:p>
+          <a:p>
+            <a:pPr lvl="1"/>
+            <a:r>
+              <a:rPr lang="en-US" cap="none" dirty="0"/>
+              <a:t>Layers can show different illnesses heatmaps</a:t>
+            </a:r>
+          </a:p>
+          <a:p>
+            <a:pPr lvl="1"/>
+            <a:r>
+              <a:rPr lang="en-US" cap="none" dirty="0"/>
+              <a:t>Base layer to show concentration of mosquitoes and/or ticks as datasets allow</a:t>
+            </a:r>
+          </a:p>
+          <a:p>
+            <a:r>
+              <a:rPr lang="en-US" cap="none" dirty="0"/>
+              <a:t>Visual 2: Climate visual of some kind?</a:t>
+            </a:r>
+          </a:p>
+          <a:p>
+            <a:pPr lvl="1"/>
+            <a:r>
+              <a:rPr lang="en-US" cap="none" dirty="0"/>
+              <a:t>Maybe line graphs of average temperatures per specific regions in MN?</a:t>
+            </a:r>
+          </a:p>
+          <a:p>
+            <a:pPr lvl="1"/>
+            <a:r>
+              <a:rPr lang="en-US" cap="none" dirty="0"/>
+              <a:t>Need to figure out how we measure and display climate change. Avg temps, max temps, regional etc.</a:t>
+            </a:r>
+          </a:p>
+          <a:p>
+            <a:r>
+              <a:rPr lang="en-US" cap="none" dirty="0"/>
+              <a:t>Visual 3: </a:t>
+            </a:r>
+            <a:r>
+              <a:rPr lang="en-US" cap="none" dirty="0">
+                <a:solidFill>
+                  <a:srgbClr val="FF0000"/>
+                </a:solidFill>
+              </a:rPr>
+              <a:t>Need to figure this one out.</a:t>
+            </a:r>
+          </a:p>
+          <a:p>
+            <a:pPr lvl="1"/>
+            <a:r>
+              <a:rPr lang="en-US" cap="none" dirty="0"/>
+              <a:t>Maybe display watershed data somehow? Count of watershed projects per area? Just some thoughts.</a:t>
+            </a:r>
+          </a:p>
+          <a:p>
+            <a:pPr lvl="1"/>
+            <a:r>
+              <a:rPr lang="en-US" cap="none" dirty="0"/>
+              <a:t>Might be something as simple as a Pareto bar chart of the most prevalent illnesses in Minnesota. That would be a good start to the presentation to show how we narrowed in on our map data visualizations.</a:t>
+            </a:r>
           </a:p>
         </p:txBody>
       </p:sp>
@@ -3651,7 +6883,7 @@
           <p:cNvPr id="2" name="Title 1">
             <a:extLst>
               <a:ext uri="{FF2B5EF4-FFF2-40B4-BE49-F238E27FC236}">
-                <a16:creationId xmlns:a16="http://schemas.microsoft.com/office/drawing/2014/main" id="{C245470E-91BE-271B-B963-8E89C76B0976}"/>
+                <a16:creationId xmlns:a16="http://schemas.microsoft.com/office/drawing/2014/main" id="{8872C89C-B66B-5120-6244-83640E945E97}"/>
               </a:ext>
             </a:extLst>
           </p:cNvPr>
@@ -3664,17 +6896,19 @@
         </p:nvSpPr>
         <p:spPr>
           <a:xfrm>
-            <a:off x="838200" y="136525"/>
-            <a:ext cx="10515600" cy="1325563"/>
-          </a:xfrm>
-        </p:spPr>
-        <p:txBody>
-          <a:bodyPr/>
-          <a:lstStyle/>
-          <a:p>
-            <a:r>
-              <a:rPr lang="en-US" dirty="0"/>
-              <a:t>Scope and Purpose</a:t>
+            <a:off x="291786" y="167667"/>
+            <a:ext cx="11608425" cy="981683"/>
+          </a:xfrm>
+        </p:spPr>
+        <p:txBody>
+          <a:bodyPr>
+            <a:normAutofit/>
+          </a:bodyPr>
+          <a:lstStyle/>
+          <a:p>
+            <a:r>
+              <a:rPr lang="en-US" cap="none" dirty="0"/>
+              <a:t>Rubric and requirements for grading</a:t>
             </a:r>
           </a:p>
         </p:txBody>
@@ -3684,7 +6918,7 @@
           <p:cNvPr id="3" name="Content Placeholder 2">
             <a:extLst>
               <a:ext uri="{FF2B5EF4-FFF2-40B4-BE49-F238E27FC236}">
-                <a16:creationId xmlns:a16="http://schemas.microsoft.com/office/drawing/2014/main" id="{7B9E9375-5296-DC29-23D2-3D403FE074DA}"/>
+                <a16:creationId xmlns:a16="http://schemas.microsoft.com/office/drawing/2014/main" id="{67C32DAD-B2EF-9CD7-72D2-DDC7D5911691}"/>
               </a:ext>
             </a:extLst>
           </p:cNvPr>
@@ -3697,141 +6931,272 @@
         </p:nvSpPr>
         <p:spPr>
           <a:xfrm>
-            <a:off x="838200" y="1238250"/>
-            <a:ext cx="10515600" cy="4938713"/>
-          </a:xfrm>
+            <a:off x="291788" y="1149351"/>
+            <a:ext cx="11608425" cy="914400"/>
+          </a:xfrm>
+          <a:solidFill>
+            <a:schemeClr val="bg1"/>
+          </a:solidFill>
+          <a:ln>
+            <a:solidFill>
+              <a:schemeClr val="tx1"/>
+            </a:solidFill>
+          </a:ln>
         </p:spPr>
         <p:txBody>
           <a:bodyPr>
-            <a:normAutofit fontScale="77500" lnSpcReduction="20000"/>
+            <a:normAutofit/>
           </a:bodyPr>
           <a:lstStyle/>
           <a:p>
+            <a:pPr marL="0" indent="0">
+              <a:buNone/>
+            </a:pPr>
+            <a:r>
+              <a:rPr lang="en-US" sz="2400" cap="none" dirty="0"/>
+              <a:t>Data and Delivery (25 points)</a:t>
+            </a:r>
+          </a:p>
+        </p:txBody>
+      </p:sp>
+      <p:sp>
+        <p:nvSpPr>
+          <p:cNvPr id="9" name="TextBox 8">
+            <a:extLst>
+              <a:ext uri="{FF2B5EF4-FFF2-40B4-BE49-F238E27FC236}">
+                <a16:creationId xmlns:a16="http://schemas.microsoft.com/office/drawing/2014/main" id="{6861424D-05DB-15F0-96F9-4DF7E2AC7948}"/>
+              </a:ext>
+            </a:extLst>
+          </p:cNvPr>
+          <p:cNvSpPr txBox="1"/>
+          <p:nvPr/>
+        </p:nvSpPr>
+        <p:spPr>
+          <a:xfrm>
+            <a:off x="6191250" y="2131033"/>
+            <a:ext cx="5708963" cy="3970318"/>
+          </a:xfrm>
+          <a:prstGeom prst="rect">
+            <a:avLst/>
+          </a:prstGeom>
+          <a:solidFill>
+            <a:schemeClr val="bg1"/>
+          </a:solidFill>
+        </p:spPr>
+        <p:txBody>
+          <a:bodyPr wrap="square" rtlCol="0">
+            <a:spAutoFit/>
+          </a:bodyPr>
+          <a:lstStyle/>
+          <a:p>
             <a:r>
               <a:rPr lang="en-US" dirty="0"/>
-              <a:t>This project is to analyze (trends/changes) in (bug-delivered diseases)</a:t>
-            </a:r>
-          </a:p>
-          <a:p>
-            <a:r>
-              <a:rPr lang="en-US" dirty="0"/>
-              <a:t>The project data is limited (scoped) to the state of Minnesota for the diseases (</a:t>
-            </a:r>
-            <a:r>
-              <a:rPr lang="en-US" dirty="0">
-                <a:solidFill>
-                  <a:srgbClr val="FF0000"/>
-                </a:solidFill>
-              </a:rPr>
-              <a:t>top 3 diseases/illnesses here</a:t>
-            </a:r>
-            <a:r>
-              <a:rPr lang="en-US" dirty="0"/>
-              <a:t>).</a:t>
-            </a:r>
-          </a:p>
-          <a:p>
-            <a:pPr marL="914400" lvl="1" indent="-457200">
-              <a:buFont typeface="+mj-lt"/>
-              <a:buAutoNum type="arabicPeriod"/>
-            </a:pPr>
-            <a:r>
-              <a:rPr lang="en-US" sz="2800" dirty="0"/>
-              <a:t>West Nile Virus (WNV)</a:t>
-            </a:r>
-          </a:p>
-          <a:p>
-            <a:pPr marL="914400" lvl="1" indent="-457200">
-              <a:buFont typeface="+mj-lt"/>
-              <a:buAutoNum type="arabicPeriod"/>
-            </a:pPr>
-            <a:r>
-              <a:rPr lang="en-US" sz="2800" dirty="0"/>
-              <a:t>Lyme Disease</a:t>
-            </a:r>
-          </a:p>
-          <a:p>
-            <a:pPr marL="914400" lvl="1" indent="-457200">
-              <a:buFont typeface="+mj-lt"/>
-              <a:buAutoNum type="arabicPeriod"/>
-            </a:pPr>
-            <a:r>
-              <a:rPr lang="en-US" sz="2800" dirty="0"/>
-              <a:t>Anaplasmosis</a:t>
-            </a:r>
-          </a:p>
-          <a:p>
-            <a:r>
-              <a:rPr lang="en-US" dirty="0"/>
-              <a:t>The rate of illnesses/diseases was compared to (watershed data/climate metrics here).</a:t>
-            </a:r>
-          </a:p>
-          <a:p>
-            <a:r>
-              <a:rPr lang="en-US" dirty="0"/>
-              <a:t>Data was sourced from:</a:t>
-            </a:r>
-          </a:p>
-          <a:p>
-            <a:pPr lvl="1"/>
-            <a:r>
-              <a:rPr lang="en-US" sz="2800" dirty="0"/>
-              <a:t>MN DNR</a:t>
-            </a:r>
-          </a:p>
-          <a:p>
-            <a:pPr lvl="1"/>
-            <a:r>
-              <a:rPr lang="en-US" sz="2800" dirty="0"/>
-              <a:t>CDC</a:t>
-            </a:r>
-          </a:p>
-          <a:p>
-            <a:pPr lvl="1"/>
-            <a:r>
-              <a:rPr lang="en-US" sz="2800" dirty="0"/>
-              <a:t>(others here)</a:t>
-            </a:r>
-          </a:p>
-          <a:p>
-            <a:r>
-              <a:rPr lang="en-US" dirty="0"/>
-              <a:t>Questions to be asked of the data:</a:t>
-            </a:r>
-          </a:p>
-          <a:p>
-            <a:pPr marL="514350" indent="-514350">
-              <a:buFont typeface="+mj-lt"/>
-              <a:buAutoNum type="arabicParenR"/>
-            </a:pPr>
-            <a:r>
-              <a:rPr lang="en-US" dirty="0"/>
-              <a:t>How does (watershed/climate metric) relate to (rates of the individual diseases/illnesses.</a:t>
-            </a:r>
-          </a:p>
-          <a:p>
-            <a:pPr marL="514350" indent="-514350">
-              <a:buFont typeface="+mj-lt"/>
-              <a:buAutoNum type="arabicParenR"/>
-            </a:pPr>
-            <a:r>
-              <a:rPr lang="en-US" dirty="0"/>
-              <a:t>Is there a change over time or change driven by some DNR treatment.</a:t>
-            </a:r>
-          </a:p>
-          <a:p>
-            <a:pPr marL="514350" indent="-514350">
-              <a:buFont typeface="+mj-lt"/>
-              <a:buAutoNum type="arabicParenR"/>
-            </a:pPr>
+              <a:t>(Delegated actions here as applicable)</a:t>
+            </a:r>
+          </a:p>
+          <a:p>
             <a:endParaRPr lang="en-US" dirty="0"/>
           </a:p>
+          <a:p>
+            <a:endParaRPr lang="en-US" dirty="0"/>
+          </a:p>
+          <a:p>
+            <a:endParaRPr lang="en-US" dirty="0"/>
+          </a:p>
+          <a:p>
+            <a:endParaRPr lang="en-US" dirty="0"/>
+          </a:p>
+          <a:p>
+            <a:endParaRPr lang="en-US" dirty="0"/>
+          </a:p>
+          <a:p>
+            <a:endParaRPr lang="en-US" dirty="0"/>
+          </a:p>
+          <a:p>
+            <a:endParaRPr lang="en-US" dirty="0"/>
+          </a:p>
+          <a:p>
+            <a:endParaRPr lang="en-US" dirty="0"/>
+          </a:p>
+          <a:p>
+            <a:endParaRPr lang="en-US" dirty="0"/>
+          </a:p>
+          <a:p>
+            <a:endParaRPr lang="en-US" dirty="0"/>
+          </a:p>
+          <a:p>
+            <a:endParaRPr lang="en-US" dirty="0"/>
+          </a:p>
+          <a:p>
+            <a:endParaRPr lang="en-US" dirty="0"/>
+          </a:p>
+          <a:p>
+            <a:endParaRPr lang="en-US" dirty="0"/>
+          </a:p>
         </p:txBody>
       </p:sp>
     </p:spTree>
+    <p:controls>
+      <mc:AlternateContent xmlns:mc="http://schemas.openxmlformats.org/markup-compatibility/2006">
+        <mc:Choice xmlns:v="urn:schemas-microsoft-com:vml" Requires="v">
+          <p:control name="CheckBox1" r:id="rId1" imgW="5800680" imgH="914400"/>
+        </mc:Choice>
+        <mc:Fallback>
+          <p:control name="CheckBox1" r:id="rId1" imgW="5800680" imgH="914400">
+            <p:pic>
+              <p:nvPicPr>
+                <p:cNvPr id="5" name="CheckBox1">
+                  <a:extLst>
+                    <a:ext uri="{FF2B5EF4-FFF2-40B4-BE49-F238E27FC236}">
+                      <a16:creationId xmlns:a16="http://schemas.microsoft.com/office/drawing/2014/main" id="{0054213D-03C8-477A-DD38-FA1DBCEB4F5B}"/>
+                    </a:ext>
+                  </a:extLst>
+                </p:cNvPr>
+                <p:cNvPicPr>
+                  <a:picLocks/>
+                </p:cNvPicPr>
+                <p:nvPr/>
+              </p:nvPicPr>
+              <p:blipFill>
+                <a:blip r:embed="rId6"/>
+                <a:stretch>
+                  <a:fillRect/>
+                </a:stretch>
+              </p:blipFill>
+              <p:spPr>
+                <a:xfrm>
+                  <a:off x="291786" y="2131033"/>
+                  <a:ext cx="5804213" cy="914400"/>
+                </a:xfrm>
+                <a:prstGeom prst="rect">
+                  <a:avLst/>
+                </a:prstGeom>
+              </p:spPr>
+            </p:pic>
+          </p:control>
+        </mc:Fallback>
+      </mc:AlternateContent>
+      <mc:AlternateContent xmlns:mc="http://schemas.openxmlformats.org/markup-compatibility/2006">
+        <mc:Choice xmlns:v="urn:schemas-microsoft-com:vml" Requires="v">
+          <p:control name="CheckBox2" r:id="rId2" imgW="5800680" imgH="914400"/>
+        </mc:Choice>
+        <mc:Fallback>
+          <p:control name="CheckBox2" r:id="rId2" imgW="5800680" imgH="914400">
+            <p:pic>
+              <p:nvPicPr>
+                <p:cNvPr id="6" name="CheckBox2">
+                  <a:extLst>
+                    <a:ext uri="{FF2B5EF4-FFF2-40B4-BE49-F238E27FC236}">
+                      <a16:creationId xmlns:a16="http://schemas.microsoft.com/office/drawing/2014/main" id="{2CC88187-3CB9-DB25-4E2E-53B00DE4BB00}"/>
+                    </a:ext>
+                  </a:extLst>
+                </p:cNvPr>
+                <p:cNvPicPr>
+                  <a:picLocks/>
+                </p:cNvPicPr>
+                <p:nvPr/>
+              </p:nvPicPr>
+              <p:blipFill>
+                <a:blip r:embed="rId7"/>
+                <a:stretch>
+                  <a:fillRect/>
+                </a:stretch>
+              </p:blipFill>
+              <p:spPr>
+                <a:xfrm>
+                  <a:off x="291787" y="3112716"/>
+                  <a:ext cx="5804212" cy="914400"/>
+                </a:xfrm>
+                <a:prstGeom prst="rect">
+                  <a:avLst/>
+                </a:prstGeom>
+              </p:spPr>
+            </p:pic>
+          </p:control>
+        </mc:Fallback>
+      </mc:AlternateContent>
+      <mc:AlternateContent xmlns:mc="http://schemas.openxmlformats.org/markup-compatibility/2006">
+        <mc:Choice xmlns:v="urn:schemas-microsoft-com:vml" Requires="v">
+          <p:control name="CheckBox3" r:id="rId3" imgW="5800680" imgH="914400"/>
+        </mc:Choice>
+        <mc:Fallback>
+          <p:control name="CheckBox3" r:id="rId3" imgW="5800680" imgH="914400">
+            <p:pic>
+              <p:nvPicPr>
+                <p:cNvPr id="7" name="CheckBox3">
+                  <a:extLst>
+                    <a:ext uri="{FF2B5EF4-FFF2-40B4-BE49-F238E27FC236}">
+                      <a16:creationId xmlns:a16="http://schemas.microsoft.com/office/drawing/2014/main" id="{DFFBFC26-4385-E788-2DB4-5646F5363B57}"/>
+                    </a:ext>
+                  </a:extLst>
+                </p:cNvPr>
+                <p:cNvPicPr>
+                  <a:picLocks/>
+                </p:cNvPicPr>
+                <p:nvPr/>
+              </p:nvPicPr>
+              <p:blipFill>
+                <a:blip r:embed="rId8"/>
+                <a:stretch>
+                  <a:fillRect/>
+                </a:stretch>
+              </p:blipFill>
+              <p:spPr>
+                <a:xfrm>
+                  <a:off x="291786" y="4094399"/>
+                  <a:ext cx="5804211" cy="914400"/>
+                </a:xfrm>
+                <a:prstGeom prst="rect">
+                  <a:avLst/>
+                </a:prstGeom>
+              </p:spPr>
+            </p:pic>
+          </p:control>
+        </mc:Fallback>
+      </mc:AlternateContent>
+      <mc:AlternateContent xmlns:mc="http://schemas.openxmlformats.org/markup-compatibility/2006">
+        <mc:Choice xmlns:v="urn:schemas-microsoft-com:vml" Requires="v">
+          <p:control name="CheckBox4" r:id="rId4" imgW="5800680" imgH="914400"/>
+        </mc:Choice>
+        <mc:Fallback>
+          <p:control name="CheckBox4" r:id="rId4" imgW="5800680" imgH="914400">
+            <p:pic>
+              <p:nvPicPr>
+                <p:cNvPr id="8" name="CheckBox4">
+                  <a:extLst>
+                    <a:ext uri="{FF2B5EF4-FFF2-40B4-BE49-F238E27FC236}">
+                      <a16:creationId xmlns:a16="http://schemas.microsoft.com/office/drawing/2014/main" id="{9E69B93A-409E-31A5-3598-FE6487DE2C78}"/>
+                    </a:ext>
+                  </a:extLst>
+                </p:cNvPr>
+                <p:cNvPicPr>
+                  <a:picLocks/>
+                </p:cNvPicPr>
+                <p:nvPr/>
+              </p:nvPicPr>
+              <p:blipFill>
+                <a:blip r:embed="rId9"/>
+                <a:stretch>
+                  <a:fillRect/>
+                </a:stretch>
+              </p:blipFill>
+              <p:spPr>
+                <a:xfrm>
+                  <a:off x="291786" y="5076082"/>
+                  <a:ext cx="5804211" cy="914400"/>
+                </a:xfrm>
+                <a:prstGeom prst="rect">
+                  <a:avLst/>
+                </a:prstGeom>
+              </p:spPr>
+            </p:pic>
+          </p:control>
+        </mc:Fallback>
+      </mc:AlternateContent>
+    </p:controls>
     <p:extLst>
       <p:ext uri="{BB962C8B-B14F-4D97-AF65-F5344CB8AC3E}">
-        <p14:creationId xmlns:p14="http://schemas.microsoft.com/office/powerpoint/2010/main" val="2286909016"/>
+        <p14:creationId xmlns:p14="http://schemas.microsoft.com/office/powerpoint/2010/main" val="969897023"/>
       </p:ext>
     </p:extLst>
   </p:cSld>
@@ -3874,14 +7239,21 @@
             <p:ph type="title"/>
           </p:nvPr>
         </p:nvSpPr>
-        <p:spPr/>
-        <p:txBody>
-          <a:bodyPr/>
-          <a:lstStyle/>
-          <a:p>
-            <a:r>
-              <a:rPr lang="en-US" dirty="0"/>
-              <a:t>Rubric and requirements for project</a:t>
+        <p:spPr>
+          <a:xfrm>
+            <a:off x="291786" y="167667"/>
+            <a:ext cx="11608425" cy="981683"/>
+          </a:xfrm>
+        </p:spPr>
+        <p:txBody>
+          <a:bodyPr>
+            <a:normAutofit/>
+          </a:bodyPr>
+          <a:lstStyle/>
+          <a:p>
+            <a:r>
+              <a:rPr lang="en-US" cap="none" dirty="0"/>
+              <a:t>Rubric and requirements</a:t>
             </a:r>
           </a:p>
         </p:txBody>
@@ -3902,26 +7274,954 @@
             <p:ph idx="1"/>
           </p:nvPr>
         </p:nvSpPr>
-        <p:spPr/>
-        <p:txBody>
-          <a:bodyPr/>
-          <a:lstStyle/>
-          <a:p>
-            <a:r>
-              <a:rPr lang="en-US" dirty="0">
-                <a:solidFill>
-                  <a:srgbClr val="FF0000"/>
-                </a:solidFill>
-              </a:rPr>
-              <a:t>Split out the work by teammates here as well.</a:t>
-            </a:r>
+        <p:spPr>
+          <a:xfrm>
+            <a:off x="291788" y="1149351"/>
+            <a:ext cx="11608425" cy="914400"/>
+          </a:xfrm>
+          <a:solidFill>
+            <a:schemeClr val="bg1"/>
+          </a:solidFill>
+          <a:ln>
+            <a:solidFill>
+              <a:schemeClr val="tx1"/>
+            </a:solidFill>
+          </a:ln>
+        </p:spPr>
+        <p:txBody>
+          <a:bodyPr>
+            <a:normAutofit/>
+          </a:bodyPr>
+          <a:lstStyle/>
+          <a:p>
+            <a:pPr marL="0" indent="0">
+              <a:buNone/>
+            </a:pPr>
+            <a:r>
+              <a:rPr lang="en-US" sz="2400" cap="none" dirty="0"/>
+              <a:t>Back End (25 points)</a:t>
+            </a:r>
+          </a:p>
+        </p:txBody>
+      </p:sp>
+      <p:sp>
+        <p:nvSpPr>
+          <p:cNvPr id="9" name="TextBox 8">
+            <a:extLst>
+              <a:ext uri="{FF2B5EF4-FFF2-40B4-BE49-F238E27FC236}">
+                <a16:creationId xmlns:a16="http://schemas.microsoft.com/office/drawing/2014/main" id="{6861424D-05DB-15F0-96F9-4DF7E2AC7948}"/>
+              </a:ext>
+            </a:extLst>
+          </p:cNvPr>
+          <p:cNvSpPr txBox="1"/>
+          <p:nvPr/>
+        </p:nvSpPr>
+        <p:spPr>
+          <a:xfrm>
+            <a:off x="6191250" y="2131033"/>
+            <a:ext cx="5708963" cy="3970318"/>
+          </a:xfrm>
+          <a:prstGeom prst="rect">
+            <a:avLst/>
+          </a:prstGeom>
+          <a:solidFill>
+            <a:schemeClr val="bg1"/>
+          </a:solidFill>
+        </p:spPr>
+        <p:txBody>
+          <a:bodyPr wrap="square" rtlCol="0">
+            <a:spAutoFit/>
+          </a:bodyPr>
+          <a:lstStyle/>
+          <a:p>
+            <a:r>
+              <a:rPr lang="en-US" dirty="0"/>
+              <a:t>(Delegated actions here as applicable)</a:t>
+            </a:r>
+          </a:p>
+          <a:p>
+            <a:endParaRPr lang="en-US" dirty="0"/>
+          </a:p>
+          <a:p>
+            <a:endParaRPr lang="en-US" dirty="0"/>
+          </a:p>
+          <a:p>
+            <a:endParaRPr lang="en-US" dirty="0"/>
+          </a:p>
+          <a:p>
+            <a:endParaRPr lang="en-US" dirty="0"/>
+          </a:p>
+          <a:p>
+            <a:endParaRPr lang="en-US" dirty="0"/>
+          </a:p>
+          <a:p>
+            <a:endParaRPr lang="en-US" dirty="0"/>
+          </a:p>
+          <a:p>
+            <a:endParaRPr lang="en-US" dirty="0"/>
+          </a:p>
+          <a:p>
+            <a:endParaRPr lang="en-US" dirty="0"/>
+          </a:p>
+          <a:p>
+            <a:endParaRPr lang="en-US" dirty="0"/>
+          </a:p>
+          <a:p>
+            <a:endParaRPr lang="en-US" dirty="0"/>
+          </a:p>
+          <a:p>
+            <a:endParaRPr lang="en-US" dirty="0"/>
+          </a:p>
+          <a:p>
+            <a:endParaRPr lang="en-US" dirty="0"/>
+          </a:p>
+          <a:p>
+            <a:endParaRPr lang="en-US" dirty="0"/>
           </a:p>
         </p:txBody>
       </p:sp>
     </p:spTree>
+    <p:controls>
+      <mc:AlternateContent xmlns:mc="http://schemas.openxmlformats.org/markup-compatibility/2006">
+        <mc:Choice xmlns:v="urn:schemas-microsoft-com:vml" Requires="v">
+          <p:control name="CheckBox1" r:id="rId1" imgW="5800680" imgH="914400"/>
+        </mc:Choice>
+        <mc:Fallback>
+          <p:control name="CheckBox1" r:id="rId1" imgW="5800680" imgH="914400">
+            <p:pic>
+              <p:nvPicPr>
+                <p:cNvPr id="5" name="CheckBox1">
+                  <a:extLst>
+                    <a:ext uri="{FF2B5EF4-FFF2-40B4-BE49-F238E27FC236}">
+                      <a16:creationId xmlns:a16="http://schemas.microsoft.com/office/drawing/2014/main" id="{0054213D-03C8-477A-DD38-FA1DBCEB4F5B}"/>
+                    </a:ext>
+                  </a:extLst>
+                </p:cNvPr>
+                <p:cNvPicPr>
+                  <a:picLocks/>
+                </p:cNvPicPr>
+                <p:nvPr/>
+              </p:nvPicPr>
+              <p:blipFill>
+                <a:blip r:embed="rId7"/>
+                <a:stretch>
+                  <a:fillRect/>
+                </a:stretch>
+              </p:blipFill>
+              <p:spPr>
+                <a:xfrm>
+                  <a:off x="291786" y="2131033"/>
+                  <a:ext cx="5804213" cy="914400"/>
+                </a:xfrm>
+                <a:prstGeom prst="rect">
+                  <a:avLst/>
+                </a:prstGeom>
+              </p:spPr>
+            </p:pic>
+          </p:control>
+        </mc:Fallback>
+      </mc:AlternateContent>
+      <mc:AlternateContent xmlns:mc="http://schemas.openxmlformats.org/markup-compatibility/2006">
+        <mc:Choice xmlns:v="urn:schemas-microsoft-com:vml" Requires="v">
+          <p:control name="CheckBox2" r:id="rId2" imgW="5800680" imgH="914400"/>
+        </mc:Choice>
+        <mc:Fallback>
+          <p:control name="CheckBox2" r:id="rId2" imgW="5800680" imgH="914400">
+            <p:pic>
+              <p:nvPicPr>
+                <p:cNvPr id="6" name="CheckBox2">
+                  <a:extLst>
+                    <a:ext uri="{FF2B5EF4-FFF2-40B4-BE49-F238E27FC236}">
+                      <a16:creationId xmlns:a16="http://schemas.microsoft.com/office/drawing/2014/main" id="{2CC88187-3CB9-DB25-4E2E-53B00DE4BB00}"/>
+                    </a:ext>
+                  </a:extLst>
+                </p:cNvPr>
+                <p:cNvPicPr>
+                  <a:picLocks/>
+                </p:cNvPicPr>
+                <p:nvPr/>
+              </p:nvPicPr>
+              <p:blipFill>
+                <a:blip r:embed="rId8"/>
+                <a:stretch>
+                  <a:fillRect/>
+                </a:stretch>
+              </p:blipFill>
+              <p:spPr>
+                <a:xfrm>
+                  <a:off x="291787" y="3112716"/>
+                  <a:ext cx="5804212" cy="914400"/>
+                </a:xfrm>
+                <a:prstGeom prst="rect">
+                  <a:avLst/>
+                </a:prstGeom>
+              </p:spPr>
+            </p:pic>
+          </p:control>
+        </mc:Fallback>
+      </mc:AlternateContent>
+      <mc:AlternateContent xmlns:mc="http://schemas.openxmlformats.org/markup-compatibility/2006">
+        <mc:Choice xmlns:v="urn:schemas-microsoft-com:vml" Requires="v">
+          <p:control name="CheckBox3" r:id="rId3" imgW="5800680" imgH="914400"/>
+        </mc:Choice>
+        <mc:Fallback>
+          <p:control name="CheckBox3" r:id="rId3" imgW="5800680" imgH="914400">
+            <p:pic>
+              <p:nvPicPr>
+                <p:cNvPr id="7" name="CheckBox3">
+                  <a:extLst>
+                    <a:ext uri="{FF2B5EF4-FFF2-40B4-BE49-F238E27FC236}">
+                      <a16:creationId xmlns:a16="http://schemas.microsoft.com/office/drawing/2014/main" id="{DFFBFC26-4385-E788-2DB4-5646F5363B57}"/>
+                    </a:ext>
+                  </a:extLst>
+                </p:cNvPr>
+                <p:cNvPicPr>
+                  <a:picLocks/>
+                </p:cNvPicPr>
+                <p:nvPr/>
+              </p:nvPicPr>
+              <p:blipFill>
+                <a:blip r:embed="rId9"/>
+                <a:stretch>
+                  <a:fillRect/>
+                </a:stretch>
+              </p:blipFill>
+              <p:spPr>
+                <a:xfrm>
+                  <a:off x="291786" y="4094399"/>
+                  <a:ext cx="5804211" cy="914400"/>
+                </a:xfrm>
+                <a:prstGeom prst="rect">
+                  <a:avLst/>
+                </a:prstGeom>
+              </p:spPr>
+            </p:pic>
+          </p:control>
+        </mc:Fallback>
+      </mc:AlternateContent>
+      <mc:AlternateContent xmlns:mc="http://schemas.openxmlformats.org/markup-compatibility/2006">
+        <mc:Choice xmlns:v="urn:schemas-microsoft-com:vml" Requires="v">
+          <p:control name="CheckBox4" r:id="rId4" imgW="5591160" imgH="781200"/>
+        </mc:Choice>
+        <mc:Fallback>
+          <p:control name="CheckBox4" r:id="rId4" imgW="5591160" imgH="781200">
+            <p:pic>
+              <p:nvPicPr>
+                <p:cNvPr id="8" name="CheckBox4">
+                  <a:extLst>
+                    <a:ext uri="{FF2B5EF4-FFF2-40B4-BE49-F238E27FC236}">
+                      <a16:creationId xmlns:a16="http://schemas.microsoft.com/office/drawing/2014/main" id="{9E69B93A-409E-31A5-3598-FE6487DE2C78}"/>
+                    </a:ext>
+                  </a:extLst>
+                </p:cNvPr>
+                <p:cNvPicPr>
+                  <a:picLocks/>
+                </p:cNvPicPr>
+                <p:nvPr/>
+              </p:nvPicPr>
+              <p:blipFill>
+                <a:blip r:embed="rId10"/>
+                <a:stretch>
+                  <a:fillRect/>
+                </a:stretch>
+              </p:blipFill>
+              <p:spPr>
+                <a:xfrm>
+                  <a:off x="507999" y="5092835"/>
+                  <a:ext cx="5587998" cy="783482"/>
+                </a:xfrm>
+                <a:prstGeom prst="rect">
+                  <a:avLst/>
+                </a:prstGeom>
+              </p:spPr>
+            </p:pic>
+          </p:control>
+        </mc:Fallback>
+      </mc:AlternateContent>
+      <mc:AlternateContent xmlns:mc="http://schemas.openxmlformats.org/markup-compatibility/2006">
+        <mc:Choice xmlns:v="urn:schemas-microsoft-com:vml" Requires="v">
+          <p:control name="CheckBox5" r:id="rId5" imgW="5591160" imgH="781200"/>
+        </mc:Choice>
+        <mc:Fallback>
+          <p:control name="CheckBox5" r:id="rId5" imgW="5591160" imgH="781200">
+            <p:pic>
+              <p:nvPicPr>
+                <p:cNvPr id="4" name="CheckBox5">
+                  <a:extLst>
+                    <a:ext uri="{FF2B5EF4-FFF2-40B4-BE49-F238E27FC236}">
+                      <a16:creationId xmlns:a16="http://schemas.microsoft.com/office/drawing/2014/main" id="{82E3422B-C6BF-8514-EF9E-43845A198CC1}"/>
+                    </a:ext>
+                  </a:extLst>
+                </p:cNvPr>
+                <p:cNvPicPr>
+                  <a:picLocks/>
+                </p:cNvPicPr>
+                <p:nvPr/>
+              </p:nvPicPr>
+              <p:blipFill>
+                <a:blip r:embed="rId11"/>
+                <a:stretch>
+                  <a:fillRect/>
+                </a:stretch>
+              </p:blipFill>
+              <p:spPr>
+                <a:xfrm>
+                  <a:off x="507999" y="5960353"/>
+                  <a:ext cx="5587998" cy="783482"/>
+                </a:xfrm>
+                <a:prstGeom prst="rect">
+                  <a:avLst/>
+                </a:prstGeom>
+              </p:spPr>
+            </p:pic>
+          </p:control>
+        </mc:Fallback>
+      </mc:AlternateContent>
+    </p:controls>
     <p:extLst>
       <p:ext uri="{BB962C8B-B14F-4D97-AF65-F5344CB8AC3E}">
-        <p14:creationId xmlns:p14="http://schemas.microsoft.com/office/powerpoint/2010/main" val="969897023"/>
+        <p14:creationId xmlns:p14="http://schemas.microsoft.com/office/powerpoint/2010/main" val="2139589891"/>
+      </p:ext>
+    </p:extLst>
+  </p:cSld>
+  <p:clrMapOvr>
+    <a:masterClrMapping/>
+  </p:clrMapOvr>
+</p:sld>
+</file>
+
+<file path=ppt/slides/slide6.xml><?xml version="1.0" encoding="utf-8"?>
+<p:sld xmlns:a="http://schemas.openxmlformats.org/drawingml/2006/main" xmlns:r="http://schemas.openxmlformats.org/officeDocument/2006/relationships" xmlns:p="http://schemas.openxmlformats.org/presentationml/2006/main">
+  <p:cSld>
+    <p:spTree>
+      <p:nvGrpSpPr>
+        <p:cNvPr id="1" name=""/>
+        <p:cNvGrpSpPr/>
+        <p:nvPr/>
+      </p:nvGrpSpPr>
+      <p:grpSpPr>
+        <a:xfrm>
+          <a:off x="0" y="0"/>
+          <a:ext cx="0" cy="0"/>
+          <a:chOff x="0" y="0"/>
+          <a:chExt cx="0" cy="0"/>
+        </a:xfrm>
+      </p:grpSpPr>
+      <p:sp>
+        <p:nvSpPr>
+          <p:cNvPr id="2" name="Title 1">
+            <a:extLst>
+              <a:ext uri="{FF2B5EF4-FFF2-40B4-BE49-F238E27FC236}">
+                <a16:creationId xmlns:a16="http://schemas.microsoft.com/office/drawing/2014/main" id="{8872C89C-B66B-5120-6244-83640E945E97}"/>
+              </a:ext>
+            </a:extLst>
+          </p:cNvPr>
+          <p:cNvSpPr>
+            <a:spLocks noGrp="1"/>
+          </p:cNvSpPr>
+          <p:nvPr>
+            <p:ph type="title"/>
+          </p:nvPr>
+        </p:nvSpPr>
+        <p:spPr>
+          <a:xfrm>
+            <a:off x="291786" y="167667"/>
+            <a:ext cx="11608425" cy="981683"/>
+          </a:xfrm>
+        </p:spPr>
+        <p:txBody>
+          <a:bodyPr>
+            <a:normAutofit/>
+          </a:bodyPr>
+          <a:lstStyle/>
+          <a:p>
+            <a:r>
+              <a:rPr lang="en-US" cap="none" dirty="0"/>
+              <a:t>Rubric and requirements</a:t>
+            </a:r>
+          </a:p>
+        </p:txBody>
+      </p:sp>
+      <p:sp>
+        <p:nvSpPr>
+          <p:cNvPr id="3" name="Content Placeholder 2">
+            <a:extLst>
+              <a:ext uri="{FF2B5EF4-FFF2-40B4-BE49-F238E27FC236}">
+                <a16:creationId xmlns:a16="http://schemas.microsoft.com/office/drawing/2014/main" id="{67C32DAD-B2EF-9CD7-72D2-DDC7D5911691}"/>
+              </a:ext>
+            </a:extLst>
+          </p:cNvPr>
+          <p:cNvSpPr>
+            <a:spLocks noGrp="1"/>
+          </p:cNvSpPr>
+          <p:nvPr>
+            <p:ph idx="1"/>
+          </p:nvPr>
+        </p:nvSpPr>
+        <p:spPr>
+          <a:xfrm>
+            <a:off x="291788" y="1149351"/>
+            <a:ext cx="11608425" cy="914400"/>
+          </a:xfrm>
+          <a:solidFill>
+            <a:schemeClr val="bg1"/>
+          </a:solidFill>
+          <a:ln>
+            <a:solidFill>
+              <a:schemeClr val="tx1"/>
+            </a:solidFill>
+          </a:ln>
+        </p:spPr>
+        <p:txBody>
+          <a:bodyPr>
+            <a:normAutofit/>
+          </a:bodyPr>
+          <a:lstStyle/>
+          <a:p>
+            <a:pPr marL="0" indent="0">
+              <a:buNone/>
+            </a:pPr>
+            <a:r>
+              <a:rPr lang="en-US" sz="2400" cap="none" dirty="0"/>
+              <a:t>Visualizations (25 points)</a:t>
+            </a:r>
+          </a:p>
+        </p:txBody>
+      </p:sp>
+      <p:sp>
+        <p:nvSpPr>
+          <p:cNvPr id="9" name="TextBox 8">
+            <a:extLst>
+              <a:ext uri="{FF2B5EF4-FFF2-40B4-BE49-F238E27FC236}">
+                <a16:creationId xmlns:a16="http://schemas.microsoft.com/office/drawing/2014/main" id="{6861424D-05DB-15F0-96F9-4DF7E2AC7948}"/>
+              </a:ext>
+            </a:extLst>
+          </p:cNvPr>
+          <p:cNvSpPr txBox="1"/>
+          <p:nvPr/>
+        </p:nvSpPr>
+        <p:spPr>
+          <a:xfrm>
+            <a:off x="6191250" y="2131033"/>
+            <a:ext cx="5708963" cy="2031325"/>
+          </a:xfrm>
+          <a:prstGeom prst="rect">
+            <a:avLst/>
+          </a:prstGeom>
+          <a:solidFill>
+            <a:schemeClr val="bg1"/>
+          </a:solidFill>
+        </p:spPr>
+        <p:txBody>
+          <a:bodyPr wrap="square" rtlCol="0">
+            <a:spAutoFit/>
+          </a:bodyPr>
+          <a:lstStyle/>
+          <a:p>
+            <a:r>
+              <a:rPr lang="en-US" dirty="0"/>
+              <a:t>Pretty straightforward stuff here. We’ll try to have this project wrapped up at least 2 class sessions before presentations. </a:t>
+            </a:r>
+          </a:p>
+          <a:p>
+            <a:endParaRPr lang="en-US" dirty="0"/>
+          </a:p>
+          <a:p>
+            <a:r>
+              <a:rPr lang="en-US" dirty="0"/>
+              <a:t>We can use those times to review flow of the slide deck as time allows.</a:t>
+            </a:r>
+          </a:p>
+          <a:p>
+            <a:endParaRPr lang="en-US" dirty="0"/>
+          </a:p>
+        </p:txBody>
+      </p:sp>
+    </p:spTree>
+    <p:controls>
+      <mc:AlternateContent xmlns:mc="http://schemas.openxmlformats.org/markup-compatibility/2006">
+        <mc:Choice xmlns:v="urn:schemas-microsoft-com:vml" Requires="v">
+          <p:control name="CheckBox1" r:id="rId1" imgW="5800680" imgH="914400"/>
+        </mc:Choice>
+        <mc:Fallback>
+          <p:control name="CheckBox1" r:id="rId1" imgW="5800680" imgH="914400">
+            <p:pic>
+              <p:nvPicPr>
+                <p:cNvPr id="5" name="CheckBox1">
+                  <a:extLst>
+                    <a:ext uri="{FF2B5EF4-FFF2-40B4-BE49-F238E27FC236}">
+                      <a16:creationId xmlns:a16="http://schemas.microsoft.com/office/drawing/2014/main" id="{0054213D-03C8-477A-DD38-FA1DBCEB4F5B}"/>
+                    </a:ext>
+                  </a:extLst>
+                </p:cNvPr>
+                <p:cNvPicPr>
+                  <a:picLocks/>
+                </p:cNvPicPr>
+                <p:nvPr/>
+              </p:nvPicPr>
+              <p:blipFill>
+                <a:blip r:embed="rId6"/>
+                <a:stretch>
+                  <a:fillRect/>
+                </a:stretch>
+              </p:blipFill>
+              <p:spPr>
+                <a:xfrm>
+                  <a:off x="291786" y="2131033"/>
+                  <a:ext cx="5804213" cy="914400"/>
+                </a:xfrm>
+                <a:prstGeom prst="rect">
+                  <a:avLst/>
+                </a:prstGeom>
+              </p:spPr>
+            </p:pic>
+          </p:control>
+        </mc:Fallback>
+      </mc:AlternateContent>
+      <mc:AlternateContent xmlns:mc="http://schemas.openxmlformats.org/markup-compatibility/2006">
+        <mc:Choice xmlns:v="urn:schemas-microsoft-com:vml" Requires="v">
+          <p:control name="CheckBox2" r:id="rId2" imgW="5800680" imgH="914400"/>
+        </mc:Choice>
+        <mc:Fallback>
+          <p:control name="CheckBox2" r:id="rId2" imgW="5800680" imgH="914400">
+            <p:pic>
+              <p:nvPicPr>
+                <p:cNvPr id="6" name="CheckBox2">
+                  <a:extLst>
+                    <a:ext uri="{FF2B5EF4-FFF2-40B4-BE49-F238E27FC236}">
+                      <a16:creationId xmlns:a16="http://schemas.microsoft.com/office/drawing/2014/main" id="{2CC88187-3CB9-DB25-4E2E-53B00DE4BB00}"/>
+                    </a:ext>
+                  </a:extLst>
+                </p:cNvPr>
+                <p:cNvPicPr>
+                  <a:picLocks/>
+                </p:cNvPicPr>
+                <p:nvPr/>
+              </p:nvPicPr>
+              <p:blipFill>
+                <a:blip r:embed="rId7"/>
+                <a:stretch>
+                  <a:fillRect/>
+                </a:stretch>
+              </p:blipFill>
+              <p:spPr>
+                <a:xfrm>
+                  <a:off x="291787" y="3112716"/>
+                  <a:ext cx="5804212" cy="914400"/>
+                </a:xfrm>
+                <a:prstGeom prst="rect">
+                  <a:avLst/>
+                </a:prstGeom>
+              </p:spPr>
+            </p:pic>
+          </p:control>
+        </mc:Fallback>
+      </mc:AlternateContent>
+      <mc:AlternateContent xmlns:mc="http://schemas.openxmlformats.org/markup-compatibility/2006">
+        <mc:Choice xmlns:v="urn:schemas-microsoft-com:vml" Requires="v">
+          <p:control name="CheckBox3" r:id="rId3" imgW="5800680" imgH="914400"/>
+        </mc:Choice>
+        <mc:Fallback>
+          <p:control name="CheckBox3" r:id="rId3" imgW="5800680" imgH="914400">
+            <p:pic>
+              <p:nvPicPr>
+                <p:cNvPr id="7" name="CheckBox3">
+                  <a:extLst>
+                    <a:ext uri="{FF2B5EF4-FFF2-40B4-BE49-F238E27FC236}">
+                      <a16:creationId xmlns:a16="http://schemas.microsoft.com/office/drawing/2014/main" id="{DFFBFC26-4385-E788-2DB4-5646F5363B57}"/>
+                    </a:ext>
+                  </a:extLst>
+                </p:cNvPr>
+                <p:cNvPicPr>
+                  <a:picLocks/>
+                </p:cNvPicPr>
+                <p:nvPr/>
+              </p:nvPicPr>
+              <p:blipFill>
+                <a:blip r:embed="rId8"/>
+                <a:stretch>
+                  <a:fillRect/>
+                </a:stretch>
+              </p:blipFill>
+              <p:spPr>
+                <a:xfrm>
+                  <a:off x="291786" y="4094399"/>
+                  <a:ext cx="5804211" cy="914400"/>
+                </a:xfrm>
+                <a:prstGeom prst="rect">
+                  <a:avLst/>
+                </a:prstGeom>
+              </p:spPr>
+            </p:pic>
+          </p:control>
+        </mc:Fallback>
+      </mc:AlternateContent>
+      <mc:AlternateContent xmlns:mc="http://schemas.openxmlformats.org/markup-compatibility/2006">
+        <mc:Choice xmlns:v="urn:schemas-microsoft-com:vml" Requires="v">
+          <p:control name="CheckBox4" r:id="rId4" imgW="5800680" imgH="914400"/>
+        </mc:Choice>
+        <mc:Fallback>
+          <p:control name="CheckBox4" r:id="rId4" imgW="5800680" imgH="914400">
+            <p:pic>
+              <p:nvPicPr>
+                <p:cNvPr id="10" name="CheckBox4">
+                  <a:extLst>
+                    <a:ext uri="{FF2B5EF4-FFF2-40B4-BE49-F238E27FC236}">
+                      <a16:creationId xmlns:a16="http://schemas.microsoft.com/office/drawing/2014/main" id="{45C81F5A-35E0-138F-50B2-84EA1494FED0}"/>
+                    </a:ext>
+                  </a:extLst>
+                </p:cNvPr>
+                <p:cNvPicPr>
+                  <a:picLocks/>
+                </p:cNvPicPr>
+                <p:nvPr/>
+              </p:nvPicPr>
+              <p:blipFill>
+                <a:blip r:embed="rId9"/>
+                <a:stretch>
+                  <a:fillRect/>
+                </a:stretch>
+              </p:blipFill>
+              <p:spPr>
+                <a:xfrm>
+                  <a:off x="291785" y="5076082"/>
+                  <a:ext cx="5804211" cy="914400"/>
+                </a:xfrm>
+                <a:prstGeom prst="rect">
+                  <a:avLst/>
+                </a:prstGeom>
+              </p:spPr>
+            </p:pic>
+          </p:control>
+        </mc:Fallback>
+      </mc:AlternateContent>
+    </p:controls>
+    <p:extLst>
+      <p:ext uri="{BB962C8B-B14F-4D97-AF65-F5344CB8AC3E}">
+        <p14:creationId xmlns:p14="http://schemas.microsoft.com/office/powerpoint/2010/main" val="2198290460"/>
+      </p:ext>
+    </p:extLst>
+  </p:cSld>
+  <p:clrMapOvr>
+    <a:masterClrMapping/>
+  </p:clrMapOvr>
+</p:sld>
+</file>
+
+<file path=ppt/slides/slide7.xml><?xml version="1.0" encoding="utf-8"?>
+<p:sld xmlns:a="http://schemas.openxmlformats.org/drawingml/2006/main" xmlns:r="http://schemas.openxmlformats.org/officeDocument/2006/relationships" xmlns:p="http://schemas.openxmlformats.org/presentationml/2006/main">
+  <p:cSld>
+    <p:spTree>
+      <p:nvGrpSpPr>
+        <p:cNvPr id="1" name=""/>
+        <p:cNvGrpSpPr/>
+        <p:nvPr/>
+      </p:nvGrpSpPr>
+      <p:grpSpPr>
+        <a:xfrm>
+          <a:off x="0" y="0"/>
+          <a:ext cx="0" cy="0"/>
+          <a:chOff x="0" y="0"/>
+          <a:chExt cx="0" cy="0"/>
+        </a:xfrm>
+      </p:grpSpPr>
+      <p:sp>
+        <p:nvSpPr>
+          <p:cNvPr id="2" name="Title 1">
+            <a:extLst>
+              <a:ext uri="{FF2B5EF4-FFF2-40B4-BE49-F238E27FC236}">
+                <a16:creationId xmlns:a16="http://schemas.microsoft.com/office/drawing/2014/main" id="{8872C89C-B66B-5120-6244-83640E945E97}"/>
+              </a:ext>
+            </a:extLst>
+          </p:cNvPr>
+          <p:cNvSpPr>
+            <a:spLocks noGrp="1"/>
+          </p:cNvSpPr>
+          <p:nvPr>
+            <p:ph type="title"/>
+          </p:nvPr>
+        </p:nvSpPr>
+        <p:spPr>
+          <a:xfrm>
+            <a:off x="291786" y="167667"/>
+            <a:ext cx="11608425" cy="981683"/>
+          </a:xfrm>
+        </p:spPr>
+        <p:txBody>
+          <a:bodyPr>
+            <a:normAutofit/>
+          </a:bodyPr>
+          <a:lstStyle/>
+          <a:p>
+            <a:r>
+              <a:rPr lang="en-US" cap="none" dirty="0"/>
+              <a:t>Rubric and requirements</a:t>
+            </a:r>
+          </a:p>
+        </p:txBody>
+      </p:sp>
+      <p:sp>
+        <p:nvSpPr>
+          <p:cNvPr id="3" name="Content Placeholder 2">
+            <a:extLst>
+              <a:ext uri="{FF2B5EF4-FFF2-40B4-BE49-F238E27FC236}">
+                <a16:creationId xmlns:a16="http://schemas.microsoft.com/office/drawing/2014/main" id="{67C32DAD-B2EF-9CD7-72D2-DDC7D5911691}"/>
+              </a:ext>
+            </a:extLst>
+          </p:cNvPr>
+          <p:cNvSpPr>
+            <a:spLocks noGrp="1"/>
+          </p:cNvSpPr>
+          <p:nvPr>
+            <p:ph idx="1"/>
+          </p:nvPr>
+        </p:nvSpPr>
+        <p:spPr>
+          <a:xfrm>
+            <a:off x="291788" y="1149351"/>
+            <a:ext cx="11608425" cy="914400"/>
+          </a:xfrm>
+          <a:solidFill>
+            <a:schemeClr val="bg1"/>
+          </a:solidFill>
+          <a:ln>
+            <a:solidFill>
+              <a:schemeClr val="tx1"/>
+            </a:solidFill>
+          </a:ln>
+        </p:spPr>
+        <p:txBody>
+          <a:bodyPr>
+            <a:normAutofit/>
+          </a:bodyPr>
+          <a:lstStyle/>
+          <a:p>
+            <a:pPr marL="0" indent="0">
+              <a:buNone/>
+            </a:pPr>
+            <a:r>
+              <a:rPr lang="en-US" sz="2400" cap="none" dirty="0"/>
+              <a:t>Group Presentation (25 points)</a:t>
+            </a:r>
+          </a:p>
+        </p:txBody>
+      </p:sp>
+      <p:sp>
+        <p:nvSpPr>
+          <p:cNvPr id="9" name="TextBox 8">
+            <a:extLst>
+              <a:ext uri="{FF2B5EF4-FFF2-40B4-BE49-F238E27FC236}">
+                <a16:creationId xmlns:a16="http://schemas.microsoft.com/office/drawing/2014/main" id="{6861424D-05DB-15F0-96F9-4DF7E2AC7948}"/>
+              </a:ext>
+            </a:extLst>
+          </p:cNvPr>
+          <p:cNvSpPr txBox="1"/>
+          <p:nvPr/>
+        </p:nvSpPr>
+        <p:spPr>
+          <a:xfrm>
+            <a:off x="6191250" y="2131033"/>
+            <a:ext cx="5708963" cy="923330"/>
+          </a:xfrm>
+          <a:prstGeom prst="rect">
+            <a:avLst/>
+          </a:prstGeom>
+          <a:solidFill>
+            <a:schemeClr val="bg1"/>
+          </a:solidFill>
+        </p:spPr>
+        <p:txBody>
+          <a:bodyPr wrap="square" rtlCol="0">
+            <a:spAutoFit/>
+          </a:bodyPr>
+          <a:lstStyle/>
+          <a:p>
+            <a:pPr marL="285750" indent="-285750">
+              <a:buFont typeface="Arial" panose="020B0604020202020204" pitchFamily="34" charset="0"/>
+              <a:buChar char="•"/>
+            </a:pPr>
+            <a:r>
+              <a:rPr lang="en-US" dirty="0"/>
+              <a:t>Concise slides</a:t>
+            </a:r>
+          </a:p>
+          <a:p>
+            <a:pPr marL="285750" indent="-285750">
+              <a:buFont typeface="Arial" panose="020B0604020202020204" pitchFamily="34" charset="0"/>
+              <a:buChar char="•"/>
+            </a:pPr>
+            <a:r>
+              <a:rPr lang="en-US" dirty="0"/>
+              <a:t>We just don’t read the slide content verbatim. Easy!</a:t>
+            </a:r>
+          </a:p>
+          <a:p>
+            <a:endParaRPr lang="en-US" dirty="0"/>
+          </a:p>
+        </p:txBody>
+      </p:sp>
+    </p:spTree>
+    <p:controls>
+      <mc:AlternateContent xmlns:mc="http://schemas.openxmlformats.org/markup-compatibility/2006">
+        <mc:Choice xmlns:v="urn:schemas-microsoft-com:vml" Requires="v">
+          <p:control name="CheckBox1" r:id="rId1" imgW="5800680" imgH="914400"/>
+        </mc:Choice>
+        <mc:Fallback>
+          <p:control name="CheckBox1" r:id="rId1" imgW="5800680" imgH="914400">
+            <p:pic>
+              <p:nvPicPr>
+                <p:cNvPr id="5" name="CheckBox1">
+                  <a:extLst>
+                    <a:ext uri="{FF2B5EF4-FFF2-40B4-BE49-F238E27FC236}">
+                      <a16:creationId xmlns:a16="http://schemas.microsoft.com/office/drawing/2014/main" id="{0054213D-03C8-477A-DD38-FA1DBCEB4F5B}"/>
+                    </a:ext>
+                  </a:extLst>
+                </p:cNvPr>
+                <p:cNvPicPr>
+                  <a:picLocks/>
+                </p:cNvPicPr>
+                <p:nvPr/>
+              </p:nvPicPr>
+              <p:blipFill>
+                <a:blip r:embed="rId6"/>
+                <a:stretch>
+                  <a:fillRect/>
+                </a:stretch>
+              </p:blipFill>
+              <p:spPr>
+                <a:xfrm>
+                  <a:off x="291786" y="2131033"/>
+                  <a:ext cx="5804213" cy="914400"/>
+                </a:xfrm>
+                <a:prstGeom prst="rect">
+                  <a:avLst/>
+                </a:prstGeom>
+              </p:spPr>
+            </p:pic>
+          </p:control>
+        </mc:Fallback>
+      </mc:AlternateContent>
+      <mc:AlternateContent xmlns:mc="http://schemas.openxmlformats.org/markup-compatibility/2006">
+        <mc:Choice xmlns:v="urn:schemas-microsoft-com:vml" Requires="v">
+          <p:control name="CheckBox2" r:id="rId2" imgW="5800680" imgH="914400"/>
+        </mc:Choice>
+        <mc:Fallback>
+          <p:control name="CheckBox2" r:id="rId2" imgW="5800680" imgH="914400">
+            <p:pic>
+              <p:nvPicPr>
+                <p:cNvPr id="6" name="CheckBox2">
+                  <a:extLst>
+                    <a:ext uri="{FF2B5EF4-FFF2-40B4-BE49-F238E27FC236}">
+                      <a16:creationId xmlns:a16="http://schemas.microsoft.com/office/drawing/2014/main" id="{2CC88187-3CB9-DB25-4E2E-53B00DE4BB00}"/>
+                    </a:ext>
+                  </a:extLst>
+                </p:cNvPr>
+                <p:cNvPicPr>
+                  <a:picLocks/>
+                </p:cNvPicPr>
+                <p:nvPr/>
+              </p:nvPicPr>
+              <p:blipFill>
+                <a:blip r:embed="rId7"/>
+                <a:stretch>
+                  <a:fillRect/>
+                </a:stretch>
+              </p:blipFill>
+              <p:spPr>
+                <a:xfrm>
+                  <a:off x="291787" y="3112716"/>
+                  <a:ext cx="5804212" cy="914400"/>
+                </a:xfrm>
+                <a:prstGeom prst="rect">
+                  <a:avLst/>
+                </a:prstGeom>
+              </p:spPr>
+            </p:pic>
+          </p:control>
+        </mc:Fallback>
+      </mc:AlternateContent>
+      <mc:AlternateContent xmlns:mc="http://schemas.openxmlformats.org/markup-compatibility/2006">
+        <mc:Choice xmlns:v="urn:schemas-microsoft-com:vml" Requires="v">
+          <p:control name="CheckBox3" r:id="rId3" imgW="5800680" imgH="914400"/>
+        </mc:Choice>
+        <mc:Fallback>
+          <p:control name="CheckBox3" r:id="rId3" imgW="5800680" imgH="914400">
+            <p:pic>
+              <p:nvPicPr>
+                <p:cNvPr id="7" name="CheckBox3">
+                  <a:extLst>
+                    <a:ext uri="{FF2B5EF4-FFF2-40B4-BE49-F238E27FC236}">
+                      <a16:creationId xmlns:a16="http://schemas.microsoft.com/office/drawing/2014/main" id="{DFFBFC26-4385-E788-2DB4-5646F5363B57}"/>
+                    </a:ext>
+                  </a:extLst>
+                </p:cNvPr>
+                <p:cNvPicPr>
+                  <a:picLocks/>
+                </p:cNvPicPr>
+                <p:nvPr/>
+              </p:nvPicPr>
+              <p:blipFill>
+                <a:blip r:embed="rId8"/>
+                <a:stretch>
+                  <a:fillRect/>
+                </a:stretch>
+              </p:blipFill>
+              <p:spPr>
+                <a:xfrm>
+                  <a:off x="291786" y="4094399"/>
+                  <a:ext cx="5804211" cy="914400"/>
+                </a:xfrm>
+                <a:prstGeom prst="rect">
+                  <a:avLst/>
+                </a:prstGeom>
+              </p:spPr>
+            </p:pic>
+          </p:control>
+        </mc:Fallback>
+      </mc:AlternateContent>
+      <mc:AlternateContent xmlns:mc="http://schemas.openxmlformats.org/markup-compatibility/2006">
+        <mc:Choice xmlns:v="urn:schemas-microsoft-com:vml" Requires="v">
+          <p:control name="CheckBox4" r:id="rId4" imgW="5800680" imgH="914400"/>
+        </mc:Choice>
+        <mc:Fallback>
+          <p:control name="CheckBox4" r:id="rId4" imgW="5800680" imgH="914400">
+            <p:pic>
+              <p:nvPicPr>
+                <p:cNvPr id="10" name="CheckBox4">
+                  <a:extLst>
+                    <a:ext uri="{FF2B5EF4-FFF2-40B4-BE49-F238E27FC236}">
+                      <a16:creationId xmlns:a16="http://schemas.microsoft.com/office/drawing/2014/main" id="{45C81F5A-35E0-138F-50B2-84EA1494FED0}"/>
+                    </a:ext>
+                  </a:extLst>
+                </p:cNvPr>
+                <p:cNvPicPr>
+                  <a:picLocks/>
+                </p:cNvPicPr>
+                <p:nvPr/>
+              </p:nvPicPr>
+              <p:blipFill>
+                <a:blip r:embed="rId9"/>
+                <a:stretch>
+                  <a:fillRect/>
+                </a:stretch>
+              </p:blipFill>
+              <p:spPr>
+                <a:xfrm>
+                  <a:off x="291785" y="5076082"/>
+                  <a:ext cx="5804211" cy="914400"/>
+                </a:xfrm>
+                <a:prstGeom prst="rect">
+                  <a:avLst/>
+                </a:prstGeom>
+              </p:spPr>
+            </p:pic>
+          </p:control>
+        </mc:Fallback>
+      </mc:AlternateContent>
+    </p:controls>
+    <p:extLst>
+      <p:ext uri="{BB962C8B-B14F-4D97-AF65-F5344CB8AC3E}">
+        <p14:creationId xmlns:p14="http://schemas.microsoft.com/office/powerpoint/2010/main" val="1332520817"/>
       </p:ext>
     </p:extLst>
   </p:cSld>
@@ -3932,9 +8232,9 @@
 </file>
 
 <file path=ppt/theme/theme1.xml><?xml version="1.0" encoding="utf-8"?>
-<a:theme xmlns:a="http://schemas.openxmlformats.org/drawingml/2006/main" name="Office Theme">
+<a:theme xmlns:a="http://schemas.openxmlformats.org/drawingml/2006/main" name="Droplet">
   <a:themeElements>
-    <a:clrScheme name="Office">
+    <a:clrScheme name="Droplet">
       <a:dk1>
         <a:sysClr val="windowText" lastClr="000000"/>
       </a:dk1>
@@ -3942,98 +8242,48 @@
         <a:sysClr val="window" lastClr="FFFFFF"/>
       </a:lt1>
       <a:dk2>
-        <a:srgbClr val="44546A"/>
+        <a:srgbClr val="355071"/>
       </a:dk2>
       <a:lt2>
-        <a:srgbClr val="E7E6E6"/>
+        <a:srgbClr val="AABED7"/>
       </a:lt2>
       <a:accent1>
-        <a:srgbClr val="4472C4"/>
+        <a:srgbClr val="2FA3EE"/>
       </a:accent1>
       <a:accent2>
-        <a:srgbClr val="ED7D31"/>
+        <a:srgbClr val="4BCAAD"/>
       </a:accent2>
       <a:accent3>
-        <a:srgbClr val="A5A5A5"/>
+        <a:srgbClr val="86C157"/>
       </a:accent3>
       <a:accent4>
-        <a:srgbClr val="FFC000"/>
+        <a:srgbClr val="D99C3F"/>
       </a:accent4>
       <a:accent5>
-        <a:srgbClr val="5B9BD5"/>
+        <a:srgbClr val="CE6633"/>
       </a:accent5>
       <a:accent6>
-        <a:srgbClr val="70AD47"/>
+        <a:srgbClr val="A35DD1"/>
       </a:accent6>
       <a:hlink>
-        <a:srgbClr val="0563C1"/>
+        <a:srgbClr val="56BCFE"/>
       </a:hlink>
       <a:folHlink>
-        <a:srgbClr val="954F72"/>
+        <a:srgbClr val="97C5E3"/>
       </a:folHlink>
     </a:clrScheme>
-    <a:fontScheme name="Office">
+    <a:fontScheme name="Gill Sans MT">
       <a:majorFont>
-        <a:latin typeface="Calibri Light" panose="020F0302020204030204"/>
+        <a:latin typeface="Gill Sans MT" panose="020B0502020104020203"/>
         <a:ea typeface=""/>
         <a:cs typeface=""/>
-        <a:font script="Jpan" typeface="游ゴシック Light"/>
-        <a:font script="Hang" typeface="맑은 고딕"/>
-        <a:font script="Hans" typeface="等线 Light"/>
-        <a:font script="Hant" typeface="新細明體"/>
-        <a:font script="Arab" typeface="Times New Roman"/>
-        <a:font script="Hebr" typeface="Times New Roman"/>
-        <a:font script="Thai" typeface="Angsana New"/>
-        <a:font script="Ethi" typeface="Nyala"/>
-        <a:font script="Beng" typeface="Vrinda"/>
-        <a:font script="Gujr" typeface="Shruti"/>
-        <a:font script="Khmr" typeface="MoolBoran"/>
-        <a:font script="Knda" typeface="Tunga"/>
-        <a:font script="Guru" typeface="Raavi"/>
-        <a:font script="Cans" typeface="Euphemia"/>
-        <a:font script="Cher" typeface="Plantagenet Cherokee"/>
-        <a:font script="Yiii" typeface="Microsoft Yi Baiti"/>
-        <a:font script="Tibt" typeface="Microsoft Himalaya"/>
-        <a:font script="Thaa" typeface="MV Boli"/>
-        <a:font script="Deva" typeface="Mangal"/>
-        <a:font script="Telu" typeface="Gautami"/>
-        <a:font script="Taml" typeface="Latha"/>
-        <a:font script="Syrc" typeface="Estrangelo Edessa"/>
-        <a:font script="Orya" typeface="Kalinga"/>
-        <a:font script="Mlym" typeface="Kartika"/>
-        <a:font script="Laoo" typeface="DokChampa"/>
-        <a:font script="Sinh" typeface="Iskoola Pota"/>
-        <a:font script="Mong" typeface="Mongolian Baiti"/>
-        <a:font script="Viet" typeface="Times New Roman"/>
-        <a:font script="Uigh" typeface="Microsoft Uighur"/>
-        <a:font script="Geor" typeface="Sylfaen"/>
-        <a:font script="Armn" typeface="Arial"/>
-        <a:font script="Bugi" typeface="Leelawadee UI"/>
-        <a:font script="Bopo" typeface="Microsoft JhengHei"/>
-        <a:font script="Java" typeface="Javanese Text"/>
-        <a:font script="Lisu" typeface="Segoe UI"/>
-        <a:font script="Mymr" typeface="Myanmar Text"/>
-        <a:font script="Nkoo" typeface="Ebrima"/>
-        <a:font script="Olck" typeface="Nirmala UI"/>
-        <a:font script="Osma" typeface="Ebrima"/>
-        <a:font script="Phag" typeface="Phagspa"/>
-        <a:font script="Syrn" typeface="Estrangelo Edessa"/>
-        <a:font script="Syrj" typeface="Estrangelo Edessa"/>
-        <a:font script="Syre" typeface="Estrangelo Edessa"/>
-        <a:font script="Sora" typeface="Nirmala UI"/>
-        <a:font script="Tale" typeface="Microsoft Tai Le"/>
-        <a:font script="Talu" typeface="Microsoft New Tai Lue"/>
-        <a:font script="Tfng" typeface="Ebrima"/>
-      </a:majorFont>
-      <a:minorFont>
-        <a:latin typeface="Calibri" panose="020F0502020204030204"/>
-        <a:ea typeface=""/>
-        <a:cs typeface=""/>
-        <a:font script="Jpan" typeface="游ゴシック"/>
-        <a:font script="Hang" typeface="맑은 고딕"/>
-        <a:font script="Hans" typeface="等线"/>
-        <a:font script="Hant" typeface="新細明體"/>
-        <a:font script="Arab" typeface="Arial"/>
+        <a:font script="Grek" typeface="Corbel"/>
+        <a:font script="Cyrl" typeface="Corbel"/>
+        <a:font script="Jpan" typeface="HGｺﾞｼｯｸE"/>
+        <a:font script="Hang" typeface="휴먼매직체"/>
+        <a:font script="Hans" typeface="华文中宋"/>
+        <a:font script="Hant" typeface="微軟正黑體"/>
+        <a:font script="Arab" typeface="Majalla UI"/>
         <a:font script="Hebr" typeface="Arial"/>
         <a:font script="Thai" typeface="Cordia New"/>
         <a:font script="Ethi" typeface="Nyala"/>
@@ -4056,30 +8306,145 @@
         <a:font script="Laoo" typeface="DokChampa"/>
         <a:font script="Sinh" typeface="Iskoola Pota"/>
         <a:font script="Mong" typeface="Mongolian Baiti"/>
-        <a:font script="Viet" typeface="Arial"/>
+        <a:font script="Viet" typeface="Tahoma"/>
         <a:font script="Uigh" typeface="Microsoft Uighur"/>
         <a:font script="Geor" typeface="Sylfaen"/>
-        <a:font script="Armn" typeface="Arial"/>
-        <a:font script="Bugi" typeface="Leelawadee UI"/>
-        <a:font script="Bopo" typeface="Microsoft JhengHei"/>
-        <a:font script="Java" typeface="Javanese Text"/>
-        <a:font script="Lisu" typeface="Segoe UI"/>
-        <a:font script="Mymr" typeface="Myanmar Text"/>
-        <a:font script="Nkoo" typeface="Ebrima"/>
-        <a:font script="Olck" typeface="Nirmala UI"/>
-        <a:font script="Osma" typeface="Ebrima"/>
-        <a:font script="Phag" typeface="Phagspa"/>
-        <a:font script="Syrn" typeface="Estrangelo Edessa"/>
-        <a:font script="Syrj" typeface="Estrangelo Edessa"/>
-        <a:font script="Syre" typeface="Estrangelo Edessa"/>
-        <a:font script="Sora" typeface="Nirmala UI"/>
-        <a:font script="Tale" typeface="Microsoft Tai Le"/>
-        <a:font script="Talu" typeface="Microsoft New Tai Lue"/>
-        <a:font script="Tfng" typeface="Ebrima"/>
+      </a:majorFont>
+      <a:minorFont>
+        <a:latin typeface="Gill Sans MT" panose="020B0502020104020203"/>
+        <a:ea typeface=""/>
+        <a:cs typeface=""/>
+        <a:font script="Grek" typeface="Corbel"/>
+        <a:font script="Cyrl" typeface="Corbel"/>
+        <a:font script="Jpan" typeface="HGｺﾞｼｯｸE"/>
+        <a:font script="Hang" typeface="휴먼매직체"/>
+        <a:font script="Hans" typeface="华文中宋"/>
+        <a:font script="Hant" typeface="微軟正黑體"/>
+        <a:font script="Arab" typeface="Majalla UI"/>
+        <a:font script="Hebr" typeface="Arial"/>
+        <a:font script="Thai" typeface="Cordia New"/>
+        <a:font script="Ethi" typeface="Nyala"/>
+        <a:font script="Beng" typeface="Vrinda"/>
+        <a:font script="Gujr" typeface="Shruti"/>
+        <a:font script="Khmr" typeface="DaunPenh"/>
+        <a:font script="Knda" typeface="Tunga"/>
+        <a:font script="Guru" typeface="Raavi"/>
+        <a:font script="Cans" typeface="Euphemia"/>
+        <a:font script="Cher" typeface="Plantagenet Cherokee"/>
+        <a:font script="Yiii" typeface="Microsoft Yi Baiti"/>
+        <a:font script="Tibt" typeface="Microsoft Himalaya"/>
+        <a:font script="Thaa" typeface="MV Boli"/>
+        <a:font script="Deva" typeface="Mangal"/>
+        <a:font script="Telu" typeface="Gautami"/>
+        <a:font script="Taml" typeface="Latha"/>
+        <a:font script="Syrc" typeface="Estrangelo Edessa"/>
+        <a:font script="Orya" typeface="Kalinga"/>
+        <a:font script="Mlym" typeface="Kartika"/>
+        <a:font script="Laoo" typeface="DokChampa"/>
+        <a:font script="Sinh" typeface="Iskoola Pota"/>
+        <a:font script="Mong" typeface="Mongolian Baiti"/>
+        <a:font script="Viet" typeface="Tahoma"/>
+        <a:font script="Uigh" typeface="Microsoft Uighur"/>
+        <a:font script="Geor" typeface="Sylfaen"/>
       </a:minorFont>
     </a:fontScheme>
-    <a:fmtScheme name="Office">
+    <a:fmtScheme name="Droplet">
       <a:fillStyleLst>
+        <a:solidFill>
+          <a:schemeClr val="phClr"/>
+        </a:solidFill>
+        <a:solidFill>
+          <a:schemeClr val="phClr">
+            <a:tint val="69000"/>
+            <a:satMod val="105000"/>
+            <a:lumMod val="110000"/>
+          </a:schemeClr>
+        </a:solidFill>
+        <a:gradFill rotWithShape="1">
+          <a:gsLst>
+            <a:gs pos="0">
+              <a:schemeClr val="phClr">
+                <a:tint val="94000"/>
+                <a:satMod val="100000"/>
+                <a:lumMod val="108000"/>
+              </a:schemeClr>
+            </a:gs>
+            <a:gs pos="50000">
+              <a:schemeClr val="phClr">
+                <a:tint val="98000"/>
+                <a:shade val="100000"/>
+                <a:satMod val="100000"/>
+                <a:lumMod val="100000"/>
+              </a:schemeClr>
+            </a:gs>
+            <a:gs pos="100000">
+              <a:schemeClr val="phClr">
+                <a:shade val="72000"/>
+                <a:satMod val="120000"/>
+                <a:lumMod val="100000"/>
+              </a:schemeClr>
+            </a:gs>
+          </a:gsLst>
+          <a:lin ang="5400000" scaled="0"/>
+        </a:gradFill>
+      </a:fillStyleLst>
+      <a:lnStyleLst>
+        <a:ln w="9525" cap="flat" cmpd="sng" algn="ctr">
+          <a:solidFill>
+            <a:schemeClr val="phClr">
+              <a:shade val="60000"/>
+            </a:schemeClr>
+          </a:solidFill>
+          <a:prstDash val="solid"/>
+        </a:ln>
+        <a:ln w="15875" cap="flat" cmpd="sng" algn="ctr">
+          <a:solidFill>
+            <a:schemeClr val="phClr"/>
+          </a:solidFill>
+          <a:prstDash val="solid"/>
+        </a:ln>
+        <a:ln w="22225" cap="flat" cmpd="sng" algn="ctr">
+          <a:solidFill>
+            <a:schemeClr val="phClr"/>
+          </a:solidFill>
+          <a:prstDash val="solid"/>
+        </a:ln>
+      </a:lnStyleLst>
+      <a:effectStyleLst>
+        <a:effectStyle>
+          <a:effectLst/>
+        </a:effectStyle>
+        <a:effectStyle>
+          <a:effectLst>
+            <a:outerShdw blurRad="50800" dist="25400" dir="5400000" rotWithShape="0">
+              <a:srgbClr val="000000">
+                <a:alpha val="28000"/>
+              </a:srgbClr>
+            </a:outerShdw>
+          </a:effectLst>
+        </a:effectStyle>
+        <a:effectStyle>
+          <a:effectLst>
+            <a:outerShdw blurRad="63500" dist="25400" dir="5400000" algn="ctr" rotWithShape="0">
+              <a:srgbClr val="000000">
+                <a:alpha val="69000"/>
+              </a:srgbClr>
+            </a:outerShdw>
+          </a:effectLst>
+          <a:scene3d>
+            <a:camera prst="orthographicFront">
+              <a:rot lat="0" lon="0" rev="0"/>
+            </a:camera>
+            <a:lightRig rig="balanced" dir="t">
+              <a:rot lat="0" lon="0" rev="1200000"/>
+            </a:lightRig>
+          </a:scene3d>
+          <a:sp3d prstMaterial="plastic">
+            <a:bevelT w="25400" h="25400"/>
+          </a:sp3d>
+        </a:effectStyle>
+      </a:effectStyleLst>
+      <a:bgFillStyleLst>
         <a:solidFill>
           <a:schemeClr val="phClr"/>
         </a:solidFill>
@@ -4087,23 +8452,14 @@
           <a:gsLst>
             <a:gs pos="0">
               <a:schemeClr val="phClr">
+                <a:tint val="90000"/>
                 <a:lumMod val="110000"/>
-                <a:satMod val="105000"/>
-                <a:tint val="67000"/>
-              </a:schemeClr>
-            </a:gs>
-            <a:gs pos="50000">
-              <a:schemeClr val="phClr">
-                <a:lumMod val="105000"/>
-                <a:satMod val="103000"/>
-                <a:tint val="73000"/>
               </a:schemeClr>
             </a:gs>
             <a:gs pos="100000">
               <a:schemeClr val="phClr">
-                <a:lumMod val="105000"/>
-                <a:satMod val="109000"/>
-                <a:tint val="81000"/>
+                <a:shade val="64000"/>
+                <a:lumMod val="88000"/>
               </a:schemeClr>
             </a:gs>
           </a:gsLst>
@@ -4113,101 +8469,18 @@
           <a:gsLst>
             <a:gs pos="0">
               <a:schemeClr val="phClr">
-                <a:satMod val="103000"/>
-                <a:lumMod val="102000"/>
-                <a:tint val="94000"/>
-              </a:schemeClr>
-            </a:gs>
-            <a:gs pos="50000">
-              <a:schemeClr val="phClr">
-                <a:satMod val="110000"/>
-                <a:lumMod val="100000"/>
+                <a:tint val="84000"/>
                 <a:shade val="100000"/>
+                <a:hueMod val="130000"/>
+                <a:satMod val="150000"/>
+                <a:lumMod val="112000"/>
               </a:schemeClr>
             </a:gs>
             <a:gs pos="100000">
               <a:schemeClr val="phClr">
-                <a:lumMod val="99000"/>
-                <a:satMod val="120000"/>
-                <a:shade val="78000"/>
-              </a:schemeClr>
-            </a:gs>
-          </a:gsLst>
-          <a:lin ang="5400000" scaled="0"/>
-        </a:gradFill>
-      </a:fillStyleLst>
-      <a:lnStyleLst>
-        <a:ln w="6350" cap="flat" cmpd="sng" algn="ctr">
-          <a:solidFill>
-            <a:schemeClr val="phClr"/>
-          </a:solidFill>
-          <a:prstDash val="solid"/>
-          <a:miter lim="800000"/>
-        </a:ln>
-        <a:ln w="12700" cap="flat" cmpd="sng" algn="ctr">
-          <a:solidFill>
-            <a:schemeClr val="phClr"/>
-          </a:solidFill>
-          <a:prstDash val="solid"/>
-          <a:miter lim="800000"/>
-        </a:ln>
-        <a:ln w="19050" cap="flat" cmpd="sng" algn="ctr">
-          <a:solidFill>
-            <a:schemeClr val="phClr"/>
-          </a:solidFill>
-          <a:prstDash val="solid"/>
-          <a:miter lim="800000"/>
-        </a:ln>
-      </a:lnStyleLst>
-      <a:effectStyleLst>
-        <a:effectStyle>
-          <a:effectLst/>
-        </a:effectStyle>
-        <a:effectStyle>
-          <a:effectLst/>
-        </a:effectStyle>
-        <a:effectStyle>
-          <a:effectLst>
-            <a:outerShdw blurRad="57150" dist="19050" dir="5400000" algn="ctr" rotWithShape="0">
-              <a:srgbClr val="000000">
-                <a:alpha val="63000"/>
-              </a:srgbClr>
-            </a:outerShdw>
-          </a:effectLst>
-        </a:effectStyle>
-      </a:effectStyleLst>
-      <a:bgFillStyleLst>
-        <a:solidFill>
-          <a:schemeClr val="phClr"/>
-        </a:solidFill>
-        <a:solidFill>
-          <a:schemeClr val="phClr">
-            <a:tint val="95000"/>
-            <a:satMod val="170000"/>
-          </a:schemeClr>
-        </a:solidFill>
-        <a:gradFill rotWithShape="1">
-          <a:gsLst>
-            <a:gs pos="0">
-              <a:schemeClr val="phClr">
-                <a:tint val="93000"/>
-                <a:satMod val="150000"/>
-                <a:shade val="98000"/>
-                <a:lumMod val="102000"/>
-              </a:schemeClr>
-            </a:gs>
-            <a:gs pos="50000">
-              <a:schemeClr val="phClr">
-                <a:tint val="98000"/>
-                <a:satMod val="130000"/>
-                <a:shade val="90000"/>
-                <a:lumMod val="103000"/>
-              </a:schemeClr>
-            </a:gs>
-            <a:gs pos="100000">
-              <a:schemeClr val="phClr">
-                <a:shade val="63000"/>
-                <a:satMod val="120000"/>
+                <a:shade val="92000"/>
+                <a:satMod val="140000"/>
+                <a:lumMod val="110000"/>
               </a:schemeClr>
             </a:gs>
           </a:gsLst>
@@ -4220,7 +8493,7 @@
   <a:extraClrSchemeLst/>
   <a:extLst>
     <a:ext uri="{05A4C25C-085E-4340-85A3-A5531E510DB2}">
-      <thm15:themeFamily xmlns:thm15="http://schemas.microsoft.com/office/thememl/2012/main" name="Office Theme" id="{62F939B6-93AF-4DB8-9C6B-D6C7DFDC589F}" vid="{4A3C46E8-61CC-4603-A589-7422A47A8E4A}"/>
+      <thm15:themeFamily xmlns:thm15="http://schemas.microsoft.com/office/thememl/2012/main" name="Droplet" id="{8984A317-299A-4E50-B45D-BFC9EDE2337A}" vid="{A633B6A3-9E7F-4C10-9C98-2517A3134361}"/>
     </a:ext>
   </a:extLst>
 </a:theme>
